--- a/Presentation/FinalPresentationWittler.pptx
+++ b/Presentation/FinalPresentationWittler.pptx
@@ -16,7 +16,8 @@
     <p:sldId id="262" r:id="rId10"/>
     <p:sldId id="263" r:id="rId11"/>
     <p:sldId id="264" r:id="rId12"/>
-    <p:sldId id="266" r:id="rId13"/>
+    <p:sldId id="268" r:id="rId13"/>
+    <p:sldId id="266" r:id="rId14"/>
   </p:sldIdLst>
   <p:sldSz cx="12192000" cy="6858000"/>
   <p:notesSz cx="6858000" cy="9144000"/>
@@ -115,6 +116,11 @@
       </a:defRPr>
     </a:lvl9pPr>
   </p:defaultTextStyle>
+  <p:extLst>
+    <p:ext uri="{EFAFB233-063F-42B5-8137-9DF3F51BA10A}">
+      <p15:sldGuideLst xmlns:p15="http://schemas.microsoft.com/office/powerpoint/2012/main"/>
+    </p:ext>
+  </p:extLst>
 </p:presentation>
 </file>
 
@@ -5540,7 +5546,7 @@
           <a:p>
             <a:fld id="{EF8F55E9-2656-4CA6-B4B8-690A48373171}" type="datetimeFigureOut">
               <a:rPr lang="en-US" smtClean="0"/>
-              <a:t>3/22/2019</a:t>
+              <a:t>3/25/2019</a:t>
             </a:fld>
             <a:endParaRPr lang="en-US"/>
           </a:p>
@@ -5710,7 +5716,7 @@
           <a:p>
             <a:fld id="{EF8F55E9-2656-4CA6-B4B8-690A48373171}" type="datetimeFigureOut">
               <a:rPr lang="en-US" smtClean="0"/>
-              <a:t>3/22/2019</a:t>
+              <a:t>3/25/2019</a:t>
             </a:fld>
             <a:endParaRPr lang="en-US"/>
           </a:p>
@@ -5890,7 +5896,7 @@
           <a:p>
             <a:fld id="{EF8F55E9-2656-4CA6-B4B8-690A48373171}" type="datetimeFigureOut">
               <a:rPr lang="en-US" smtClean="0"/>
-              <a:t>3/22/2019</a:t>
+              <a:t>3/25/2019</a:t>
             </a:fld>
             <a:endParaRPr lang="en-US"/>
           </a:p>
@@ -6060,7 +6066,7 @@
           <a:p>
             <a:fld id="{EF8F55E9-2656-4CA6-B4B8-690A48373171}" type="datetimeFigureOut">
               <a:rPr lang="en-US" smtClean="0"/>
-              <a:t>3/22/2019</a:t>
+              <a:t>3/25/2019</a:t>
             </a:fld>
             <a:endParaRPr lang="en-US"/>
           </a:p>
@@ -6306,7 +6312,7 @@
           <a:p>
             <a:fld id="{EF8F55E9-2656-4CA6-B4B8-690A48373171}" type="datetimeFigureOut">
               <a:rPr lang="en-US" smtClean="0"/>
-              <a:t>3/22/2019</a:t>
+              <a:t>3/25/2019</a:t>
             </a:fld>
             <a:endParaRPr lang="en-US"/>
           </a:p>
@@ -6538,7 +6544,7 @@
           <a:p>
             <a:fld id="{EF8F55E9-2656-4CA6-B4B8-690A48373171}" type="datetimeFigureOut">
               <a:rPr lang="en-US" smtClean="0"/>
-              <a:t>3/22/2019</a:t>
+              <a:t>3/25/2019</a:t>
             </a:fld>
             <a:endParaRPr lang="en-US"/>
           </a:p>
@@ -6905,7 +6911,7 @@
           <a:p>
             <a:fld id="{EF8F55E9-2656-4CA6-B4B8-690A48373171}" type="datetimeFigureOut">
               <a:rPr lang="en-US" smtClean="0"/>
-              <a:t>3/22/2019</a:t>
+              <a:t>3/25/2019</a:t>
             </a:fld>
             <a:endParaRPr lang="en-US"/>
           </a:p>
@@ -7023,7 +7029,7 @@
           <a:p>
             <a:fld id="{EF8F55E9-2656-4CA6-B4B8-690A48373171}" type="datetimeFigureOut">
               <a:rPr lang="en-US" smtClean="0"/>
-              <a:t>3/22/2019</a:t>
+              <a:t>3/25/2019</a:t>
             </a:fld>
             <a:endParaRPr lang="en-US"/>
           </a:p>
@@ -7118,7 +7124,7 @@
           <a:p>
             <a:fld id="{EF8F55E9-2656-4CA6-B4B8-690A48373171}" type="datetimeFigureOut">
               <a:rPr lang="en-US" smtClean="0"/>
-              <a:t>3/22/2019</a:t>
+              <a:t>3/25/2019</a:t>
             </a:fld>
             <a:endParaRPr lang="en-US"/>
           </a:p>
@@ -7395,7 +7401,7 @@
           <a:p>
             <a:fld id="{EF8F55E9-2656-4CA6-B4B8-690A48373171}" type="datetimeFigureOut">
               <a:rPr lang="en-US" smtClean="0"/>
-              <a:t>3/22/2019</a:t>
+              <a:t>3/25/2019</a:t>
             </a:fld>
             <a:endParaRPr lang="en-US"/>
           </a:p>
@@ -7652,7 +7658,7 @@
           <a:p>
             <a:fld id="{EF8F55E9-2656-4CA6-B4B8-690A48373171}" type="datetimeFigureOut">
               <a:rPr lang="en-US" smtClean="0"/>
-              <a:t>3/22/2019</a:t>
+              <a:t>3/25/2019</a:t>
             </a:fld>
             <a:endParaRPr lang="en-US"/>
           </a:p>
@@ -7865,7 +7871,7 @@
           <a:p>
             <a:fld id="{EF8F55E9-2656-4CA6-B4B8-690A48373171}" type="datetimeFigureOut">
               <a:rPr lang="en-US" smtClean="0"/>
-              <a:t>3/22/2019</a:t>
+              <a:t>3/25/2019</a:t>
             </a:fld>
             <a:endParaRPr lang="en-US"/>
           </a:p>
@@ -8580,53 +8586,6 @@
           </a:fontRef>
         </p:style>
       </p:cxnSp>
-      <p:pic>
-        <p:nvPicPr>
-          <p:cNvPr id="3074" name="Picture 2" descr="Image result for most basic neural network example">
-            <a:extLst>
-              <a:ext uri="{FF2B5EF4-FFF2-40B4-BE49-F238E27FC236}">
-                <a16:creationId xmlns:a16="http://schemas.microsoft.com/office/drawing/2014/main" id="{886BB5B1-2F00-4630-B2A3-DB545F905438}"/>
-              </a:ext>
-            </a:extLst>
-          </p:cNvPr>
-          <p:cNvPicPr>
-            <a:picLocks noChangeAspect="1" noChangeArrowheads="1"/>
-          </p:cNvPicPr>
-          <p:nvPr/>
-        </p:nvPicPr>
-        <p:blipFill>
-          <a:blip r:embed="rId2">
-            <a:extLst>
-              <a:ext uri="{28A0092B-C50C-407E-A947-70E740481C1C}">
-                <a14:useLocalDpi xmlns:a14="http://schemas.microsoft.com/office/drawing/2010/main" val="0"/>
-              </a:ext>
-            </a:extLst>
-          </a:blip>
-          <a:srcRect/>
-          <a:stretch>
-            <a:fillRect/>
-          </a:stretch>
-        </p:blipFill>
-        <p:spPr bwMode="auto">
-          <a:xfrm>
-            <a:off x="331567" y="2741122"/>
-            <a:ext cx="5455917" cy="3369028"/>
-          </a:xfrm>
-          <a:prstGeom prst="rect">
-            <a:avLst/>
-          </a:prstGeom>
-          <a:noFill/>
-          <a:extLst>
-            <a:ext uri="{909E8E84-426E-40DD-AFC4-6F175D3DCCD1}">
-              <a14:hiddenFill xmlns:a14="http://schemas.microsoft.com/office/drawing/2010/main">
-                <a:solidFill>
-                  <a:srgbClr val="FFFFFF"/>
-                </a:solidFill>
-              </a14:hiddenFill>
-            </a:ext>
-          </a:extLst>
-        </p:spPr>
-      </p:pic>
       <p:cxnSp>
         <p:nvCxnSpPr>
           <p:cNvPr id="79" name="Straight Connector 78">
@@ -8694,7 +8653,7 @@
           <p:nvPr/>
         </p:nvPicPr>
         <p:blipFill>
-          <a:blip r:embed="rId3"/>
+          <a:blip r:embed="rId2"/>
           <a:stretch>
             <a:fillRect/>
           </a:stretch>
@@ -8724,7 +8683,7 @@
           <p:nvPr/>
         </p:nvPicPr>
         <p:blipFill>
-          <a:blip r:embed="rId4"/>
+          <a:blip r:embed="rId3"/>
           <a:stretch>
             <a:fillRect/>
           </a:stretch>
@@ -8754,7 +8713,7 @@
           <p:nvPr/>
         </p:nvPicPr>
         <p:blipFill>
-          <a:blip r:embed="rId5"/>
+          <a:blip r:embed="rId4"/>
           <a:stretch>
             <a:fillRect/>
           </a:stretch>
@@ -8769,6 +8728,41 @@
           </a:prstGeom>
         </p:spPr>
       </p:pic>
+      <p:sp>
+        <p:nvSpPr>
+          <p:cNvPr id="3" name="TextBox 2">
+            <a:extLst>
+              <a:ext uri="{FF2B5EF4-FFF2-40B4-BE49-F238E27FC236}">
+                <a16:creationId xmlns:a16="http://schemas.microsoft.com/office/drawing/2014/main" id="{279E2114-4DF2-42CA-8ACC-5436B3F6F8EC}"/>
+              </a:ext>
+            </a:extLst>
+          </p:cNvPr>
+          <p:cNvSpPr txBox="1"/>
+          <p:nvPr/>
+        </p:nvSpPr>
+        <p:spPr>
+          <a:xfrm>
+            <a:off x="1320800" y="4018798"/>
+            <a:ext cx="2964869" cy="369332"/>
+          </a:xfrm>
+          <a:prstGeom prst="rect">
+            <a:avLst/>
+          </a:prstGeom>
+          <a:noFill/>
+        </p:spPr>
+        <p:txBody>
+          <a:bodyPr wrap="square" rtlCol="0">
+            <a:spAutoFit/>
+          </a:bodyPr>
+          <a:lstStyle/>
+          <a:p>
+            <a:r>
+              <a:rPr lang="en-US" dirty="0"/>
+              <a:t>Add my architecture here </a:t>
+            </a:r>
+          </a:p>
+        </p:txBody>
+      </p:sp>
     </p:spTree>
     <p:extLst>
       <p:ext uri="{BB962C8B-B14F-4D97-AF65-F5344CB8AC3E}">
@@ -9125,6 +9119,110 @@
           <p:cNvPr id="2" name="Title 1">
             <a:extLst>
               <a:ext uri="{FF2B5EF4-FFF2-40B4-BE49-F238E27FC236}">
+                <a16:creationId xmlns:a16="http://schemas.microsoft.com/office/drawing/2014/main" id="{95FA7F8B-AEC4-4D62-BE72-42B66DC5FDC5}"/>
+              </a:ext>
+            </a:extLst>
+          </p:cNvPr>
+          <p:cNvSpPr>
+            <a:spLocks noGrp="1"/>
+          </p:cNvSpPr>
+          <p:nvPr>
+            <p:ph type="title"/>
+          </p:nvPr>
+        </p:nvSpPr>
+        <p:spPr/>
+        <p:txBody>
+          <a:bodyPr/>
+          <a:lstStyle/>
+          <a:p>
+            <a:r>
+              <a:rPr lang="en-US" dirty="0"/>
+              <a:t>Other Task Investigated During Research </a:t>
+            </a:r>
+          </a:p>
+        </p:txBody>
+      </p:sp>
+      <p:sp>
+        <p:nvSpPr>
+          <p:cNvPr id="3" name="Content Placeholder 2">
+            <a:extLst>
+              <a:ext uri="{FF2B5EF4-FFF2-40B4-BE49-F238E27FC236}">
+                <a16:creationId xmlns:a16="http://schemas.microsoft.com/office/drawing/2014/main" id="{9252618E-2B73-4AF9-8CE9-AB7244A2F324}"/>
+              </a:ext>
+            </a:extLst>
+          </p:cNvPr>
+          <p:cNvSpPr>
+            <a:spLocks noGrp="1"/>
+          </p:cNvSpPr>
+          <p:nvPr>
+            <p:ph idx="1"/>
+          </p:nvPr>
+        </p:nvSpPr>
+        <p:spPr/>
+        <p:txBody>
+          <a:bodyPr/>
+          <a:lstStyle/>
+          <a:p>
+            <a:r>
+              <a:rPr lang="en-US" dirty="0"/>
+              <a:t>The relationship of different variables(ex. ICD9 codes) for patients who have diabetes</a:t>
+            </a:r>
+          </a:p>
+          <a:p>
+            <a:r>
+              <a:rPr lang="en-US" dirty="0"/>
+              <a:t>The use of medical notes to predict diabetes code </a:t>
+            </a:r>
+          </a:p>
+          <a:p>
+            <a:r>
+              <a:rPr lang="en-US" dirty="0"/>
+              <a:t>The consistency of ICD9 coding of individual diabetic patients over time</a:t>
+            </a:r>
+          </a:p>
+          <a:p>
+            <a:endParaRPr lang="en-US" dirty="0"/>
+          </a:p>
+          <a:p>
+            <a:endParaRPr lang="en-US" dirty="0"/>
+          </a:p>
+        </p:txBody>
+      </p:sp>
+    </p:spTree>
+    <p:extLst>
+      <p:ext uri="{BB962C8B-B14F-4D97-AF65-F5344CB8AC3E}">
+        <p14:creationId xmlns:p14="http://schemas.microsoft.com/office/powerpoint/2010/main" val="4098539916"/>
+      </p:ext>
+    </p:extLst>
+  </p:cSld>
+  <p:clrMapOvr>
+    <a:masterClrMapping/>
+  </p:clrMapOvr>
+</p:sld>
+</file>
+
+<file path=ppt/slides/slide13.xml><?xml version="1.0" encoding="utf-8"?>
+<p:sld xmlns:a="http://schemas.openxmlformats.org/drawingml/2006/main" xmlns:r="http://schemas.openxmlformats.org/officeDocument/2006/relationships" xmlns:p="http://schemas.openxmlformats.org/presentationml/2006/main">
+  <p:cSld>
+    <p:spTree>
+      <p:nvGrpSpPr>
+        <p:cNvPr id="1" name=""/>
+        <p:cNvGrpSpPr/>
+        <p:nvPr/>
+      </p:nvGrpSpPr>
+      <p:grpSpPr>
+        <a:xfrm>
+          <a:off x="0" y="0"/>
+          <a:ext cx="0" cy="0"/>
+          <a:chOff x="0" y="0"/>
+          <a:chExt cx="0" cy="0"/>
+        </a:xfrm>
+      </p:grpSpPr>
+      <p:sp>
+        <p:nvSpPr>
+          <p:cNvPr id="2" name="Title 1">
+            <a:extLst>
+              <a:ext uri="{FF2B5EF4-FFF2-40B4-BE49-F238E27FC236}">
                 <a16:creationId xmlns:a16="http://schemas.microsoft.com/office/drawing/2014/main" id="{098D48CF-7989-4C79-BAA1-925383F9D42F}"/>
               </a:ext>
             </a:extLst>
@@ -9148,7 +9246,7 @@
           <a:p>
             <a:r>
               <a:rPr lang="en-US" dirty="0"/>
-              <a:t>Conclusion</a:t>
+              <a:t>Conclusion and Discussion</a:t>
             </a:r>
           </a:p>
         </p:txBody>
@@ -9176,32 +9274,38 @@
           <a:p>
             <a:r>
               <a:rPr lang="en-US" sz="3200" dirty="0"/>
-              <a:t>Data Mining in the Medical Field</a:t>
+              <a:t>Data mining’s impact in the medical field</a:t>
             </a:r>
-          </a:p>
-          <a:p>
-            <a:pPr marL="0" indent="0">
-              <a:buNone/>
-            </a:pPr>
-            <a:endParaRPr lang="en-US" sz="3200" dirty="0"/>
           </a:p>
           <a:p>
             <a:r>
               <a:rPr lang="en-US" sz="3200" dirty="0"/>
-              <a:t>Mortality Relationship with Different Variables</a:t>
+              <a:t>Predictive mortality model results</a:t>
             </a:r>
-          </a:p>
-          <a:p>
-            <a:pPr marL="0" indent="0">
-              <a:buNone/>
-            </a:pPr>
-            <a:endParaRPr lang="en-US" sz="3200" dirty="0"/>
           </a:p>
           <a:p>
             <a:r>
               <a:rPr lang="en-US" sz="3200" dirty="0"/>
-              <a:t>Future Work – NLP on Medical Notes</a:t>
+              <a:t>Future work</a:t>
             </a:r>
+          </a:p>
+          <a:p>
+            <a:pPr lvl="1"/>
+            <a:r>
+              <a:rPr lang="en-US" sz="2800" dirty="0"/>
+              <a:t>Incorporating subgroup models</a:t>
+            </a:r>
+          </a:p>
+          <a:p>
+            <a:pPr lvl="1"/>
+            <a:r>
+              <a:rPr lang="en-US" sz="2800" dirty="0"/>
+              <a:t>Further NLP on the medical text of patients</a:t>
+            </a:r>
+          </a:p>
+          <a:p>
+            <a:pPr lvl="1"/>
+            <a:endParaRPr lang="en-US" sz="2800" dirty="0"/>
           </a:p>
           <a:p>
             <a:endParaRPr lang="en-US" dirty="0"/>
@@ -10555,7 +10659,7 @@
           <a:graphicData uri="http://schemas.openxmlformats.org/presentationml/2006/ole">
             <mc:AlternateContent xmlns:mc="http://schemas.openxmlformats.org/markup-compatibility/2006">
               <mc:Choice xmlns:v="urn:schemas-microsoft-com:vml" Requires="v">
-                <p:oleObj spid="_x0000_s1046" name="Packager Shell Object" showAsIcon="1" r:id="rId8" imgW="1762200" imgH="538200" progId="Package">
+                <p:oleObj spid="_x0000_s1050" name="Packager Shell Object" showAsIcon="1" r:id="rId8" imgW="1762200" imgH="538200" progId="Package">
                   <p:embed/>
                 </p:oleObj>
               </mc:Choice>
@@ -10621,7 +10725,7 @@
           <a:graphicData uri="http://schemas.openxmlformats.org/presentationml/2006/ole">
             <mc:AlternateContent xmlns:mc="http://schemas.openxmlformats.org/markup-compatibility/2006">
               <mc:Choice xmlns:v="urn:schemas-microsoft-com:vml" Requires="v">
-                <p:oleObj spid="_x0000_s1047" name="Packager Shell Object" showAsIcon="1" r:id="rId10" imgW="1752480" imgH="538200" progId="Package">
+                <p:oleObj spid="_x0000_s1051" name="Packager Shell Object" showAsIcon="1" r:id="rId10" imgW="1752480" imgH="538200" progId="Package">
                   <p:embed/>
                 </p:oleObj>
               </mc:Choice>

--- a/Presentation/FinalPresentationWittler.pptx
+++ b/Presentation/FinalPresentationWittler.pptx
@@ -11,11 +11,11 @@
     <p:sldId id="257" r:id="rId5"/>
     <p:sldId id="258" r:id="rId6"/>
     <p:sldId id="260" r:id="rId7"/>
-    <p:sldId id="261" r:id="rId8"/>
+    <p:sldId id="269" r:id="rId8"/>
     <p:sldId id="265" r:id="rId9"/>
     <p:sldId id="262" r:id="rId10"/>
-    <p:sldId id="263" r:id="rId11"/>
-    <p:sldId id="264" r:id="rId12"/>
+    <p:sldId id="270" r:id="rId11"/>
+    <p:sldId id="271" r:id="rId12"/>
     <p:sldId id="268" r:id="rId13"/>
     <p:sldId id="266" r:id="rId14"/>
   </p:sldIdLst>
@@ -1641,7 +1641,10 @@
         <a:lstStyle/>
         <a:p>
           <a:r>
-            <a:rPr lang="en-US" dirty="0"/>
+            <a:rPr lang="en-US" dirty="0">
+              <a:latin typeface="Times New Roman" panose="02020603050405020304" pitchFamily="18" charset="0"/>
+              <a:cs typeface="Times New Roman" panose="02020603050405020304" pitchFamily="18" charset="0"/>
+            </a:rPr>
             <a:t>1. Develop a model that utilizes glucose measurements to predict diabetic patient outcome.</a:t>
           </a:r>
         </a:p>
@@ -1677,7 +1680,10 @@
         <a:lstStyle/>
         <a:p>
           <a:r>
-            <a:rPr lang="en-US" dirty="0"/>
+            <a:rPr lang="en-US" dirty="0">
+              <a:latin typeface="Times New Roman" panose="02020603050405020304" pitchFamily="18" charset="0"/>
+              <a:cs typeface="Times New Roman" panose="02020603050405020304" pitchFamily="18" charset="0"/>
+            </a:rPr>
             <a:t>2. Determine how care management of diabetic patients effects patient outcome. </a:t>
           </a:r>
         </a:p>
@@ -1796,25 +1802,35 @@
 <file path=ppt/diagrams/data2.xml><?xml version="1.0" encoding="utf-8"?>
 <dgm:dataModel xmlns:dgm="http://schemas.openxmlformats.org/drawingml/2006/diagram" xmlns:a="http://schemas.openxmlformats.org/drawingml/2006/main">
   <dgm:ptLst>
-    <dgm:pt modelId="{B1B57FF5-0D42-49F4-8586-9D16FDDD5017}" type="doc">
-      <dgm:prSet loTypeId="urn:microsoft.com/office/officeart/2005/8/layout/chevron1" loCatId="process" qsTypeId="urn:microsoft.com/office/officeart/2005/8/quickstyle/simple1" qsCatId="simple" csTypeId="urn:microsoft.com/office/officeart/2005/8/colors/accent1_2" csCatId="accent1" phldr="1"/>
+    <dgm:pt modelId="{C1122A77-466C-4FA2-BA27-0728EAE17CBD}" type="doc">
+      <dgm:prSet loTypeId="urn:microsoft.com/office/officeart/2009/3/layout/DescendingProcess" loCatId="process" qsTypeId="urn:microsoft.com/office/officeart/2005/8/quickstyle/simple1" qsCatId="simple" csTypeId="urn:microsoft.com/office/officeart/2005/8/colors/accent1_2" csCatId="accent1" phldr="1"/>
       <dgm:spPr/>
+      <dgm:t>
+        <a:bodyPr/>
+        <a:lstStyle/>
+        <a:p>
+          <a:endParaRPr lang="en-US"/>
+        </a:p>
+      </dgm:t>
     </dgm:pt>
-    <dgm:pt modelId="{71AFAEEF-0CD7-4BD8-81C2-AE354D675A24}">
-      <dgm:prSet phldrT="[Text]"/>
+    <dgm:pt modelId="{17DA680A-CE57-4CCB-9C78-0ADC14C67C28}">
+      <dgm:prSet phldrT="[Text]" custT="1"/>
       <dgm:spPr/>
       <dgm:t>
         <a:bodyPr/>
         <a:lstStyle/>
         <a:p>
           <a:r>
-            <a:rPr lang="en-US" dirty="0"/>
+            <a:rPr lang="en-US" sz="4000" dirty="0">
+              <a:latin typeface="Times New Roman" panose="02020603050405020304" pitchFamily="18" charset="0"/>
+              <a:cs typeface="Times New Roman" panose="02020603050405020304" pitchFamily="18" charset="0"/>
+            </a:rPr>
             <a:t>Source</a:t>
           </a:r>
         </a:p>
       </dgm:t>
     </dgm:pt>
-    <dgm:pt modelId="{D6F44141-3CC8-44A1-925B-02FB07DDD1BC}" type="parTrans" cxnId="{2B7D83B8-8B5F-45F9-80F7-3D51B10B708B}">
+    <dgm:pt modelId="{37A70590-4ADE-4FAC-9379-8CA138F4E9E8}" type="parTrans" cxnId="{32314D6D-9FDE-413E-8EAC-54AF87E9C03E}">
       <dgm:prSet/>
       <dgm:spPr/>
       <dgm:t>
@@ -1825,7 +1841,7 @@
         </a:p>
       </dgm:t>
     </dgm:pt>
-    <dgm:pt modelId="{95FB5409-8A28-4132-A86C-C49009867A67}" type="sibTrans" cxnId="{2B7D83B8-8B5F-45F9-80F7-3D51B10B708B}">
+    <dgm:pt modelId="{14059A8F-5C80-44ED-A7D3-1E72833BA651}" type="sibTrans" cxnId="{32314D6D-9FDE-413E-8EAC-54AF87E9C03E}">
       <dgm:prSet/>
       <dgm:spPr/>
       <dgm:t>
@@ -1836,21 +1852,24 @@
         </a:p>
       </dgm:t>
     </dgm:pt>
-    <dgm:pt modelId="{48F5D0F4-5A63-46D2-AE59-F3A9066F36D9}">
-      <dgm:prSet phldrT="[Text]"/>
+    <dgm:pt modelId="{08E4D32D-742C-47D5-8DD4-AC59E700FD47}">
+      <dgm:prSet phldrT="[Text]" custT="1"/>
       <dgm:spPr/>
       <dgm:t>
         <a:bodyPr/>
         <a:lstStyle/>
         <a:p>
           <a:r>
-            <a:rPr lang="en-US" dirty="0"/>
-            <a:t>Query </a:t>
+            <a:rPr lang="en-US" sz="4000" dirty="0">
+              <a:latin typeface="Times New Roman" panose="02020603050405020304" pitchFamily="18" charset="0"/>
+              <a:cs typeface="Times New Roman" panose="02020603050405020304" pitchFamily="18" charset="0"/>
+            </a:rPr>
+            <a:t>Query</a:t>
           </a:r>
         </a:p>
       </dgm:t>
     </dgm:pt>
-    <dgm:pt modelId="{D292EDDB-9AD8-41D1-8B14-18182C38A485}" type="parTrans" cxnId="{48B5B911-F59E-4A46-9AB2-5C65BB7CDEF5}">
+    <dgm:pt modelId="{EEAAEBE0-67A1-4B03-9FEF-FE64062C8607}" type="parTrans" cxnId="{53F6240F-8694-4802-BDAC-CDC9A8E2151A}">
       <dgm:prSet/>
       <dgm:spPr/>
       <dgm:t>
@@ -1861,7 +1880,7 @@
         </a:p>
       </dgm:t>
     </dgm:pt>
-    <dgm:pt modelId="{64B36027-0888-48D1-99B5-16DFC97857B3}" type="sibTrans" cxnId="{48B5B911-F59E-4A46-9AB2-5C65BB7CDEF5}">
+    <dgm:pt modelId="{F35A492B-E616-466F-9F13-7C55681D9617}" type="sibTrans" cxnId="{53F6240F-8694-4802-BDAC-CDC9A8E2151A}">
       <dgm:prSet/>
       <dgm:spPr/>
       <dgm:t>
@@ -1872,21 +1891,24 @@
         </a:p>
       </dgm:t>
     </dgm:pt>
-    <dgm:pt modelId="{0ED38C03-A9F1-45E9-BCB4-F55B4A32DFAE}">
-      <dgm:prSet phldrT="[Text]"/>
+    <dgm:pt modelId="{C6F516F3-2585-4B9C-B046-989242307FCC}">
+      <dgm:prSet phldrT="[Text]" custT="1"/>
       <dgm:spPr/>
       <dgm:t>
         <a:bodyPr/>
         <a:lstStyle/>
         <a:p>
           <a:r>
-            <a:rPr lang="en-US" dirty="0"/>
+            <a:rPr lang="en-US" sz="4000" dirty="0">
+              <a:latin typeface="Times New Roman" panose="02020603050405020304" pitchFamily="18" charset="0"/>
+              <a:cs typeface="Times New Roman" panose="02020603050405020304" pitchFamily="18" charset="0"/>
+            </a:rPr>
             <a:t>Visualize</a:t>
           </a:r>
         </a:p>
       </dgm:t>
     </dgm:pt>
-    <dgm:pt modelId="{F008C449-C034-467B-8995-0651D73D4A63}" type="parTrans" cxnId="{D69BBD69-6322-429D-BE85-F1FF74303CDE}">
+    <dgm:pt modelId="{26F68440-3D7A-4354-A445-66CF1A24FA9C}" type="parTrans" cxnId="{E0EA1E92-2A39-4E56-BBA6-08887AC663D2}">
       <dgm:prSet/>
       <dgm:spPr/>
       <dgm:t>
@@ -1897,7 +1919,7 @@
         </a:p>
       </dgm:t>
     </dgm:pt>
-    <dgm:pt modelId="{162101A4-0AA4-43DA-A000-AD8542BBD84E}" type="sibTrans" cxnId="{D69BBD69-6322-429D-BE85-F1FF74303CDE}">
+    <dgm:pt modelId="{3EB462C1-4CDC-46EE-9EE1-FAC93AC028D4}" type="sibTrans" cxnId="{E0EA1E92-2A39-4E56-BBA6-08887AC663D2}">
       <dgm:prSet/>
       <dgm:spPr/>
       <dgm:t>
@@ -1908,49 +1930,95 @@
         </a:p>
       </dgm:t>
     </dgm:pt>
-    <dgm:pt modelId="{A84F0CA0-2C07-4B47-A7D7-B0FDC4C3AD44}" type="pres">
-      <dgm:prSet presAssocID="{B1B57FF5-0D42-49F4-8586-9D16FDDD5017}" presName="Name0" presStyleCnt="0">
+    <dgm:pt modelId="{3106441C-1C06-4F2A-84E8-9249C7EB3E04}">
+      <dgm:prSet phldrT="[Text]" phldr="1"/>
+      <dgm:spPr/>
+      <dgm:t>
+        <a:bodyPr/>
+        <a:lstStyle/>
+        <a:p>
+          <a:endParaRPr lang="en-US" dirty="0"/>
+        </a:p>
+      </dgm:t>
+    </dgm:pt>
+    <dgm:pt modelId="{9779CCCB-5FDA-422A-B914-0A9E0D753456}" type="parTrans" cxnId="{1DEBD01E-863D-45F7-AABD-1DDC0E9AC310}">
+      <dgm:prSet/>
+      <dgm:spPr/>
+      <dgm:t>
+        <a:bodyPr/>
+        <a:lstStyle/>
+        <a:p>
+          <a:endParaRPr lang="en-US"/>
+        </a:p>
+      </dgm:t>
+    </dgm:pt>
+    <dgm:pt modelId="{AEA81A81-AFC6-4CD3-84BA-58F267926EA5}" type="sibTrans" cxnId="{1DEBD01E-863D-45F7-AABD-1DDC0E9AC310}">
+      <dgm:prSet/>
+      <dgm:spPr/>
+      <dgm:t>
+        <a:bodyPr/>
+        <a:lstStyle/>
+        <a:p>
+          <a:endParaRPr lang="en-US"/>
+        </a:p>
+      </dgm:t>
+    </dgm:pt>
+    <dgm:pt modelId="{FC1D1A79-A281-4380-8FEA-53C635E7B439}" type="pres">
+      <dgm:prSet presAssocID="{C1122A77-466C-4FA2-BA27-0728EAE17CBD}" presName="Name0" presStyleCnt="0">
         <dgm:presLayoutVars>
-          <dgm:dir/>
-          <dgm:animLvl val="lvl"/>
-          <dgm:resizeHandles val="exact"/>
+          <dgm:chMax val="7"/>
+          <dgm:chPref val="5"/>
         </dgm:presLayoutVars>
       </dgm:prSet>
       <dgm:spPr/>
     </dgm:pt>
-    <dgm:pt modelId="{C110E6EF-62E0-4DAD-B36E-649ECE359749}" type="pres">
-      <dgm:prSet presAssocID="{71AFAEEF-0CD7-4BD8-81C2-AE354D675A24}" presName="parTxOnly" presStyleLbl="node1" presStyleIdx="0" presStyleCnt="3" custLinFactNeighborX="-821" custLinFactNeighborY="-96137">
+    <dgm:pt modelId="{5CAE5175-56B6-4123-83C2-9188F267E82C}" type="pres">
+      <dgm:prSet presAssocID="{C1122A77-466C-4FA2-BA27-0728EAE17CBD}" presName="arrowNode" presStyleLbl="node1" presStyleIdx="0" presStyleCnt="1"/>
+      <dgm:spPr/>
+    </dgm:pt>
+    <dgm:pt modelId="{64C8D78A-1C30-42B4-B3E6-564F18A0AA61}" type="pres">
+      <dgm:prSet presAssocID="{17DA680A-CE57-4CCB-9C78-0ADC14C67C28}" presName="txNode1" presStyleLbl="revTx" presStyleIdx="0" presStyleCnt="4">
         <dgm:presLayoutVars>
-          <dgm:chMax val="0"/>
-          <dgm:chPref val="0"/>
           <dgm:bulletEnabled val="1"/>
         </dgm:presLayoutVars>
       </dgm:prSet>
       <dgm:spPr/>
     </dgm:pt>
-    <dgm:pt modelId="{A18E6352-3DE1-4E4F-B3D5-684338AD8F5F}" type="pres">
-      <dgm:prSet presAssocID="{95FB5409-8A28-4132-A86C-C49009867A67}" presName="parTxOnlySpace" presStyleCnt="0"/>
-      <dgm:spPr/>
-    </dgm:pt>
-    <dgm:pt modelId="{84B93B98-DC6F-4320-9554-6A1DFCB1F5C3}" type="pres">
-      <dgm:prSet presAssocID="{48F5D0F4-5A63-46D2-AE59-F3A9066F36D9}" presName="parTxOnly" presStyleLbl="node1" presStyleIdx="1" presStyleCnt="3" custLinFactNeighborX="0" custLinFactNeighborY="-94465">
+    <dgm:pt modelId="{04D2DE34-E264-433F-B038-C51CD94624F6}" type="pres">
+      <dgm:prSet presAssocID="{08E4D32D-742C-47D5-8DD4-AC59E700FD47}" presName="txNode2" presStyleLbl="revTx" presStyleIdx="1" presStyleCnt="4">
         <dgm:presLayoutVars>
-          <dgm:chMax val="0"/>
-          <dgm:chPref val="0"/>
           <dgm:bulletEnabled val="1"/>
         </dgm:presLayoutVars>
       </dgm:prSet>
       <dgm:spPr/>
     </dgm:pt>
-    <dgm:pt modelId="{869BE5A4-8170-4C1B-82E2-224822A95DC4}" type="pres">
-      <dgm:prSet presAssocID="{64B36027-0888-48D1-99B5-16DFC97857B3}" presName="parTxOnlySpace" presStyleCnt="0"/>
+    <dgm:pt modelId="{8E515966-00FA-4435-A52C-C7BFE43BB3AF}" type="pres">
+      <dgm:prSet presAssocID="{F35A492B-E616-466F-9F13-7C55681D9617}" presName="dotNode2" presStyleCnt="0"/>
       <dgm:spPr/>
     </dgm:pt>
-    <dgm:pt modelId="{C32D15B7-A56B-40DF-9556-30E95E59D003}" type="pres">
-      <dgm:prSet presAssocID="{0ED38C03-A9F1-45E9-BCB4-F55B4A32DFAE}" presName="parTxOnly" presStyleLbl="node1" presStyleIdx="2" presStyleCnt="3" custLinFactNeighborX="821" custLinFactNeighborY="-93222">
+    <dgm:pt modelId="{4A071783-F3E4-4ABC-A5A9-4CD81C261C24}" type="pres">
+      <dgm:prSet presAssocID="{F35A492B-E616-466F-9F13-7C55681D9617}" presName="dotRepeatNode" presStyleLbl="fgShp" presStyleIdx="0" presStyleCnt="2"/>
+      <dgm:spPr/>
+    </dgm:pt>
+    <dgm:pt modelId="{91828337-BBC9-4D22-AF7E-776218A2A1AD}" type="pres">
+      <dgm:prSet presAssocID="{C6F516F3-2585-4B9C-B046-989242307FCC}" presName="txNode3" presStyleLbl="revTx" presStyleIdx="2" presStyleCnt="4">
         <dgm:presLayoutVars>
-          <dgm:chMax val="0"/>
-          <dgm:chPref val="0"/>
+          <dgm:bulletEnabled val="1"/>
+        </dgm:presLayoutVars>
+      </dgm:prSet>
+      <dgm:spPr/>
+    </dgm:pt>
+    <dgm:pt modelId="{CA26AE67-B611-4BD5-B4FB-8E6AE163E798}" type="pres">
+      <dgm:prSet presAssocID="{3EB462C1-4CDC-46EE-9EE1-FAC93AC028D4}" presName="dotNode3" presStyleCnt="0"/>
+      <dgm:spPr/>
+    </dgm:pt>
+    <dgm:pt modelId="{A3AB40D6-4FDF-4408-BED1-EA56A26E4E37}" type="pres">
+      <dgm:prSet presAssocID="{3EB462C1-4CDC-46EE-9EE1-FAC93AC028D4}" presName="dotRepeatNode" presStyleLbl="fgShp" presStyleIdx="1" presStyleCnt="2"/>
+      <dgm:spPr/>
+    </dgm:pt>
+    <dgm:pt modelId="{71D67A76-D744-415C-B108-48A1BBB0DA60}" type="pres">
+      <dgm:prSet presAssocID="{3106441C-1C06-4F2A-84E8-9249C7EB3E04}" presName="txNode4" presStyleLbl="revTx" presStyleIdx="3" presStyleCnt="4">
+        <dgm:presLayoutVars>
           <dgm:bulletEnabled val="1"/>
         </dgm:presLayoutVars>
       </dgm:prSet>
@@ -1958,18 +2026,26 @@
     </dgm:pt>
   </dgm:ptLst>
   <dgm:cxnLst>
-    <dgm:cxn modelId="{48B5B911-F59E-4A46-9AB2-5C65BB7CDEF5}" srcId="{B1B57FF5-0D42-49F4-8586-9D16FDDD5017}" destId="{48F5D0F4-5A63-46D2-AE59-F3A9066F36D9}" srcOrd="1" destOrd="0" parTransId="{D292EDDB-9AD8-41D1-8B14-18182C38A485}" sibTransId="{64B36027-0888-48D1-99B5-16DFC97857B3}"/>
-    <dgm:cxn modelId="{F7CBBF41-6A70-45A7-8B87-9768E3FACFB7}" type="presOf" srcId="{48F5D0F4-5A63-46D2-AE59-F3A9066F36D9}" destId="{84B93B98-DC6F-4320-9554-6A1DFCB1F5C3}" srcOrd="0" destOrd="0" presId="urn:microsoft.com/office/officeart/2005/8/layout/chevron1"/>
-    <dgm:cxn modelId="{D69BBD69-6322-429D-BE85-F1FF74303CDE}" srcId="{B1B57FF5-0D42-49F4-8586-9D16FDDD5017}" destId="{0ED38C03-A9F1-45E9-BCB4-F55B4A32DFAE}" srcOrd="2" destOrd="0" parTransId="{F008C449-C034-467B-8995-0651D73D4A63}" sibTransId="{162101A4-0AA4-43DA-A000-AD8542BBD84E}"/>
-    <dgm:cxn modelId="{2B7D83B8-8B5F-45F9-80F7-3D51B10B708B}" srcId="{B1B57FF5-0D42-49F4-8586-9D16FDDD5017}" destId="{71AFAEEF-0CD7-4BD8-81C2-AE354D675A24}" srcOrd="0" destOrd="0" parTransId="{D6F44141-3CC8-44A1-925B-02FB07DDD1BC}" sibTransId="{95FB5409-8A28-4132-A86C-C49009867A67}"/>
-    <dgm:cxn modelId="{77500BCD-8C36-4585-86B2-1F9B6DED14C4}" type="presOf" srcId="{71AFAEEF-0CD7-4BD8-81C2-AE354D675A24}" destId="{C110E6EF-62E0-4DAD-B36E-649ECE359749}" srcOrd="0" destOrd="0" presId="urn:microsoft.com/office/officeart/2005/8/layout/chevron1"/>
-    <dgm:cxn modelId="{33157FDA-7B2A-4733-B909-2E1F03D75588}" type="presOf" srcId="{0ED38C03-A9F1-45E9-BCB4-F55B4A32DFAE}" destId="{C32D15B7-A56B-40DF-9556-30E95E59D003}" srcOrd="0" destOrd="0" presId="urn:microsoft.com/office/officeart/2005/8/layout/chevron1"/>
-    <dgm:cxn modelId="{192B02E8-BB8E-4E20-AF03-1DD10B081043}" type="presOf" srcId="{B1B57FF5-0D42-49F4-8586-9D16FDDD5017}" destId="{A84F0CA0-2C07-4B47-A7D7-B0FDC4C3AD44}" srcOrd="0" destOrd="0" presId="urn:microsoft.com/office/officeart/2005/8/layout/chevron1"/>
-    <dgm:cxn modelId="{7734819D-8D35-4653-A8F7-DE0F5AE40423}" type="presParOf" srcId="{A84F0CA0-2C07-4B47-A7D7-B0FDC4C3AD44}" destId="{C110E6EF-62E0-4DAD-B36E-649ECE359749}" srcOrd="0" destOrd="0" presId="urn:microsoft.com/office/officeart/2005/8/layout/chevron1"/>
-    <dgm:cxn modelId="{5E0F61FB-8D09-4B9D-96BA-B5467B39EC40}" type="presParOf" srcId="{A84F0CA0-2C07-4B47-A7D7-B0FDC4C3AD44}" destId="{A18E6352-3DE1-4E4F-B3D5-684338AD8F5F}" srcOrd="1" destOrd="0" presId="urn:microsoft.com/office/officeart/2005/8/layout/chevron1"/>
-    <dgm:cxn modelId="{6396A655-40EE-4B1A-8411-FFBCFA892FCA}" type="presParOf" srcId="{A84F0CA0-2C07-4B47-A7D7-B0FDC4C3AD44}" destId="{84B93B98-DC6F-4320-9554-6A1DFCB1F5C3}" srcOrd="2" destOrd="0" presId="urn:microsoft.com/office/officeart/2005/8/layout/chevron1"/>
-    <dgm:cxn modelId="{F3E7C9D7-EEE3-4CF9-80E9-31222E8BF043}" type="presParOf" srcId="{A84F0CA0-2C07-4B47-A7D7-B0FDC4C3AD44}" destId="{869BE5A4-8170-4C1B-82E2-224822A95DC4}" srcOrd="3" destOrd="0" presId="urn:microsoft.com/office/officeart/2005/8/layout/chevron1"/>
-    <dgm:cxn modelId="{74E0FF9D-8A97-4DE4-9362-79FBE39396E0}" type="presParOf" srcId="{A84F0CA0-2C07-4B47-A7D7-B0FDC4C3AD44}" destId="{C32D15B7-A56B-40DF-9556-30E95E59D003}" srcOrd="4" destOrd="0" presId="urn:microsoft.com/office/officeart/2005/8/layout/chevron1"/>
+    <dgm:cxn modelId="{53F6240F-8694-4802-BDAC-CDC9A8E2151A}" srcId="{C1122A77-466C-4FA2-BA27-0728EAE17CBD}" destId="{08E4D32D-742C-47D5-8DD4-AC59E700FD47}" srcOrd="1" destOrd="0" parTransId="{EEAAEBE0-67A1-4B03-9FEF-FE64062C8607}" sibTransId="{F35A492B-E616-466F-9F13-7C55681D9617}"/>
+    <dgm:cxn modelId="{1DEBD01E-863D-45F7-AABD-1DDC0E9AC310}" srcId="{C1122A77-466C-4FA2-BA27-0728EAE17CBD}" destId="{3106441C-1C06-4F2A-84E8-9249C7EB3E04}" srcOrd="3" destOrd="0" parTransId="{9779CCCB-5FDA-422A-B914-0A9E0D753456}" sibTransId="{AEA81A81-AFC6-4CD3-84BA-58F267926EA5}"/>
+    <dgm:cxn modelId="{43852F68-89AD-4501-8F01-857CFDA03705}" type="presOf" srcId="{17DA680A-CE57-4CCB-9C78-0ADC14C67C28}" destId="{64C8D78A-1C30-42B4-B3E6-564F18A0AA61}" srcOrd="0" destOrd="0" presId="urn:microsoft.com/office/officeart/2009/3/layout/DescendingProcess"/>
+    <dgm:cxn modelId="{32314D6D-9FDE-413E-8EAC-54AF87E9C03E}" srcId="{C1122A77-466C-4FA2-BA27-0728EAE17CBD}" destId="{17DA680A-CE57-4CCB-9C78-0ADC14C67C28}" srcOrd="0" destOrd="0" parTransId="{37A70590-4ADE-4FAC-9379-8CA138F4E9E8}" sibTransId="{14059A8F-5C80-44ED-A7D3-1E72833BA651}"/>
+    <dgm:cxn modelId="{D008A258-7EB2-491A-9481-C8B5C6381F29}" type="presOf" srcId="{08E4D32D-742C-47D5-8DD4-AC59E700FD47}" destId="{04D2DE34-E264-433F-B038-C51CD94624F6}" srcOrd="0" destOrd="0" presId="urn:microsoft.com/office/officeart/2009/3/layout/DescendingProcess"/>
+    <dgm:cxn modelId="{C2CC5B8B-BEC3-4B46-8DC1-B512C1C571C5}" type="presOf" srcId="{3EB462C1-4CDC-46EE-9EE1-FAC93AC028D4}" destId="{A3AB40D6-4FDF-4408-BED1-EA56A26E4E37}" srcOrd="0" destOrd="0" presId="urn:microsoft.com/office/officeart/2009/3/layout/DescendingProcess"/>
+    <dgm:cxn modelId="{E0EA1E92-2A39-4E56-BBA6-08887AC663D2}" srcId="{C1122A77-466C-4FA2-BA27-0728EAE17CBD}" destId="{C6F516F3-2585-4B9C-B046-989242307FCC}" srcOrd="2" destOrd="0" parTransId="{26F68440-3D7A-4354-A445-66CF1A24FA9C}" sibTransId="{3EB462C1-4CDC-46EE-9EE1-FAC93AC028D4}"/>
+    <dgm:cxn modelId="{CF0A07D9-8E43-4A6E-944D-CC8E432751EA}" type="presOf" srcId="{C6F516F3-2585-4B9C-B046-989242307FCC}" destId="{91828337-BBC9-4D22-AF7E-776218A2A1AD}" srcOrd="0" destOrd="0" presId="urn:microsoft.com/office/officeart/2009/3/layout/DescendingProcess"/>
+    <dgm:cxn modelId="{4BE5A4E4-BDAC-43E0-8278-A67FD9135717}" type="presOf" srcId="{F35A492B-E616-466F-9F13-7C55681D9617}" destId="{4A071783-F3E4-4ABC-A5A9-4CD81C261C24}" srcOrd="0" destOrd="0" presId="urn:microsoft.com/office/officeart/2009/3/layout/DescendingProcess"/>
+    <dgm:cxn modelId="{3B6078E8-26C0-4F2B-8DBB-E2515338CD32}" type="presOf" srcId="{3106441C-1C06-4F2A-84E8-9249C7EB3E04}" destId="{71D67A76-D744-415C-B108-48A1BBB0DA60}" srcOrd="0" destOrd="0" presId="urn:microsoft.com/office/officeart/2009/3/layout/DescendingProcess"/>
+    <dgm:cxn modelId="{8B0409FD-228B-4BC7-B107-05BAB85126B7}" type="presOf" srcId="{C1122A77-466C-4FA2-BA27-0728EAE17CBD}" destId="{FC1D1A79-A281-4380-8FEA-53C635E7B439}" srcOrd="0" destOrd="0" presId="urn:microsoft.com/office/officeart/2009/3/layout/DescendingProcess"/>
+    <dgm:cxn modelId="{570DA2D3-D0C5-4905-B370-9BD5960CEF9E}" type="presParOf" srcId="{FC1D1A79-A281-4380-8FEA-53C635E7B439}" destId="{5CAE5175-56B6-4123-83C2-9188F267E82C}" srcOrd="0" destOrd="0" presId="urn:microsoft.com/office/officeart/2009/3/layout/DescendingProcess"/>
+    <dgm:cxn modelId="{5BDBC206-75A2-4D14-AE38-068694CFCF37}" type="presParOf" srcId="{FC1D1A79-A281-4380-8FEA-53C635E7B439}" destId="{64C8D78A-1C30-42B4-B3E6-564F18A0AA61}" srcOrd="1" destOrd="0" presId="urn:microsoft.com/office/officeart/2009/3/layout/DescendingProcess"/>
+    <dgm:cxn modelId="{40041C95-1A48-4D6D-A597-8A73943D7B42}" type="presParOf" srcId="{FC1D1A79-A281-4380-8FEA-53C635E7B439}" destId="{04D2DE34-E264-433F-B038-C51CD94624F6}" srcOrd="2" destOrd="0" presId="urn:microsoft.com/office/officeart/2009/3/layout/DescendingProcess"/>
+    <dgm:cxn modelId="{79390F4F-084F-48AE-BA78-482C2BA680B5}" type="presParOf" srcId="{FC1D1A79-A281-4380-8FEA-53C635E7B439}" destId="{8E515966-00FA-4435-A52C-C7BFE43BB3AF}" srcOrd="3" destOrd="0" presId="urn:microsoft.com/office/officeart/2009/3/layout/DescendingProcess"/>
+    <dgm:cxn modelId="{B9CE71C8-A5D1-412B-9512-E93C8FD85DDA}" type="presParOf" srcId="{8E515966-00FA-4435-A52C-C7BFE43BB3AF}" destId="{4A071783-F3E4-4ABC-A5A9-4CD81C261C24}" srcOrd="0" destOrd="0" presId="urn:microsoft.com/office/officeart/2009/3/layout/DescendingProcess"/>
+    <dgm:cxn modelId="{D23C9D73-35AF-46AC-B3C7-1F3C10A7FDAC}" type="presParOf" srcId="{FC1D1A79-A281-4380-8FEA-53C635E7B439}" destId="{91828337-BBC9-4D22-AF7E-776218A2A1AD}" srcOrd="4" destOrd="0" presId="urn:microsoft.com/office/officeart/2009/3/layout/DescendingProcess"/>
+    <dgm:cxn modelId="{CB8F72D4-94A5-4595-9158-8C3FA6311E9B}" type="presParOf" srcId="{FC1D1A79-A281-4380-8FEA-53C635E7B439}" destId="{CA26AE67-B611-4BD5-B4FB-8E6AE163E798}" srcOrd="5" destOrd="0" presId="urn:microsoft.com/office/officeart/2009/3/layout/DescendingProcess"/>
+    <dgm:cxn modelId="{808C1284-1CBD-4850-9527-CF6612ACE404}" type="presParOf" srcId="{CA26AE67-B611-4BD5-B4FB-8E6AE163E798}" destId="{A3AB40D6-4FDF-4408-BED1-EA56A26E4E37}" srcOrd="0" destOrd="0" presId="urn:microsoft.com/office/officeart/2009/3/layout/DescendingProcess"/>
+    <dgm:cxn modelId="{71F0B655-9A80-4183-BAF8-078D30B7D76F}" type="presParOf" srcId="{FC1D1A79-A281-4380-8FEA-53C635E7B439}" destId="{71D67A76-D744-415C-B108-48A1BBB0DA60}" srcOrd="6" destOrd="0" presId="urn:microsoft.com/office/officeart/2009/3/layout/DescendingProcess"/>
   </dgm:cxnLst>
   <dgm:bg/>
   <dgm:whole/>
@@ -2092,12 +2168,12 @@
         <a:fontRef idx="minor"/>
       </dsp:style>
       <dsp:txBody>
-        <a:bodyPr spcFirstLastPara="0" vert="horz" wrap="square" lIns="129540" tIns="129540" rIns="129540" bIns="129540" numCol="1" spcCol="1270" anchor="ctr" anchorCtr="0">
+        <a:bodyPr spcFirstLastPara="0" vert="horz" wrap="square" lIns="137160" tIns="137160" rIns="137160" bIns="137160" numCol="1" spcCol="1270" anchor="ctr" anchorCtr="0">
           <a:noAutofit/>
         </a:bodyPr>
         <a:lstStyle/>
         <a:p>
-          <a:pPr marL="0" lvl="0" indent="0" algn="ctr" defTabSz="1511300">
+          <a:pPr marL="0" lvl="0" indent="0" algn="ctr" defTabSz="1600200">
             <a:lnSpc>
               <a:spcPct val="90000"/>
             </a:lnSpc>
@@ -2110,7 +2186,10 @@
             <a:buNone/>
           </a:pPr>
           <a:r>
-            <a:rPr lang="en-US" sz="3400" kern="1200" dirty="0"/>
+            <a:rPr lang="en-US" sz="3600" kern="1200" dirty="0">
+              <a:latin typeface="Times New Roman" panose="02020603050405020304" pitchFamily="18" charset="0"/>
+              <a:cs typeface="Times New Roman" panose="02020603050405020304" pitchFamily="18" charset="0"/>
+            </a:rPr>
             <a:t>1. Develop a model that utilizes glucose measurements to predict diabetic patient outcome.</a:t>
           </a:r>
         </a:p>
@@ -2223,12 +2302,12 @@
         <a:fontRef idx="minor"/>
       </dsp:style>
       <dsp:txBody>
-        <a:bodyPr spcFirstLastPara="0" vert="horz" wrap="square" lIns="129540" tIns="129540" rIns="129540" bIns="129540" numCol="1" spcCol="1270" anchor="ctr" anchorCtr="0">
+        <a:bodyPr spcFirstLastPara="0" vert="horz" wrap="square" lIns="137160" tIns="137160" rIns="137160" bIns="137160" numCol="1" spcCol="1270" anchor="ctr" anchorCtr="0">
           <a:noAutofit/>
         </a:bodyPr>
         <a:lstStyle/>
         <a:p>
-          <a:pPr marL="0" lvl="0" indent="0" algn="ctr" defTabSz="1511300">
+          <a:pPr marL="0" lvl="0" indent="0" algn="ctr" defTabSz="1600200">
             <a:lnSpc>
               <a:spcPct val="90000"/>
             </a:lnSpc>
@@ -2241,7 +2320,10 @@
             <a:buNone/>
           </a:pPr>
           <a:r>
-            <a:rPr lang="en-US" sz="3400" kern="1200" dirty="0"/>
+            <a:rPr lang="en-US" sz="3600" kern="1200" dirty="0">
+              <a:latin typeface="Times New Roman" panose="02020603050405020304" pitchFamily="18" charset="0"/>
+              <a:cs typeface="Times New Roman" panose="02020603050405020304" pitchFamily="18" charset="0"/>
+            </a:rPr>
             <a:t>2. Determine how care management of diabetic patients effects patient outcome. </a:t>
           </a:r>
         </a:p>
@@ -2263,18 +2345,21 @@
       <dsp:cNvGrpSpPr/>
     </dsp:nvGrpSpPr>
     <dsp:grpSpPr/>
-    <dsp:sp modelId="{C110E6EF-62E0-4DAD-B36E-649ECE359749}">
+    <dsp:sp modelId="{5CAE5175-56B6-4123-83C2-9188F267E82C}">
       <dsp:nvSpPr>
         <dsp:cNvPr id="0" name=""/>
         <dsp:cNvSpPr/>
       </dsp:nvSpPr>
       <dsp:spPr>
-        <a:xfrm>
-          <a:off x="0" y="0"/>
-          <a:ext cx="3753370" cy="1501348"/>
+        <a:xfrm rot="4396374">
+          <a:off x="1151240" y="981979"/>
+          <a:ext cx="4259979" cy="2970804"/>
         </a:xfrm>
-        <a:prstGeom prst="chevron">
-          <a:avLst/>
+        <a:prstGeom prst="swooshArrow">
+          <a:avLst>
+            <a:gd name="adj1" fmla="val 16310"/>
+            <a:gd name="adj2" fmla="val 31370"/>
+          </a:avLst>
         </a:prstGeom>
         <a:solidFill>
           <a:schemeClr val="accent1">
@@ -2312,50 +2397,23 @@
           <a:schemeClr val="lt1"/>
         </a:fontRef>
       </dsp:style>
-      <dsp:txBody>
-        <a:bodyPr spcFirstLastPara="0" vert="horz" wrap="square" lIns="176022" tIns="58674" rIns="58674" bIns="58674" numCol="1" spcCol="1270" anchor="ctr" anchorCtr="0">
-          <a:noAutofit/>
-        </a:bodyPr>
-        <a:lstStyle/>
-        <a:p>
-          <a:pPr marL="0" lvl="0" indent="0" algn="ctr" defTabSz="1955800">
-            <a:lnSpc>
-              <a:spcPct val="90000"/>
-            </a:lnSpc>
-            <a:spcBef>
-              <a:spcPct val="0"/>
-            </a:spcBef>
-            <a:spcAft>
-              <a:spcPct val="35000"/>
-            </a:spcAft>
-            <a:buNone/>
-          </a:pPr>
-          <a:r>
-            <a:rPr lang="en-US" sz="4400" kern="1200" dirty="0"/>
-            <a:t>Source</a:t>
-          </a:r>
-        </a:p>
-      </dsp:txBody>
-      <dsp:txXfrm>
-        <a:off x="750674" y="0"/>
-        <a:ext cx="2252022" cy="1501348"/>
-      </dsp:txXfrm>
     </dsp:sp>
-    <dsp:sp modelId="{84B93B98-DC6F-4320-9554-6A1DFCB1F5C3}">
+    <dsp:sp modelId="{4A071783-F3E4-4ABC-A5A9-4CD81C261C24}">
       <dsp:nvSpPr>
         <dsp:cNvPr id="0" name=""/>
         <dsp:cNvSpPr/>
       </dsp:nvSpPr>
       <dsp:spPr>
         <a:xfrm>
-          <a:off x="3381114" y="6746"/>
-          <a:ext cx="3753370" cy="1501348"/>
+          <a:off x="2928888" y="1502141"/>
+          <a:ext cx="107577" cy="107577"/>
         </a:xfrm>
-        <a:prstGeom prst="chevron">
+        <a:prstGeom prst="ellipse">
           <a:avLst/>
         </a:prstGeom>
         <a:solidFill>
           <a:schemeClr val="accent1">
+            <a:tint val="60000"/>
             <a:hueOff val="0"/>
             <a:satOff val="0"/>
             <a:lumOff val="0"/>
@@ -2386,54 +2444,25 @@
         <a:effectRef idx="0">
           <a:scrgbClr r="0" g="0" b="0"/>
         </a:effectRef>
-        <a:fontRef idx="minor">
-          <a:schemeClr val="lt1"/>
-        </a:fontRef>
+        <a:fontRef idx="minor"/>
       </dsp:style>
-      <dsp:txBody>
-        <a:bodyPr spcFirstLastPara="0" vert="horz" wrap="square" lIns="176022" tIns="58674" rIns="58674" bIns="58674" numCol="1" spcCol="1270" anchor="ctr" anchorCtr="0">
-          <a:noAutofit/>
-        </a:bodyPr>
-        <a:lstStyle/>
-        <a:p>
-          <a:pPr marL="0" lvl="0" indent="0" algn="ctr" defTabSz="1955800">
-            <a:lnSpc>
-              <a:spcPct val="90000"/>
-            </a:lnSpc>
-            <a:spcBef>
-              <a:spcPct val="0"/>
-            </a:spcBef>
-            <a:spcAft>
-              <a:spcPct val="35000"/>
-            </a:spcAft>
-            <a:buNone/>
-          </a:pPr>
-          <a:r>
-            <a:rPr lang="en-US" sz="4400" kern="1200" dirty="0"/>
-            <a:t>Query </a:t>
-          </a:r>
-        </a:p>
-      </dsp:txBody>
-      <dsp:txXfrm>
-        <a:off x="4131788" y="6746"/>
-        <a:ext cx="2252022" cy="1501348"/>
-      </dsp:txXfrm>
     </dsp:sp>
-    <dsp:sp modelId="{C32D15B7-A56B-40DF-9556-30E95E59D003}">
+    <dsp:sp modelId="{A3AB40D6-4FDF-4408-BED1-EA56A26E4E37}">
       <dsp:nvSpPr>
         <dsp:cNvPr id="0" name=""/>
         <dsp:cNvSpPr/>
       </dsp:nvSpPr>
       <dsp:spPr>
         <a:xfrm>
-          <a:off x="6762229" y="25407"/>
-          <a:ext cx="3753370" cy="1501348"/>
+          <a:off x="3865802" y="2415566"/>
+          <a:ext cx="107577" cy="107577"/>
         </a:xfrm>
-        <a:prstGeom prst="chevron">
+        <a:prstGeom prst="ellipse">
           <a:avLst/>
         </a:prstGeom>
         <a:solidFill>
           <a:schemeClr val="accent1">
+            <a:tint val="60000"/>
             <a:hueOff val="0"/>
             <a:satOff val="0"/>
             <a:lumOff val="0"/>
@@ -2464,17 +2493,47 @@
         <a:effectRef idx="0">
           <a:scrgbClr r="0" g="0" b="0"/>
         </a:effectRef>
-        <a:fontRef idx="minor">
-          <a:schemeClr val="lt1"/>
-        </a:fontRef>
+        <a:fontRef idx="minor"/>
+      </dsp:style>
+    </dsp:sp>
+    <dsp:sp modelId="{64C8D78A-1C30-42B4-B3E6-564F18A0AA61}">
+      <dsp:nvSpPr>
+        <dsp:cNvPr id="0" name=""/>
+        <dsp:cNvSpPr/>
+      </dsp:nvSpPr>
+      <dsp:spPr>
+        <a:xfrm>
+          <a:off x="865663" y="0"/>
+          <a:ext cx="2008448" cy="789562"/>
+        </a:xfrm>
+        <a:prstGeom prst="rect">
+          <a:avLst/>
+        </a:prstGeom>
+        <a:noFill/>
+        <a:ln>
+          <a:noFill/>
+        </a:ln>
+        <a:effectLst/>
+      </dsp:spPr>
+      <dsp:style>
+        <a:lnRef idx="0">
+          <a:scrgbClr r="0" g="0" b="0"/>
+        </a:lnRef>
+        <a:fillRef idx="0">
+          <a:scrgbClr r="0" g="0" b="0"/>
+        </a:fillRef>
+        <a:effectRef idx="0">
+          <a:scrgbClr r="0" g="0" b="0"/>
+        </a:effectRef>
+        <a:fontRef idx="minor"/>
       </dsp:style>
       <dsp:txBody>
-        <a:bodyPr spcFirstLastPara="0" vert="horz" wrap="square" lIns="176022" tIns="58674" rIns="58674" bIns="58674" numCol="1" spcCol="1270" anchor="ctr" anchorCtr="0">
+        <a:bodyPr spcFirstLastPara="0" vert="horz" wrap="square" lIns="50800" tIns="50800" rIns="50800" bIns="50800" numCol="1" spcCol="1270" anchor="b" anchorCtr="0">
           <a:noAutofit/>
         </a:bodyPr>
         <a:lstStyle/>
         <a:p>
-          <a:pPr marL="0" lvl="0" indent="0" algn="ctr" defTabSz="1955800">
+          <a:pPr marL="0" lvl="0" indent="0" algn="ctr" defTabSz="1778000">
             <a:lnSpc>
               <a:spcPct val="90000"/>
             </a:lnSpc>
@@ -2487,14 +2546,200 @@
             <a:buNone/>
           </a:pPr>
           <a:r>
-            <a:rPr lang="en-US" sz="4400" kern="1200" dirty="0"/>
+            <a:rPr lang="en-US" sz="4000" kern="1200" dirty="0">
+              <a:latin typeface="Times New Roman" panose="02020603050405020304" pitchFamily="18" charset="0"/>
+              <a:cs typeface="Times New Roman" panose="02020603050405020304" pitchFamily="18" charset="0"/>
+            </a:rPr>
+            <a:t>Source</a:t>
+          </a:r>
+        </a:p>
+      </dsp:txBody>
+      <dsp:txXfrm>
+        <a:off x="865663" y="0"/>
+        <a:ext cx="2008448" cy="789562"/>
+      </dsp:txXfrm>
+    </dsp:sp>
+    <dsp:sp modelId="{04D2DE34-E264-433F-B038-C51CD94624F6}">
+      <dsp:nvSpPr>
+        <dsp:cNvPr id="0" name=""/>
+        <dsp:cNvSpPr/>
+      </dsp:nvSpPr>
+      <dsp:spPr>
+        <a:xfrm>
+          <a:off x="3525501" y="1161149"/>
+          <a:ext cx="2768402" cy="789562"/>
+        </a:xfrm>
+        <a:prstGeom prst="rect">
+          <a:avLst/>
+        </a:prstGeom>
+        <a:noFill/>
+        <a:ln>
+          <a:noFill/>
+        </a:ln>
+        <a:effectLst/>
+      </dsp:spPr>
+      <dsp:style>
+        <a:lnRef idx="0">
+          <a:scrgbClr r="0" g="0" b="0"/>
+        </a:lnRef>
+        <a:fillRef idx="0">
+          <a:scrgbClr r="0" g="0" b="0"/>
+        </a:fillRef>
+        <a:effectRef idx="0">
+          <a:scrgbClr r="0" g="0" b="0"/>
+        </a:effectRef>
+        <a:fontRef idx="minor"/>
+      </dsp:style>
+      <dsp:txBody>
+        <a:bodyPr spcFirstLastPara="0" vert="horz" wrap="square" lIns="50800" tIns="50800" rIns="50800" bIns="50800" numCol="1" spcCol="1270" anchor="ctr" anchorCtr="0">
+          <a:noAutofit/>
+        </a:bodyPr>
+        <a:lstStyle/>
+        <a:p>
+          <a:pPr marL="0" lvl="0" indent="0" algn="l" defTabSz="1778000">
+            <a:lnSpc>
+              <a:spcPct val="90000"/>
+            </a:lnSpc>
+            <a:spcBef>
+              <a:spcPct val="0"/>
+            </a:spcBef>
+            <a:spcAft>
+              <a:spcPct val="35000"/>
+            </a:spcAft>
+            <a:buNone/>
+          </a:pPr>
+          <a:r>
+            <a:rPr lang="en-US" sz="4000" kern="1200" dirty="0">
+              <a:latin typeface="Times New Roman" panose="02020603050405020304" pitchFamily="18" charset="0"/>
+              <a:cs typeface="Times New Roman" panose="02020603050405020304" pitchFamily="18" charset="0"/>
+            </a:rPr>
+            <a:t>Query</a:t>
+          </a:r>
+        </a:p>
+      </dsp:txBody>
+      <dsp:txXfrm>
+        <a:off x="3525501" y="1161149"/>
+        <a:ext cx="2768402" cy="789562"/>
+      </dsp:txXfrm>
+    </dsp:sp>
+    <dsp:sp modelId="{91828337-BBC9-4D22-AF7E-776218A2A1AD}">
+      <dsp:nvSpPr>
+        <dsp:cNvPr id="0" name=""/>
+        <dsp:cNvSpPr/>
+      </dsp:nvSpPr>
+      <dsp:spPr>
+        <a:xfrm>
+          <a:off x="865663" y="2074574"/>
+          <a:ext cx="2714119" cy="789562"/>
+        </a:xfrm>
+        <a:prstGeom prst="rect">
+          <a:avLst/>
+        </a:prstGeom>
+        <a:noFill/>
+        <a:ln>
+          <a:noFill/>
+        </a:ln>
+        <a:effectLst/>
+      </dsp:spPr>
+      <dsp:style>
+        <a:lnRef idx="0">
+          <a:scrgbClr r="0" g="0" b="0"/>
+        </a:lnRef>
+        <a:fillRef idx="0">
+          <a:scrgbClr r="0" g="0" b="0"/>
+        </a:fillRef>
+        <a:effectRef idx="0">
+          <a:scrgbClr r="0" g="0" b="0"/>
+        </a:effectRef>
+        <a:fontRef idx="minor"/>
+      </dsp:style>
+      <dsp:txBody>
+        <a:bodyPr spcFirstLastPara="0" vert="horz" wrap="square" lIns="50800" tIns="50800" rIns="50800" bIns="50800" numCol="1" spcCol="1270" anchor="ctr" anchorCtr="0">
+          <a:noAutofit/>
+        </a:bodyPr>
+        <a:lstStyle/>
+        <a:p>
+          <a:pPr marL="0" lvl="0" indent="0" algn="r" defTabSz="1778000">
+            <a:lnSpc>
+              <a:spcPct val="90000"/>
+            </a:lnSpc>
+            <a:spcBef>
+              <a:spcPct val="0"/>
+            </a:spcBef>
+            <a:spcAft>
+              <a:spcPct val="35000"/>
+            </a:spcAft>
+            <a:buNone/>
+          </a:pPr>
+          <a:r>
+            <a:rPr lang="en-US" sz="4000" kern="1200" dirty="0">
+              <a:latin typeface="Times New Roman" panose="02020603050405020304" pitchFamily="18" charset="0"/>
+              <a:cs typeface="Times New Roman" panose="02020603050405020304" pitchFamily="18" charset="0"/>
+            </a:rPr>
             <a:t>Visualize</a:t>
           </a:r>
         </a:p>
       </dsp:txBody>
       <dsp:txXfrm>
-        <a:off x="7512903" y="25407"/>
-        <a:ext cx="2252022" cy="1501348"/>
+        <a:off x="865663" y="2074574"/>
+        <a:ext cx="2714119" cy="789562"/>
+      </dsp:txXfrm>
+    </dsp:sp>
+    <dsp:sp modelId="{71D67A76-D744-415C-B108-48A1BBB0DA60}">
+      <dsp:nvSpPr>
+        <dsp:cNvPr id="0" name=""/>
+        <dsp:cNvSpPr/>
+      </dsp:nvSpPr>
+      <dsp:spPr>
+        <a:xfrm>
+          <a:off x="3579783" y="4145200"/>
+          <a:ext cx="2714119" cy="789562"/>
+        </a:xfrm>
+        <a:prstGeom prst="rect">
+          <a:avLst/>
+        </a:prstGeom>
+        <a:noFill/>
+        <a:ln>
+          <a:noFill/>
+        </a:ln>
+        <a:effectLst/>
+      </dsp:spPr>
+      <dsp:style>
+        <a:lnRef idx="0">
+          <a:scrgbClr r="0" g="0" b="0"/>
+        </a:lnRef>
+        <a:fillRef idx="0">
+          <a:scrgbClr r="0" g="0" b="0"/>
+        </a:fillRef>
+        <a:effectRef idx="0">
+          <a:scrgbClr r="0" g="0" b="0"/>
+        </a:effectRef>
+        <a:fontRef idx="minor"/>
+      </dsp:style>
+      <dsp:txBody>
+        <a:bodyPr spcFirstLastPara="0" vert="horz" wrap="square" lIns="59690" tIns="59690" rIns="59690" bIns="59690" numCol="1" spcCol="1270" anchor="t" anchorCtr="0">
+          <a:noAutofit/>
+        </a:bodyPr>
+        <a:lstStyle/>
+        <a:p>
+          <a:pPr marL="0" lvl="0" indent="0" algn="ctr" defTabSz="2089150">
+            <a:lnSpc>
+              <a:spcPct val="90000"/>
+            </a:lnSpc>
+            <a:spcBef>
+              <a:spcPct val="0"/>
+            </a:spcBef>
+            <a:spcAft>
+              <a:spcPct val="35000"/>
+            </a:spcAft>
+            <a:buNone/>
+          </a:pPr>
+          <a:endParaRPr lang="en-US" sz="4700" kern="1200" dirty="0"/>
+        </a:p>
+      </dsp:txBody>
+      <dsp:txXfrm>
+        <a:off x="3579783" y="4145200"/>
+        <a:ext cx="2714119" cy="789562"/>
       </dsp:txXfrm>
     </dsp:sp>
   </dsp:spTree>
@@ -3065,15 +3310,39 @@
 </file>
 
 <file path=ppt/diagrams/layout2.xml><?xml version="1.0" encoding="utf-8"?>
-<dgm:layoutDef xmlns:dgm="http://schemas.openxmlformats.org/drawingml/2006/diagram" xmlns:a="http://schemas.openxmlformats.org/drawingml/2006/main" uniqueId="urn:microsoft.com/office/officeart/2005/8/layout/chevron1">
+<dgm:layoutDef xmlns:dgm="http://schemas.openxmlformats.org/drawingml/2006/diagram" xmlns:a="http://schemas.openxmlformats.org/drawingml/2006/main" uniqueId="urn:microsoft.com/office/officeart/2009/3/layout/DescendingProcess">
   <dgm:title val=""/>
   <dgm:desc val=""/>
   <dgm:catLst>
-    <dgm:cat type="process" pri="9000"/>
+    <dgm:cat type="process" pri="23500"/>
   </dgm:catLst>
-  <dgm:sampData useDef="1">
+  <dgm:sampData>
     <dgm:dataModel>
-      <dgm:ptLst/>
+      <dgm:ptLst>
+        <dgm:pt modelId="0" type="doc"/>
+        <dgm:pt modelId="1">
+          <dgm:prSet phldr="1"/>
+        </dgm:pt>
+        <dgm:pt modelId="2">
+          <dgm:prSet phldr="1"/>
+        </dgm:pt>
+        <dgm:pt modelId="3">
+          <dgm:prSet phldr="1"/>
+        </dgm:pt>
+        <dgm:pt modelId="4">
+          <dgm:prSet phldr="1"/>
+        </dgm:pt>
+        <dgm:pt modelId="5">
+          <dgm:prSet phldr="1"/>
+        </dgm:pt>
+      </dgm:ptLst>
+      <dgm:cxnLst>
+        <dgm:cxn modelId="6" srcId="0" destId="1" srcOrd="0" destOrd="0"/>
+        <dgm:cxn modelId="7" srcId="0" destId="2" srcOrd="1" destOrd="0"/>
+        <dgm:cxn modelId="8" srcId="0" destId="3" srcOrd="2" destOrd="0"/>
+        <dgm:cxn modelId="9" srcId="0" destId="4" srcOrd="3" destOrd="0"/>
+        <dgm:cxn modelId="10" srcId="0" destId="5" srcOrd="4" destOrd="0"/>
+      </dgm:cxnLst>
       <dgm:bg/>
       <dgm:whole/>
     </dgm:dataModel>
@@ -3082,12 +3351,20 @@
     <dgm:dataModel>
       <dgm:ptLst>
         <dgm:pt modelId="0" type="doc"/>
-        <dgm:pt modelId="1"/>
-        <dgm:pt modelId="2"/>
+        <dgm:pt modelId="1">
+          <dgm:prSet phldr="1"/>
+        </dgm:pt>
+        <dgm:pt modelId="2">
+          <dgm:prSet phldr="1"/>
+        </dgm:pt>
+        <dgm:pt modelId="3">
+          <dgm:prSet phldr="1"/>
+        </dgm:pt>
       </dgm:ptLst>
       <dgm:cxnLst>
-        <dgm:cxn modelId="3" srcId="0" destId="1" srcOrd="0" destOrd="0"/>
-        <dgm:cxn modelId="4" srcId="0" destId="2" srcOrd="1" destOrd="0"/>
+        <dgm:cxn modelId="4" srcId="0" destId="1" srcOrd="0" destOrd="0"/>
+        <dgm:cxn modelId="5" srcId="0" destId="2" srcOrd="1" destOrd="0"/>
+        <dgm:cxn modelId="6" srcId="0" destId="3" srcOrd="2" destOrd="0"/>
       </dgm:cxnLst>
       <dgm:bg/>
       <dgm:whole/>
@@ -3097,16 +3374,20 @@
     <dgm:dataModel>
       <dgm:ptLst>
         <dgm:pt modelId="0" type="doc"/>
-        <dgm:pt modelId="1"/>
-        <dgm:pt modelId="2"/>
-        <dgm:pt modelId="3"/>
-        <dgm:pt modelId="4"/>
+        <dgm:pt modelId="1">
+          <dgm:prSet phldr="1"/>
+        </dgm:pt>
+        <dgm:pt modelId="2">
+          <dgm:prSet phldr="1"/>
+        </dgm:pt>
+        <dgm:pt modelId="3">
+          <dgm:prSet phldr="1"/>
+        </dgm:pt>
       </dgm:ptLst>
       <dgm:cxnLst>
-        <dgm:cxn modelId="5" srcId="0" destId="1" srcOrd="0" destOrd="0"/>
-        <dgm:cxn modelId="6" srcId="0" destId="2" srcOrd="1" destOrd="0"/>
-        <dgm:cxn modelId="7" srcId="0" destId="3" srcOrd="2" destOrd="0"/>
-        <dgm:cxn modelId="8" srcId="0" destId="4" srcOrd="3" destOrd="0"/>
+        <dgm:cxn modelId="4" srcId="0" destId="1" srcOrd="0" destOrd="0"/>
+        <dgm:cxn modelId="5" srcId="0" destId="2" srcOrd="1" destOrd="0"/>
+        <dgm:cxn modelId="6" srcId="0" destId="3" srcOrd="2" destOrd="0"/>
       </dgm:cxnLst>
       <dgm:bg/>
       <dgm:whole/>
@@ -3114,235 +3395,596 @@
   </dgm:clrData>
   <dgm:layoutNode name="Name0">
     <dgm:varLst>
-      <dgm:dir/>
-      <dgm:animLvl val="lvl"/>
-      <dgm:resizeHandles val="exact"/>
+      <dgm:chMax val="7"/>
+      <dgm:chPref val="5"/>
     </dgm:varLst>
-    <dgm:choose name="Name1">
-      <dgm:if name="Name2" func="var" arg="dir" op="equ" val="norm">
-        <dgm:alg type="lin"/>
-      </dgm:if>
-      <dgm:else name="Name3">
-        <dgm:alg type="lin">
-          <dgm:param type="linDir" val="fromR"/>
-        </dgm:alg>
-      </dgm:else>
-    </dgm:choose>
+    <dgm:alg type="composite">
+      <dgm:param type="ar" val="1.1"/>
+    </dgm:alg>
     <dgm:shape xmlns:r="http://schemas.openxmlformats.org/officeDocument/2006/relationships" r:blip="">
       <dgm:adjLst/>
     </dgm:shape>
-    <dgm:presOf/>
-    <dgm:choose name="Name4">
-      <dgm:if name="Name5" axis="des" func="maxDepth" op="gte" val="2">
+    <dgm:choose name="Name1">
+      <dgm:if name="Name2" axis="ch" ptType="node" func="cnt" op="equ" val="1">
         <dgm:constrLst>
-          <dgm:constr type="h" for="ch" forName="composite" refType="h"/>
-          <dgm:constr type="w" for="ch" forName="composite" refType="w"/>
-          <dgm:constr type="w" for="des" forName="parTx"/>
-          <dgm:constr type="h" for="des" forName="parTx" op="equ"/>
-          <dgm:constr type="w" for="des" forName="desTx"/>
-          <dgm:constr type="h" for="des" forName="desTx" op="equ"/>
-          <dgm:constr type="primFontSz" for="des" forName="parTx" val="65"/>
-          <dgm:constr type="secFontSz" for="des" forName="desTx" refType="primFontSz" refFor="des" refForName="parTx" op="equ"/>
-          <dgm:constr type="h" for="des" forName="parTx" refType="primFontSz" refFor="des" refForName="parTx" fact="1.5"/>
-          <dgm:constr type="h" for="des" forName="desTx" refType="primFontSz" refFor="des" refForName="parTx" fact="0.5"/>
-          <dgm:constr type="w" for="ch" forName="space" op="equ" val="-6"/>
+          <dgm:constr type="primFontSz" for="ch" ptType="node" op="equ" val="65"/>
+          <dgm:constr type="w" for="ch" forName="arrowNode" refType="w" fact="0.75"/>
+          <dgm:constr type="h" for="ch" forName="arrowNode" refType="h"/>
+          <dgm:constr type="l" for="ch" forName="arrowNode" refType="w" fact="0.07"/>
+          <dgm:constr type="t" for="ch" forName="arrowNode"/>
+          <dgm:constr type="l" for="ch" forName="txNode1" refType="w" fact="0"/>
+          <dgm:constr type="t" for="ch" forName="txNode1" refType="h" fact="0"/>
+          <dgm:constr type="r" for="ch" forName="txNode1" refType="w" fact="0.37"/>
+          <dgm:constr type="h" for="ch" forName="txNode1" refType="h" fact="0.16"/>
+        </dgm:constrLst>
+      </dgm:if>
+      <dgm:if name="Name3" axis="ch" ptType="node" func="cnt" op="equ" val="2">
+        <dgm:constrLst>
+          <dgm:constr type="primFontSz" for="ch" ptType="node" op="equ" val="65"/>
+          <dgm:constr type="w" for="ch" forName="arrowNode" refType="w" fact="0.75"/>
+          <dgm:constr type="h" for="ch" forName="arrowNode" refType="h"/>
+          <dgm:constr type="l" for="ch" forName="arrowNode" refType="w" fact="0.07"/>
+          <dgm:constr type="t" for="ch" forName="arrowNode"/>
+          <dgm:constr type="l" for="ch" forName="txNode1" refType="w" fact="0"/>
+          <dgm:constr type="t" for="ch" forName="txNode1" refType="h" fact="0"/>
+          <dgm:constr type="r" for="ch" forName="txNode1" refType="w" fact="0.37"/>
+          <dgm:constr type="h" for="ch" forName="txNode1" refType="h" fact="0.16"/>
+          <dgm:constr type="l" for="ch" forName="txNode2" refType="w" fact="0.5"/>
+          <dgm:constr type="b" for="ch" forName="txNode2" refType="h"/>
+          <dgm:constr type="r" for="ch" forName="txNode2" refType="w"/>
+          <dgm:constr type="h" for="ch" forName="txNode2" refType="h" fact="0.16"/>
+        </dgm:constrLst>
+      </dgm:if>
+      <dgm:if name="Name4" axis="ch" ptType="node" func="cnt" op="equ" val="3">
+        <dgm:constrLst>
+          <dgm:constr type="primFontSz" for="ch" ptType="node" op="equ" val="65"/>
+          <dgm:constr type="w" for="ch" forName="arrowNode" refType="w" fact="0.75"/>
+          <dgm:constr type="h" for="ch" forName="arrowNode" refType="h"/>
+          <dgm:constr type="l" for="ch" forName="arrowNode" refType="w" fact="0.07"/>
+          <dgm:constr type="t" for="ch" forName="arrowNode"/>
+          <dgm:constr type="l" for="ch" forName="txNode1" refType="w" fact="0"/>
+          <dgm:constr type="t" for="ch" forName="txNode1" refType="h" fact="0"/>
+          <dgm:constr type="r" for="ch" forName="txNode1" refType="w" fact="0.37"/>
+          <dgm:constr type="h" for="ch" forName="txNode1" refType="h" fact="0.16"/>
+          <dgm:constr type="l" for="ch" forName="txNode2" refType="w" fact="0.56"/>
+          <dgm:constr type="ctrY" for="ch" forName="txNode2" refType="h" fact="0.3992"/>
+          <dgm:constr type="r" for="ch" forName="txNode2" refType="w"/>
+          <dgm:constr type="h" for="ch" forName="txNode2" refType="h" fact="0.16"/>
+          <dgm:constr type="l" for="ch" forName="txNode3" refType="w" fact="0.5"/>
+          <dgm:constr type="b" for="ch" forName="txNode3" refType="h"/>
+          <dgm:constr type="r" for="ch" forName="txNode3" refType="w"/>
+          <dgm:constr type="h" for="ch" forName="txNode3" refType="h" fact="0.16"/>
+          <dgm:constr type="ctrX" for="ch" forName="dotNode2" refType="w" fact="0.4782"/>
+          <dgm:constr type="ctrY" for="ch" forName="dotNode2" refType="h" fact="0.3992"/>
+          <dgm:constr type="h" for="ch" forName="dotNode2" refType="h" fact="0.0218"/>
+          <dgm:constr type="w" for="ch" forName="dotNode2" refType="h" refFor="ch" refForName="dotNode2"/>
+        </dgm:constrLst>
+      </dgm:if>
+      <dgm:if name="Name5" axis="ch" ptType="node" func="cnt" op="equ" val="4">
+        <dgm:constrLst>
+          <dgm:constr type="primFontSz" for="ch" ptType="node" op="equ" val="65"/>
+          <dgm:constr type="w" for="ch" forName="arrowNode" refType="w" fact="0.75"/>
+          <dgm:constr type="h" for="ch" forName="arrowNode" refType="h"/>
+          <dgm:constr type="l" for="ch" forName="arrowNode" refType="w" fact="0.07"/>
+          <dgm:constr type="t" for="ch" forName="arrowNode"/>
+          <dgm:constr type="l" for="ch" forName="txNode1" refType="w" fact="0"/>
+          <dgm:constr type="t" for="ch" forName="txNode1" refType="h" fact="0"/>
+          <dgm:constr type="r" for="ch" forName="txNode1" refType="w" fact="0.37"/>
+          <dgm:constr type="h" for="ch" forName="txNode1" refType="h" fact="0.16"/>
+          <dgm:constr type="l" for="ch" forName="txNode2" refType="w" fact="0.49"/>
+          <dgm:constr type="ctrY" for="ch" forName="txNode2" refType="h" fact="0.3153"/>
+          <dgm:constr type="r" for="ch" forName="txNode2" refType="w"/>
+          <dgm:constr type="h" for="ch" forName="txNode2" refType="h" fact="0.16"/>
+          <dgm:constr type="l" for="ch" forName="txNode3" refType="w" fact="0"/>
+          <dgm:constr type="ctrY" for="ch" forName="txNode3" refType="h" fact="0.5004"/>
+          <dgm:constr type="r" for="ch" forName="txNode3" refType="w" fact="0.5"/>
+          <dgm:constr type="h" for="ch" forName="txNode3" refType="h" fact="0.16"/>
+          <dgm:constr type="l" for="ch" forName="txNode4" refType="w" fact="0.5"/>
+          <dgm:constr type="b" for="ch" forName="txNode4" refType="h"/>
+          <dgm:constr type="r" for="ch" forName="txNode4" refType="w"/>
+          <dgm:constr type="h" for="ch" forName="txNode4" refType="h" fact="0.16"/>
+          <dgm:constr type="ctrX" for="ch" forName="dotNode2" refType="w" fact="0.39"/>
+          <dgm:constr type="ctrY" for="ch" forName="dotNode2" refType="h" fact="0.3153"/>
+          <dgm:constr type="h" for="ch" forName="dotNode2" refType="h" fact="0.0218"/>
+          <dgm:constr type="w" for="ch" forName="dotNode2" refType="h" refFor="ch" refForName="dotNode2"/>
+          <dgm:constr type="ctrX" for="ch" forName="dotNode3" refType="w" fact="0.5626"/>
+          <dgm:constr type="ctrY" for="ch" forName="dotNode3" refType="h" fact="0.5004"/>
+          <dgm:constr type="h" for="ch" forName="dotNode3" refType="h" fact="0.0218"/>
+          <dgm:constr type="w" for="ch" forName="dotNode3" refType="h" refFor="ch" refForName="dotNode3"/>
+        </dgm:constrLst>
+      </dgm:if>
+      <dgm:if name="Name6" axis="ch" ptType="node" func="cnt" op="equ" val="5">
+        <dgm:constrLst>
+          <dgm:constr type="primFontSz" for="ch" ptType="node" op="equ" val="65"/>
+          <dgm:constr type="w" for="ch" forName="arrowNode" refType="w" fact="0.75"/>
+          <dgm:constr type="h" for="ch" forName="arrowNode" refType="h"/>
+          <dgm:constr type="l" for="ch" forName="arrowNode" refType="w" fact="0.07"/>
+          <dgm:constr type="t" for="ch" forName="arrowNode"/>
+          <dgm:constr type="l" for="ch" forName="txNode1" refType="w" fact="0"/>
+          <dgm:constr type="t" for="ch" forName="txNode1" refType="h" fact="0"/>
+          <dgm:constr type="r" for="ch" forName="txNode1" refType="w" fact="0.37"/>
+          <dgm:constr type="h" for="ch" forName="txNode1" refType="h" fact="0.16"/>
+          <dgm:constr type="l" for="ch" forName="txNode2" refType="w" fact="0.46"/>
+          <dgm:constr type="ctrY" for="ch" forName="txNode2" refType="h" fact="0.2885"/>
+          <dgm:constr type="r" for="ch" forName="txNode2" refType="w"/>
+          <dgm:constr type="h" for="ch" forName="txNode2" refType="h" fact="0.16"/>
+          <dgm:constr type="l" for="ch" forName="txNode3" refType="w" fact="0"/>
+          <dgm:constr type="ctrY" for="ch" forName="txNode3" refType="h" fact="0.4089"/>
+          <dgm:constr type="r" for="ch" forName="txNode3" refType="w" fact="0.43"/>
+          <dgm:constr type="h" for="ch" forName="txNode3" refType="h" fact="0.16"/>
+          <dgm:constr type="l" for="ch" forName="txNode4" refType="w" fact="0.67"/>
+          <dgm:constr type="ctrY" for="ch" forName="txNode4" refType="h" fact="0.5497"/>
+          <dgm:constr type="r" for="ch" forName="txNode4" refType="w"/>
+          <dgm:constr type="h" for="ch" forName="txNode4" refType="h" fact="0.16"/>
+          <dgm:constr type="l" for="ch" forName="txNode5" refType="w" fact="0.5"/>
+          <dgm:constr type="b" for="ch" forName="txNode5" refType="h"/>
+          <dgm:constr type="r" for="ch" forName="txNode5" refType="w"/>
+          <dgm:constr type="h" for="ch" forName="txNode5" refType="h" fact="0.16"/>
+          <dgm:constr type="ctrX" for="ch" forName="dotNode2" refType="w" fact="0.3565"/>
+          <dgm:constr type="ctrY" for="ch" forName="dotNode2" refType="h" fact="0.2885"/>
+          <dgm:constr type="h" for="ch" forName="dotNode2" refType="h" fact="0.0218"/>
+          <dgm:constr type="w" for="ch" forName="dotNode2" refType="h" refFor="ch" refForName="dotNode2"/>
+          <dgm:constr type="ctrX" for="ch" forName="dotNode3" refType="w" fact="0.4922"/>
+          <dgm:constr type="ctrY" for="ch" forName="dotNode3" refType="h" fact="0.4089"/>
+          <dgm:constr type="h" for="ch" forName="dotNode3" refType="h" fact="0.0218"/>
+          <dgm:constr type="w" for="ch" forName="dotNode3" refType="h" refFor="ch" refForName="dotNode3"/>
+          <dgm:constr type="ctrX" for="ch" forName="dotNode4" refType="w" fact="0.5939"/>
+          <dgm:constr type="ctrY" for="ch" forName="dotNode4" refType="h" fact="0.5497"/>
+          <dgm:constr type="h" for="ch" forName="dotNode4" refType="h" fact="0.0218"/>
+          <dgm:constr type="w" for="ch" forName="dotNode4" refType="h" refFor="ch" refForName="dotNode4"/>
+        </dgm:constrLst>
+      </dgm:if>
+      <dgm:if name="Name7" axis="ch" ptType="node" func="cnt" op="equ" val="6">
+        <dgm:constrLst>
+          <dgm:constr type="primFontSz" for="ch" ptType="node" op="equ" val="65"/>
+          <dgm:constr type="w" for="ch" forName="arrowNode" refType="w" fact="0.75"/>
+          <dgm:constr type="h" for="ch" forName="arrowNode" refType="h"/>
+          <dgm:constr type="l" for="ch" forName="arrowNode" refType="w" fact="0.07"/>
+          <dgm:constr type="t" for="ch" forName="arrowNode"/>
+          <dgm:constr type="l" for="ch" forName="txNode1" refType="w" fact="0"/>
+          <dgm:constr type="t" for="ch" forName="txNode1" refType="h" fact="0"/>
+          <dgm:constr type="r" for="ch" forName="txNode1" refType="w" fact="0.37"/>
+          <dgm:constr type="h" for="ch" forName="txNode1" refType="h" fact="0.16"/>
+          <dgm:constr type="l" for="ch" forName="txNode2" refType="w" fact="0.45"/>
+          <dgm:constr type="ctrY" for="ch" forName="txNode2" refType="h" fact="0.2693"/>
+          <dgm:constr type="r" for="ch" forName="txNode2" refType="w"/>
+          <dgm:constr type="h" for="ch" forName="txNode2" refType="h" fact="0.16"/>
+          <dgm:constr type="l" for="ch" forName="txNode3" refType="w" fact="0"/>
+          <dgm:constr type="ctrY" for="ch" forName="txNode3" refType="h" fact="0.3638"/>
+          <dgm:constr type="r" for="ch" forName="txNode3" refType="w" fact="0.37"/>
+          <dgm:constr type="h" for="ch" forName="txNode3" refType="h" fact="0.16"/>
+          <dgm:constr type="l" for="ch" forName="txNode4" refType="w" fact="0.63"/>
+          <dgm:constr type="ctrY" for="ch" forName="txNode4" refType="h" fact="0.4744"/>
+          <dgm:constr type="r" for="ch" forName="txNode4" refType="w"/>
+          <dgm:constr type="h" for="ch" forName="txNode4" refType="h" fact="0.16"/>
+          <dgm:constr type="l" for="ch" forName="txNode5" refType="w" fact="0"/>
+          <dgm:constr type="ctrY" for="ch" forName="txNode5" refType="h" fact="0.5961"/>
+          <dgm:constr type="r" for="ch" forName="txNode5" refType="w" fact="0.55"/>
+          <dgm:constr type="h" for="ch" forName="txNode5" refType="h" fact="0.16"/>
+          <dgm:constr type="l" for="ch" forName="txNode6" refType="w" fact="0.5"/>
+          <dgm:constr type="b" for="ch" forName="txNode6" refType="h"/>
+          <dgm:constr type="r" for="ch" forName="txNode6" refType="w"/>
+          <dgm:constr type="h" for="ch" forName="txNode6" refType="h" fact="0.16"/>
+          <dgm:constr type="ctrX" for="ch" forName="dotNode2" refType="w" fact="0.33"/>
+          <dgm:constr type="ctrY" for="ch" forName="dotNode2" refType="h" fact="0.2693"/>
+          <dgm:constr type="h" for="ch" forName="dotNode2" refType="h" fact="0.0218"/>
+          <dgm:constr type="w" for="ch" forName="dotNode2" refType="h" refFor="ch" refForName="dotNode2"/>
+          <dgm:constr type="ctrX" for="ch" forName="dotNode3" refType="w" fact="0.4419"/>
+          <dgm:constr type="ctrY" for="ch" forName="dotNode3" refType="h" fact="0.3638"/>
+          <dgm:constr type="h" for="ch" forName="dotNode3" refType="h" fact="0.0218"/>
+          <dgm:constr type="w" for="ch" forName="dotNode3" refType="h" refFor="ch" refForName="dotNode3"/>
+          <dgm:constr type="ctrX" for="ch" forName="dotNode4" refType="w" fact="0.5425"/>
+          <dgm:constr type="ctrY" for="ch" forName="dotNode4" refType="h" fact="0.4744"/>
+          <dgm:constr type="h" for="ch" forName="dotNode4" refType="h" fact="0.0218"/>
+          <dgm:constr type="w" for="ch" forName="dotNode4" refType="h" refFor="ch" refForName="dotNode4"/>
+          <dgm:constr type="ctrX" for="ch" forName="dotNode5" refType="w" fact="0.6153"/>
+          <dgm:constr type="ctrY" for="ch" forName="dotNode5" refType="h" fact="0.5961"/>
+          <dgm:constr type="h" for="ch" forName="dotNode5" refType="h" fact="0.0218"/>
+          <dgm:constr type="w" for="ch" forName="dotNode5" refType="h" refFor="ch" refForName="dotNode5"/>
+        </dgm:constrLst>
+      </dgm:if>
+      <dgm:else name="Name8">
+        <dgm:constrLst>
+          <dgm:constr type="primFontSz" for="ch" ptType="node" op="equ" val="65"/>
+          <dgm:constr type="w" for="ch" forName="arrowNode" refType="w" fact="0.75"/>
+          <dgm:constr type="h" for="ch" forName="arrowNode" refType="h"/>
+          <dgm:constr type="l" for="ch" forName="arrowNode" refType="w" fact="0.07"/>
+          <dgm:constr type="t" for="ch" forName="arrowNode"/>
+          <dgm:constr type="l" for="ch" forName="txNode1" refType="w" fact="0"/>
+          <dgm:constr type="t" for="ch" forName="txNode1" refType="h" fact="0"/>
+          <dgm:constr type="r" for="ch" forName="txNode1" refType="w" fact="0.37"/>
+          <dgm:constr type="h" for="ch" forName="txNode1" refType="h" fact="0.16"/>
+          <dgm:constr type="l" for="ch" forName="txNode2" refType="w" fact="0.44"/>
+          <dgm:constr type="ctrY" for="ch" forName="txNode2" refType="h" fact="0.2693"/>
+          <dgm:constr type="r" for="ch" forName="txNode2" refType="w"/>
+          <dgm:constr type="h" for="ch" forName="txNode2" refType="h" fact="0.16"/>
+          <dgm:constr type="l" for="ch" forName="txNode3" refType="w" fact="0"/>
+          <dgm:constr type="ctrY" for="ch" forName="txNode3" refType="h" fact="0.3424"/>
+          <dgm:constr type="r" for="ch" forName="txNode3" refType="w" fact="0.33"/>
+          <dgm:constr type="h" for="ch" forName="txNode3" refType="h" fact="0.16"/>
+          <dgm:constr type="l" for="ch" forName="txNode4" refType="w" fact="0.61"/>
+          <dgm:constr type="ctrY" for="ch" forName="txNode4" refType="h" fact="0.4276"/>
+          <dgm:constr type="r" for="ch" forName="txNode4" refType="w"/>
+          <dgm:constr type="h" for="ch" forName="txNode4" refType="h" fact="0.16"/>
+          <dgm:constr type="l" for="ch" forName="txNode5" refType="w" fact="0"/>
+          <dgm:constr type="ctrY" for="ch" forName="txNode5" refType="h" fact="0.5218"/>
+          <dgm:constr type="r" for="ch" forName="txNode5" refType="w" fact="0.5"/>
+          <dgm:constr type="h" for="ch" forName="txNode5" refType="h" fact="0.16"/>
+          <dgm:constr type="l" for="ch" forName="txNode6" refType="w" fact="0.71"/>
+          <dgm:constr type="ctrY" for="ch" forName="txNode6" refType="h" fact="0.6179"/>
+          <dgm:constr type="r" for="ch" forName="txNode6" refType="w"/>
+          <dgm:constr type="h" for="ch" forName="txNode6" refType="h" fact="0.16"/>
+          <dgm:constr type="l" for="ch" forName="txNode7" refType="w" fact="0.5"/>
+          <dgm:constr type="b" for="ch" forName="txNode7" refType="h"/>
+          <dgm:constr type="r" for="ch" forName="txNode7" refType="w"/>
+          <dgm:constr type="h" for="ch" forName="txNode7" refType="h" fact="0.16"/>
+          <dgm:constr type="ctrX" for="ch" forName="dotNode2" refType="w" fact="0.33"/>
+          <dgm:constr type="ctrY" for="ch" forName="dotNode2" refType="h" fact="0.2693"/>
+          <dgm:constr type="h" for="ch" forName="dotNode2" refType="h" fact="0.0218"/>
+          <dgm:constr type="w" for="ch" forName="dotNode2" refType="h" refFor="ch" refForName="dotNode2"/>
+          <dgm:constr type="ctrX" for="ch" forName="dotNode3" refType="w" fact="0.425"/>
+          <dgm:constr type="ctrY" for="ch" forName="dotNode3" refType="h" fact="0.3424"/>
+          <dgm:constr type="h" for="ch" forName="dotNode3" refType="h" fact="0.0218"/>
+          <dgm:constr type="w" for="ch" forName="dotNode3" refType="h" refFor="ch" refForName="dotNode3"/>
+          <dgm:constr type="ctrX" for="ch" forName="dotNode4" refType="w" fact="0.505"/>
+          <dgm:constr type="ctrY" for="ch" forName="dotNode4" refType="h" fact="0.4276"/>
+          <dgm:constr type="h" for="ch" forName="dotNode4" refType="h" fact="0.0218"/>
+          <dgm:constr type="w" for="ch" forName="dotNode4" refType="h" refFor="ch" refForName="dotNode4"/>
+          <dgm:constr type="ctrX" for="ch" forName="dotNode5" refType="w" fact="0.5742"/>
+          <dgm:constr type="ctrY" for="ch" forName="dotNode5" refType="h" fact="0.5218"/>
+          <dgm:constr type="h" for="ch" forName="dotNode5" refType="h" fact="0.0218"/>
+          <dgm:constr type="w" for="ch" forName="dotNode5" refType="h" refFor="ch" refForName="dotNode5"/>
+          <dgm:constr type="ctrX" for="ch" forName="dotNode6" refType="w" fact="0.63"/>
+          <dgm:constr type="ctrY" for="ch" forName="dotNode6" refType="h" fact="0.6179"/>
+          <dgm:constr type="h" for="ch" forName="dotNode6" refType="h" fact="0.0218"/>
+          <dgm:constr type="w" for="ch" forName="dotNode6" refType="h" refFor="ch" refForName="dotNode6"/>
+        </dgm:constrLst>
+      </dgm:else>
+    </dgm:choose>
+    <dgm:forEach name="Name9" axis="self" ptType="parTrans">
+      <dgm:forEach name="Name10" axis="self" ptType="sibTrans" st="2">
+        <dgm:forEach name="dotRepeat" axis="self">
+          <dgm:layoutNode name="dotRepeatNode" styleLbl="fgShp">
+            <dgm:alg type="sp"/>
+            <dgm:shape xmlns:r="http://schemas.openxmlformats.org/officeDocument/2006/relationships" type="ellipse" r:blip="">
+              <dgm:adjLst/>
+            </dgm:shape>
+            <dgm:presOf axis="self"/>
+          </dgm:layoutNode>
+        </dgm:forEach>
+      </dgm:forEach>
+    </dgm:forEach>
+    <dgm:choose name="Name11">
+      <dgm:if name="Name12" axis="ch" ptType="node" func="cnt" op="gte" val="1">
+        <dgm:layoutNode name="arrowNode" styleLbl="node1">
+          <dgm:alg type="sp"/>
+          <dgm:shape xmlns:r="http://schemas.openxmlformats.org/officeDocument/2006/relationships" rot="73.2729" type="swooshArrow" r:blip="">
+            <dgm:adjLst>
+              <dgm:adj idx="1" val="0.1631"/>
+              <dgm:adj idx="2" val="0.3137"/>
+            </dgm:adjLst>
+          </dgm:shape>
+          <dgm:presOf/>
+        </dgm:layoutNode>
+      </dgm:if>
+      <dgm:else name="Name13"/>
+    </dgm:choose>
+    <dgm:forEach name="Name14" axis="ch" ptType="node" cnt="1">
+      <dgm:layoutNode name="txNode1" styleLbl="revTx">
+        <dgm:varLst>
+          <dgm:bulletEnabled val="1"/>
+        </dgm:varLst>
+        <dgm:alg type="tx">
+          <dgm:param type="txAnchorVert" val="b"/>
+        </dgm:alg>
+        <dgm:shape xmlns:r="http://schemas.openxmlformats.org/officeDocument/2006/relationships" type="rect" r:blip="" zOrderOff="10">
+          <dgm:adjLst/>
+        </dgm:shape>
+        <dgm:presOf axis="desOrSelf" ptType="node"/>
+        <dgm:constrLst>
+          <dgm:constr type="lMarg" refType="primFontSz" fact="0.1"/>
+          <dgm:constr type="rMarg" refType="primFontSz" fact="0.1"/>
+          <dgm:constr type="tMarg" refType="primFontSz" fact="0.1"/>
+          <dgm:constr type="bMarg" refType="primFontSz" fact="0.1"/>
         </dgm:constrLst>
         <dgm:ruleLst>
-          <dgm:rule type="w" for="ch" forName="composite" val="0" fact="NaN" max="NaN"/>
-          <dgm:rule type="primFontSz" for="des" forName="parTx" val="5" fact="NaN" max="NaN"/>
+          <dgm:rule type="primFontSz" val="5" fact="NaN" max="NaN"/>
         </dgm:ruleLst>
-        <dgm:forEach name="Name6" axis="ch" ptType="node">
-          <dgm:layoutNode name="composite">
-            <dgm:alg type="composite"/>
-            <dgm:shape xmlns:r="http://schemas.openxmlformats.org/officeDocument/2006/relationships" r:blip="">
-              <dgm:adjLst/>
-            </dgm:shape>
-            <dgm:presOf/>
-            <dgm:choose name="Name7">
-              <dgm:if name="Name8" func="var" arg="dir" op="equ" val="norm">
-                <dgm:constrLst>
-                  <dgm:constr type="l" for="ch" forName="parTx"/>
-                  <dgm:constr type="w" for="ch" forName="parTx" refType="w"/>
-                  <dgm:constr type="t" for="ch" forName="parTx"/>
-                  <dgm:constr type="l" for="ch" forName="desTx"/>
-                  <dgm:constr type="w" for="ch" forName="desTx" refType="w" refFor="ch" refForName="parTx" fact="0.8"/>
-                  <dgm:constr type="t" for="ch" forName="desTx" refType="h" refFor="ch" refForName="parTx" fact="1.125"/>
-                </dgm:constrLst>
-              </dgm:if>
-              <dgm:else name="Name9">
-                <dgm:constrLst>
-                  <dgm:constr type="l" for="ch" forName="parTx"/>
-                  <dgm:constr type="w" for="ch" forName="parTx" refType="w"/>
-                  <dgm:constr type="t" for="ch" forName="parTx"/>
-                  <dgm:constr type="l" for="ch" forName="desTx" refType="w" fact="0.2"/>
-                  <dgm:constr type="w" for="ch" forName="desTx" refType="w" refFor="ch" refForName="parTx" fact="0.8"/>
-                  <dgm:constr type="t" for="ch" forName="desTx" refType="h" refFor="ch" refForName="parTx" fact="1.125"/>
-                </dgm:constrLst>
-              </dgm:else>
-            </dgm:choose>
-            <dgm:ruleLst>
-              <dgm:rule type="h" val="INF" fact="NaN" max="NaN"/>
-            </dgm:ruleLst>
-            <dgm:layoutNode name="parTx">
-              <dgm:varLst>
-                <dgm:chMax val="0"/>
-                <dgm:chPref val="0"/>
-                <dgm:bulletEnabled val="1"/>
-              </dgm:varLst>
-              <dgm:alg type="tx"/>
-              <dgm:choose name="Name10">
-                <dgm:if name="Name11" func="var" arg="dir" op="equ" val="norm">
-                  <dgm:shape xmlns:r="http://schemas.openxmlformats.org/officeDocument/2006/relationships" type="chevron" r:blip="">
-                    <dgm:adjLst/>
-                  </dgm:shape>
-                </dgm:if>
-                <dgm:else name="Name12">
-                  <dgm:shape xmlns:r="http://schemas.openxmlformats.org/officeDocument/2006/relationships" rot="180" type="chevron" r:blip="">
-                    <dgm:adjLst/>
-                  </dgm:shape>
-                </dgm:else>
-              </dgm:choose>
-              <dgm:presOf axis="self" ptType="node"/>
-              <dgm:choose name="Name13">
-                <dgm:if name="Name14" func="var" arg="dir" op="equ" val="norm">
-                  <dgm:constrLst>
-                    <dgm:constr type="h" refType="w" op="lte" fact="0.4"/>
-                    <dgm:constr type="h"/>
-                    <dgm:constr type="tMarg" refType="primFontSz" fact="0.105"/>
-                    <dgm:constr type="bMarg" refType="primFontSz" fact="0.105"/>
-                    <dgm:constr type="lMarg" refType="primFontSz" fact="0.315"/>
-                    <dgm:constr type="rMarg" refType="primFontSz" fact="0.105"/>
-                  </dgm:constrLst>
-                </dgm:if>
-                <dgm:else name="Name15">
-                  <dgm:constrLst>
-                    <dgm:constr type="h" refType="w" op="lte" fact="0.4"/>
-                    <dgm:constr type="h"/>
-                    <dgm:constr type="tMarg" refType="primFontSz" fact="0.105"/>
-                    <dgm:constr type="bMarg" refType="primFontSz" fact="0.105"/>
-                    <dgm:constr type="lMarg" refType="primFontSz" fact="0.105"/>
-                    <dgm:constr type="rMarg" refType="primFontSz" fact="0.315"/>
-                  </dgm:constrLst>
-                </dgm:else>
-              </dgm:choose>
-              <dgm:ruleLst>
-                <dgm:rule type="h" val="INF" fact="NaN" max="NaN"/>
-              </dgm:ruleLst>
-            </dgm:layoutNode>
-            <dgm:layoutNode name="desTx" styleLbl="revTx">
-              <dgm:varLst>
-                <dgm:bulletEnabled val="1"/>
-              </dgm:varLst>
-              <dgm:alg type="tx">
-                <dgm:param type="stBulletLvl" val="1"/>
-              </dgm:alg>
-              <dgm:choose name="Name16">
-                <dgm:if name="Name17" axis="ch" ptType="node" func="cnt" op="gte" val="1">
-                  <dgm:shape xmlns:r="http://schemas.openxmlformats.org/officeDocument/2006/relationships" type="rect" r:blip="">
-                    <dgm:adjLst/>
-                  </dgm:shape>
-                </dgm:if>
-                <dgm:else name="Name18">
-                  <dgm:shape xmlns:r="http://schemas.openxmlformats.org/officeDocument/2006/relationships" type="rect" r:blip="" hideGeom="1">
-                    <dgm:adjLst/>
-                  </dgm:shape>
-                </dgm:else>
-              </dgm:choose>
-              <dgm:presOf axis="des" ptType="node"/>
-              <dgm:constrLst>
-                <dgm:constr type="secFontSz" val="65"/>
-                <dgm:constr type="primFontSz" refType="secFontSz"/>
-                <dgm:constr type="h"/>
-                <dgm:constr type="tMarg"/>
-                <dgm:constr type="bMarg"/>
-                <dgm:constr type="rMarg"/>
-                <dgm:constr type="lMarg"/>
-              </dgm:constrLst>
-              <dgm:ruleLst>
-                <dgm:rule type="h" val="INF" fact="NaN" max="NaN"/>
-              </dgm:ruleLst>
-            </dgm:layoutNode>
-          </dgm:layoutNode>
-          <dgm:forEach name="Name19" axis="followSib" ptType="sibTrans" cnt="1">
-            <dgm:layoutNode name="space">
+      </dgm:layoutNode>
+    </dgm:forEach>
+    <dgm:forEach name="Name15" axis="ch" ptType="node" st="2" cnt="1">
+      <dgm:layoutNode name="txNode2" styleLbl="revTx">
+        <dgm:varLst>
+          <dgm:bulletEnabled val="1"/>
+        </dgm:varLst>
+        <dgm:choose name="Name16">
+          <dgm:if name="Name17" axis="self" ptType="node" func="revPos" op="equ" val="1">
+            <dgm:alg type="tx">
+              <dgm:param type="txAnchorVert" val="t"/>
+            </dgm:alg>
+          </dgm:if>
+          <dgm:if name="Name18" axis="self" ptType="node" func="posOdd" op="equ" val="1">
+            <dgm:alg type="tx">
+              <dgm:param type="parTxLTRAlign" val="r"/>
+              <dgm:param type="parTxRTLAlign" val="r"/>
+            </dgm:alg>
+          </dgm:if>
+          <dgm:else name="Name19">
+            <dgm:alg type="tx">
+              <dgm:param type="parTxLTRAlign" val="l"/>
+              <dgm:param type="parTxRTLAlign" val="l"/>
+            </dgm:alg>
+          </dgm:else>
+        </dgm:choose>
+        <dgm:shape xmlns:r="http://schemas.openxmlformats.org/officeDocument/2006/relationships" type="rect" r:blip="" zOrderOff="10">
+          <dgm:adjLst/>
+        </dgm:shape>
+        <dgm:presOf axis="desOrSelf" ptType="node"/>
+        <dgm:constrLst>
+          <dgm:constr type="lMarg" refType="primFontSz" fact="0.1"/>
+          <dgm:constr type="rMarg" refType="primFontSz" fact="0.1"/>
+          <dgm:constr type="tMarg" refType="primFontSz" fact="0.1"/>
+          <dgm:constr type="bMarg" refType="primFontSz" fact="0.1"/>
+        </dgm:constrLst>
+        <dgm:ruleLst>
+          <dgm:rule type="primFontSz" val="5" fact="NaN" max="NaN"/>
+        </dgm:ruleLst>
+      </dgm:layoutNode>
+      <dgm:choose name="Name20">
+        <dgm:if name="Name21" axis="par ch" ptType="all node" func="cnt" op="neq" val="2">
+          <dgm:forEach name="Name22" axis="follow" ptType="sibTrans" cnt="1">
+            <dgm:layoutNode name="dotNode2">
               <dgm:alg type="sp"/>
               <dgm:shape xmlns:r="http://schemas.openxmlformats.org/officeDocument/2006/relationships" r:blip="">
                 <dgm:adjLst/>
               </dgm:shape>
               <dgm:presOf/>
-              <dgm:constrLst/>
-              <dgm:ruleLst/>
+              <dgm:forEach name="Name23" ref="dotRepeat"/>
             </dgm:layoutNode>
           </dgm:forEach>
-        </dgm:forEach>
-      </dgm:if>
-      <dgm:else name="Name20">
+        </dgm:if>
+        <dgm:else name="Name24"/>
+      </dgm:choose>
+    </dgm:forEach>
+    <dgm:forEach name="Name25" axis="ch" ptType="node" st="3" cnt="1">
+      <dgm:layoutNode name="txNode3" styleLbl="revTx">
+        <dgm:varLst>
+          <dgm:bulletEnabled val="1"/>
+        </dgm:varLst>
+        <dgm:choose name="Name26">
+          <dgm:if name="Name27" axis="self" ptType="node" func="revPos" op="equ" val="1">
+            <dgm:alg type="tx">
+              <dgm:param type="txAnchorVert" val="t"/>
+            </dgm:alg>
+          </dgm:if>
+          <dgm:if name="Name28" axis="self" ptType="node" func="posOdd" op="equ" val="1">
+            <dgm:alg type="tx">
+              <dgm:param type="parTxLTRAlign" val="r"/>
+              <dgm:param type="parTxRTLAlign" val="r"/>
+            </dgm:alg>
+          </dgm:if>
+          <dgm:else name="Name29">
+            <dgm:alg type="tx">
+              <dgm:param type="parTxLTRAlign" val="l"/>
+              <dgm:param type="parTxRTLAlign" val="l"/>
+            </dgm:alg>
+          </dgm:else>
+        </dgm:choose>
+        <dgm:shape xmlns:r="http://schemas.openxmlformats.org/officeDocument/2006/relationships" type="rect" r:blip="" zOrderOff="10">
+          <dgm:adjLst/>
+        </dgm:shape>
+        <dgm:presOf axis="desOrSelf" ptType="node"/>
         <dgm:constrLst>
-          <dgm:constr type="w" for="ch" forName="parTxOnly" refType="w"/>
-          <dgm:constr type="h" for="des" forName="parTxOnly" op="equ"/>
-          <dgm:constr type="primFontSz" for="des" forName="parTxOnly" op="equ" val="65"/>
-          <dgm:constr type="w" for="ch" forName="parTxOnlySpace" refType="w" refFor="ch" refForName="parTxOnly" fact="-0.1"/>
+          <dgm:constr type="lMarg" refType="primFontSz" fact="0.1"/>
+          <dgm:constr type="rMarg" refType="primFontSz" fact="0.1"/>
+          <dgm:constr type="tMarg" refType="primFontSz" fact="0.1"/>
+          <dgm:constr type="bMarg" refType="primFontSz" fact="0.1"/>
         </dgm:constrLst>
-        <dgm:ruleLst/>
-        <dgm:forEach name="Name21" axis="ch" ptType="node">
-          <dgm:layoutNode name="parTxOnly">
-            <dgm:varLst>
-              <dgm:chMax val="0"/>
-              <dgm:chPref val="0"/>
-              <dgm:bulletEnabled val="1"/>
-            </dgm:varLst>
-            <dgm:alg type="tx"/>
-            <dgm:choose name="Name22">
-              <dgm:if name="Name23" func="var" arg="dir" op="equ" val="norm">
-                <dgm:shape xmlns:r="http://schemas.openxmlformats.org/officeDocument/2006/relationships" type="chevron" r:blip="">
-                  <dgm:adjLst/>
-                </dgm:shape>
-              </dgm:if>
-              <dgm:else name="Name24">
-                <dgm:shape xmlns:r="http://schemas.openxmlformats.org/officeDocument/2006/relationships" rot="180" type="chevron" r:blip="">
-                  <dgm:adjLst/>
-                </dgm:shape>
-              </dgm:else>
-            </dgm:choose>
-            <dgm:presOf axis="self" ptType="node"/>
-            <dgm:choose name="Name25">
-              <dgm:if name="Name26" func="var" arg="dir" op="equ" val="norm">
-                <dgm:constrLst>
-                  <dgm:constr type="h" refType="w" op="equ" fact="0.4"/>
-                  <dgm:constr type="tMarg" refType="primFontSz" fact="0.105"/>
-                  <dgm:constr type="bMarg" refType="primFontSz" fact="0.105"/>
-                  <dgm:constr type="lMarg" refType="primFontSz" fact="0.315"/>
-                  <dgm:constr type="rMarg" refType="primFontSz" fact="0.105"/>
-                </dgm:constrLst>
-              </dgm:if>
-              <dgm:else name="Name27">
-                <dgm:constrLst>
-                  <dgm:constr type="h" refType="w" op="equ" fact="0.4"/>
-                  <dgm:constr type="tMarg" refType="primFontSz" fact="0.105"/>
-                  <dgm:constr type="bMarg" refType="primFontSz" fact="0.105"/>
-                  <dgm:constr type="lMarg" refType="primFontSz" fact="0.105"/>
-                  <dgm:constr type="rMarg" refType="primFontSz" fact="0.315"/>
-                </dgm:constrLst>
-              </dgm:else>
-            </dgm:choose>
-            <dgm:ruleLst>
-              <dgm:rule type="primFontSz" val="5" fact="NaN" max="NaN"/>
-            </dgm:ruleLst>
-          </dgm:layoutNode>
-          <dgm:forEach name="Name28" axis="followSib" ptType="sibTrans" cnt="1">
-            <dgm:layoutNode name="parTxOnlySpace">
+        <dgm:ruleLst>
+          <dgm:rule type="primFontSz" val="5" fact="NaN" max="NaN"/>
+        </dgm:ruleLst>
+      </dgm:layoutNode>
+      <dgm:choose name="Name30">
+        <dgm:if name="Name31" axis="par ch" ptType="all node" func="cnt" op="neq" val="3">
+          <dgm:forEach name="Name32" axis="follow" ptType="sibTrans" cnt="1">
+            <dgm:layoutNode name="dotNode3">
               <dgm:alg type="sp"/>
               <dgm:shape xmlns:r="http://schemas.openxmlformats.org/officeDocument/2006/relationships" r:blip="">
                 <dgm:adjLst/>
               </dgm:shape>
               <dgm:presOf/>
-              <dgm:constrLst/>
-              <dgm:ruleLst/>
+              <dgm:forEach name="Name33" ref="dotRepeat"/>
             </dgm:layoutNode>
           </dgm:forEach>
-        </dgm:forEach>
-      </dgm:else>
-    </dgm:choose>
+        </dgm:if>
+        <dgm:else name="Name34"/>
+      </dgm:choose>
+    </dgm:forEach>
+    <dgm:forEach name="Name35" axis="ch" ptType="node" st="4" cnt="1">
+      <dgm:layoutNode name="txNode4" styleLbl="revTx">
+        <dgm:varLst>
+          <dgm:bulletEnabled val="1"/>
+        </dgm:varLst>
+        <dgm:choose name="Name36">
+          <dgm:if name="Name37" axis="self" ptType="node" func="revPos" op="equ" val="1">
+            <dgm:alg type="tx">
+              <dgm:param type="txAnchorVert" val="t"/>
+            </dgm:alg>
+          </dgm:if>
+          <dgm:if name="Name38" axis="self" ptType="node" func="posOdd" op="equ" val="1">
+            <dgm:alg type="tx">
+              <dgm:param type="parTxLTRAlign" val="r"/>
+              <dgm:param type="parTxRTLAlign" val="r"/>
+            </dgm:alg>
+          </dgm:if>
+          <dgm:else name="Name39">
+            <dgm:alg type="tx">
+              <dgm:param type="parTxLTRAlign" val="l"/>
+              <dgm:param type="parTxRTLAlign" val="l"/>
+            </dgm:alg>
+          </dgm:else>
+        </dgm:choose>
+        <dgm:shape xmlns:r="http://schemas.openxmlformats.org/officeDocument/2006/relationships" type="rect" r:blip="" zOrderOff="10">
+          <dgm:adjLst/>
+        </dgm:shape>
+        <dgm:presOf axis="desOrSelf" ptType="node"/>
+        <dgm:constrLst>
+          <dgm:constr type="lMarg" refType="primFontSz" fact="0.1"/>
+          <dgm:constr type="rMarg" refType="primFontSz" fact="0.1"/>
+          <dgm:constr type="tMarg" refType="primFontSz" fact="0.1"/>
+          <dgm:constr type="bMarg" refType="primFontSz" fact="0.1"/>
+        </dgm:constrLst>
+        <dgm:ruleLst>
+          <dgm:rule type="primFontSz" val="5" fact="NaN" max="NaN"/>
+        </dgm:ruleLst>
+      </dgm:layoutNode>
+      <dgm:choose name="Name40">
+        <dgm:if name="Name41" axis="par ch" ptType="all node" func="cnt" op="neq" val="4">
+          <dgm:forEach name="Name42" axis="follow" ptType="sibTrans" cnt="1">
+            <dgm:layoutNode name="dotNode4">
+              <dgm:alg type="sp"/>
+              <dgm:shape xmlns:r="http://schemas.openxmlformats.org/officeDocument/2006/relationships" r:blip="">
+                <dgm:adjLst/>
+              </dgm:shape>
+              <dgm:presOf/>
+              <dgm:forEach name="Name43" ref="dotRepeat"/>
+            </dgm:layoutNode>
+          </dgm:forEach>
+        </dgm:if>
+        <dgm:else name="Name44"/>
+      </dgm:choose>
+    </dgm:forEach>
+    <dgm:forEach name="Name45" axis="ch" ptType="node" st="5" cnt="1">
+      <dgm:layoutNode name="txNode5" styleLbl="revTx">
+        <dgm:varLst>
+          <dgm:bulletEnabled val="1"/>
+        </dgm:varLst>
+        <dgm:choose name="Name46">
+          <dgm:if name="Name47" axis="self" ptType="node" func="revPos" op="equ" val="1">
+            <dgm:alg type="tx">
+              <dgm:param type="txAnchorVert" val="t"/>
+            </dgm:alg>
+          </dgm:if>
+          <dgm:if name="Name48" axis="self" ptType="node" func="posOdd" op="equ" val="1">
+            <dgm:alg type="tx">
+              <dgm:param type="parTxLTRAlign" val="r"/>
+              <dgm:param type="parTxRTLAlign" val="r"/>
+            </dgm:alg>
+          </dgm:if>
+          <dgm:else name="Name49">
+            <dgm:alg type="tx">
+              <dgm:param type="parTxLTRAlign" val="l"/>
+              <dgm:param type="parTxRTLAlign" val="l"/>
+            </dgm:alg>
+          </dgm:else>
+        </dgm:choose>
+        <dgm:shape xmlns:r="http://schemas.openxmlformats.org/officeDocument/2006/relationships" type="rect" r:blip="" zOrderOff="10">
+          <dgm:adjLst/>
+        </dgm:shape>
+        <dgm:presOf axis="desOrSelf" ptType="node"/>
+        <dgm:constrLst>
+          <dgm:constr type="lMarg" refType="primFontSz" fact="0.1"/>
+          <dgm:constr type="rMarg" refType="primFontSz" fact="0.1"/>
+          <dgm:constr type="tMarg" refType="primFontSz" fact="0.1"/>
+          <dgm:constr type="bMarg" refType="primFontSz" fact="0.1"/>
+        </dgm:constrLst>
+        <dgm:ruleLst>
+          <dgm:rule type="primFontSz" val="5" fact="NaN" max="NaN"/>
+        </dgm:ruleLst>
+      </dgm:layoutNode>
+      <dgm:choose name="Name50">
+        <dgm:if name="Name51" axis="par ch" ptType="all node" func="cnt" op="neq" val="5">
+          <dgm:forEach name="Name52" axis="follow" ptType="sibTrans" cnt="1">
+            <dgm:layoutNode name="dotNode5">
+              <dgm:alg type="sp"/>
+              <dgm:shape xmlns:r="http://schemas.openxmlformats.org/officeDocument/2006/relationships" r:blip="">
+                <dgm:adjLst/>
+              </dgm:shape>
+              <dgm:presOf/>
+              <dgm:forEach name="Name53" ref="dotRepeat"/>
+            </dgm:layoutNode>
+          </dgm:forEach>
+        </dgm:if>
+        <dgm:else name="Name54"/>
+      </dgm:choose>
+    </dgm:forEach>
+    <dgm:forEach name="Name55" axis="ch" ptType="node" st="6" cnt="1">
+      <dgm:layoutNode name="txNode6" styleLbl="revTx">
+        <dgm:varLst>
+          <dgm:bulletEnabled val="1"/>
+        </dgm:varLst>
+        <dgm:choose name="Name56">
+          <dgm:if name="Name57" axis="self" ptType="node" func="revPos" op="equ" val="1">
+            <dgm:alg type="tx">
+              <dgm:param type="txAnchorVert" val="t"/>
+            </dgm:alg>
+          </dgm:if>
+          <dgm:if name="Name58" axis="self" ptType="node" func="posOdd" op="equ" val="1">
+            <dgm:alg type="tx">
+              <dgm:param type="parTxLTRAlign" val="r"/>
+              <dgm:param type="parTxRTLAlign" val="r"/>
+            </dgm:alg>
+          </dgm:if>
+          <dgm:else name="Name59">
+            <dgm:alg type="tx">
+              <dgm:param type="parTxLTRAlign" val="l"/>
+              <dgm:param type="parTxRTLAlign" val="l"/>
+            </dgm:alg>
+          </dgm:else>
+        </dgm:choose>
+        <dgm:shape xmlns:r="http://schemas.openxmlformats.org/officeDocument/2006/relationships" type="rect" r:blip="" zOrderOff="10">
+          <dgm:adjLst/>
+        </dgm:shape>
+        <dgm:presOf axis="desOrSelf" ptType="node"/>
+        <dgm:constrLst>
+          <dgm:constr type="lMarg" refType="primFontSz" fact="0.1"/>
+          <dgm:constr type="rMarg" refType="primFontSz" fact="0.1"/>
+          <dgm:constr type="tMarg" refType="primFontSz" fact="0.1"/>
+          <dgm:constr type="bMarg" refType="primFontSz" fact="0.1"/>
+        </dgm:constrLst>
+        <dgm:ruleLst>
+          <dgm:rule type="primFontSz" val="5" fact="NaN" max="NaN"/>
+        </dgm:ruleLst>
+      </dgm:layoutNode>
+      <dgm:choose name="Name60">
+        <dgm:if name="Name61" axis="par ch" ptType="all node" func="cnt" op="neq" val="6">
+          <dgm:forEach name="Name62" axis="follow" ptType="sibTrans" cnt="1">
+            <dgm:layoutNode name="dotNode6">
+              <dgm:alg type="sp"/>
+              <dgm:shape xmlns:r="http://schemas.openxmlformats.org/officeDocument/2006/relationships" r:blip="">
+                <dgm:adjLst/>
+              </dgm:shape>
+              <dgm:presOf/>
+              <dgm:forEach name="Name63" ref="dotRepeat"/>
+            </dgm:layoutNode>
+          </dgm:forEach>
+        </dgm:if>
+        <dgm:else name="Name64"/>
+      </dgm:choose>
+    </dgm:forEach>
+    <dgm:forEach name="Name65" axis="ch" ptType="node" st="7" cnt="1">
+      <dgm:layoutNode name="txNode7" styleLbl="revTx">
+        <dgm:varLst>
+          <dgm:bulletEnabled val="1"/>
+        </dgm:varLst>
+        <dgm:alg type="tx">
+          <dgm:param type="txAnchorVert" val="t"/>
+        </dgm:alg>
+        <dgm:shape xmlns:r="http://schemas.openxmlformats.org/officeDocument/2006/relationships" type="rect" r:blip="" zOrderOff="10">
+          <dgm:adjLst/>
+        </dgm:shape>
+        <dgm:presOf axis="desOrSelf" ptType="node"/>
+        <dgm:constrLst>
+          <dgm:constr type="lMarg" refType="primFontSz" fact="0.1"/>
+          <dgm:constr type="rMarg" refType="primFontSz" fact="0.1"/>
+          <dgm:constr type="tMarg" refType="primFontSz" fact="0.1"/>
+          <dgm:constr type="bMarg" refType="primFontSz" fact="0.1"/>
+        </dgm:constrLst>
+        <dgm:ruleLst>
+          <dgm:rule type="primFontSz" val="5" fact="NaN" max="NaN"/>
+        </dgm:ruleLst>
+      </dgm:layoutNode>
+    </dgm:forEach>
   </dgm:layoutNode>
 </dgm:layoutDef>
 </file>
@@ -8407,14 +9049,6 @@
 <file path=ppt/slides/slide10.xml><?xml version="1.0" encoding="utf-8"?>
 <p:sld xmlns:a="http://schemas.openxmlformats.org/drawingml/2006/main" xmlns:r="http://schemas.openxmlformats.org/officeDocument/2006/relationships" xmlns:p="http://schemas.openxmlformats.org/presentationml/2006/main">
   <p:cSld>
-    <p:bg>
-      <p:bgPr>
-        <a:solidFill>
-          <a:schemeClr val="bg1"/>
-        </a:solidFill>
-        <a:effectLst/>
-      </p:bgPr>
-    </p:bg>
     <p:spTree>
       <p:nvGrpSpPr>
         <p:cNvPr id="1" name=""/>
@@ -8431,309 +9065,10 @@
       </p:grpSpPr>
       <p:sp>
         <p:nvSpPr>
-          <p:cNvPr id="75" name="Rectangle 74">
+          <p:cNvPr id="5" name="TextBox 4">
             <a:extLst>
               <a:ext uri="{FF2B5EF4-FFF2-40B4-BE49-F238E27FC236}">
-                <a16:creationId xmlns:a16="http://schemas.microsoft.com/office/drawing/2014/main" id="{823AC064-BC96-4F32-8AE1-B2FD38754823}"/>
-              </a:ext>
-              <a:ext uri="{C183D7F6-B498-43B3-948B-1728B52AA6E4}">
-                <adec:decorative xmlns:adec="http://schemas.microsoft.com/office/drawing/2017/decorative" val="1"/>
-              </a:ext>
-            </a:extLst>
-          </p:cNvPr>
-          <p:cNvSpPr>
-            <a:spLocks noGrp="1" noRot="1" noChangeAspect="1" noMove="1" noResize="1" noEditPoints="1" noAdjustHandles="1" noChangeArrowheads="1" noChangeShapeType="1" noTextEdit="1"/>
-          </p:cNvSpPr>
-          <p:nvPr>
-            <p:extLst>
-              <p:ext uri="{386F3935-93C4-4BCD-93E2-E3B085C9AB24}">
-                <p16:designElem xmlns:p16="http://schemas.microsoft.com/office/powerpoint/2015/main" val="1"/>
-              </p:ext>
-            </p:extLst>
-          </p:nvPr>
-        </p:nvSpPr>
-        <p:spPr bwMode="ltGray">
-          <a:xfrm>
-            <a:off x="396882" y="280374"/>
-            <a:ext cx="11438793" cy="1844256"/>
-          </a:xfrm>
-          <a:prstGeom prst="rect">
-            <a:avLst/>
-          </a:prstGeom>
-          <a:solidFill>
-            <a:srgbClr val="404040"/>
-          </a:solidFill>
-          <a:ln w="127000" cap="sq" cmpd="thinThick">
-            <a:solidFill>
-              <a:srgbClr val="404040"/>
-            </a:solidFill>
-          </a:ln>
-        </p:spPr>
-        <p:style>
-          <a:lnRef idx="2">
-            <a:schemeClr val="accent1">
-              <a:shade val="50000"/>
-            </a:schemeClr>
-          </a:lnRef>
-          <a:fillRef idx="1">
-            <a:schemeClr val="accent1"/>
-          </a:fillRef>
-          <a:effectRef idx="0">
-            <a:schemeClr val="accent1"/>
-          </a:effectRef>
-          <a:fontRef idx="minor">
-            <a:schemeClr val="lt1"/>
-          </a:fontRef>
-        </p:style>
-        <p:txBody>
-          <a:bodyPr rtlCol="0" anchor="ctr"/>
-          <a:lstStyle/>
-          <a:p>
-            <a:pPr algn="ctr"/>
-            <a:endParaRPr lang="en-US"/>
-          </a:p>
-        </p:txBody>
-      </p:sp>
-      <p:sp>
-        <p:nvSpPr>
-          <p:cNvPr id="2" name="Title 1">
-            <a:extLst>
-              <a:ext uri="{FF2B5EF4-FFF2-40B4-BE49-F238E27FC236}">
-                <a16:creationId xmlns:a16="http://schemas.microsoft.com/office/drawing/2014/main" id="{9A06D1BE-6004-4137-BD09-B7F55F08C551}"/>
-              </a:ext>
-            </a:extLst>
-          </p:cNvPr>
-          <p:cNvSpPr>
-            <a:spLocks noGrp="1"/>
-          </p:cNvSpPr>
-          <p:nvPr>
-            <p:ph type="title"/>
-          </p:nvPr>
-        </p:nvSpPr>
-        <p:spPr>
-          <a:xfrm>
-            <a:off x="546351" y="433545"/>
-            <a:ext cx="11139854" cy="930447"/>
-          </a:xfrm>
-        </p:spPr>
-        <p:txBody>
-          <a:bodyPr vert="horz" lIns="91440" tIns="45720" rIns="91440" bIns="45720" rtlCol="0" anchor="b">
-            <a:normAutofit/>
-          </a:bodyPr>
-          <a:lstStyle/>
-          <a:p>
-            <a:pPr algn="ctr"/>
-            <a:r>
-              <a:rPr lang="en-US" dirty="0">
-                <a:solidFill>
-                  <a:srgbClr val="FFFFFF"/>
-                </a:solidFill>
-              </a:rPr>
-              <a:t>Neural Networks</a:t>
-            </a:r>
-          </a:p>
-        </p:txBody>
-      </p:sp>
-      <p:cxnSp>
-        <p:nvCxnSpPr>
-          <p:cNvPr id="77" name="Straight Connector 76">
-            <a:extLst>
-              <a:ext uri="{FF2B5EF4-FFF2-40B4-BE49-F238E27FC236}">
-                <a16:creationId xmlns:a16="http://schemas.microsoft.com/office/drawing/2014/main" id="{7E7C77BC-7138-40B1-A15B-20F57A494629}"/>
-              </a:ext>
-              <a:ext uri="{C183D7F6-B498-43B3-948B-1728B52AA6E4}">
-                <adec:decorative xmlns:adec="http://schemas.microsoft.com/office/drawing/2017/decorative" val="1"/>
-              </a:ext>
-            </a:extLst>
-          </p:cNvPr>
-          <p:cNvCxnSpPr>
-            <a:cxnSpLocks noGrp="1" noRot="1" noChangeAspect="1" noMove="1" noResize="1" noEditPoints="1" noAdjustHandles="1" noChangeArrowheads="1" noChangeShapeType="1"/>
-          </p:cNvCxnSpPr>
-          <p:nvPr>
-            <p:extLst>
-              <p:ext uri="{386F3935-93C4-4BCD-93E2-E3B085C9AB24}">
-                <p16:designElem xmlns:p16="http://schemas.microsoft.com/office/powerpoint/2015/main" val="1"/>
-              </p:ext>
-            </p:extLst>
-          </p:nvPr>
-        </p:nvCxnSpPr>
-        <p:spPr>
-          <a:xfrm>
-            <a:off x="2230078" y="1522292"/>
-            <a:ext cx="7772400" cy="0"/>
-          </a:xfrm>
-          <a:prstGeom prst="line">
-            <a:avLst/>
-          </a:prstGeom>
-          <a:ln w="22225">
-            <a:solidFill>
-              <a:srgbClr val="D9D9D9"/>
-            </a:solidFill>
-          </a:ln>
-        </p:spPr>
-        <p:style>
-          <a:lnRef idx="1">
-            <a:schemeClr val="accent1"/>
-          </a:lnRef>
-          <a:fillRef idx="0">
-            <a:schemeClr val="accent1"/>
-          </a:fillRef>
-          <a:effectRef idx="0">
-            <a:schemeClr val="accent1"/>
-          </a:effectRef>
-          <a:fontRef idx="minor">
-            <a:schemeClr val="tx1"/>
-          </a:fontRef>
-        </p:style>
-      </p:cxnSp>
-      <p:cxnSp>
-        <p:nvCxnSpPr>
-          <p:cNvPr id="79" name="Straight Connector 78">
-            <a:extLst>
-              <a:ext uri="{FF2B5EF4-FFF2-40B4-BE49-F238E27FC236}">
-                <a16:creationId xmlns:a16="http://schemas.microsoft.com/office/drawing/2014/main" id="{DB146403-F3D6-484B-B2ED-97F9565D0370}"/>
-              </a:ext>
-              <a:ext uri="{C183D7F6-B498-43B3-948B-1728B52AA6E4}">
-                <adec:decorative xmlns:adec="http://schemas.microsoft.com/office/drawing/2017/decorative" val="1"/>
-              </a:ext>
-            </a:extLst>
-          </p:cNvPr>
-          <p:cNvCxnSpPr>
-            <a:cxnSpLocks noGrp="1" noRot="1" noChangeAspect="1" noMove="1" noResize="1" noEditPoints="1" noAdjustHandles="1" noChangeArrowheads="1" noChangeShapeType="1"/>
-          </p:cNvCxnSpPr>
-          <p:nvPr>
-            <p:extLst>
-              <p:ext uri="{386F3935-93C4-4BCD-93E2-E3B085C9AB24}">
-                <p16:designElem xmlns:p16="http://schemas.microsoft.com/office/powerpoint/2015/main" val="1"/>
-              </p:ext>
-            </p:extLst>
-          </p:nvPr>
-        </p:nvCxnSpPr>
-        <p:spPr>
-          <a:xfrm>
-            <a:off x="6116278" y="2596836"/>
-            <a:ext cx="0" cy="3657600"/>
-          </a:xfrm>
-          <a:prstGeom prst="line">
-            <a:avLst/>
-          </a:prstGeom>
-          <a:ln w="101600" cmpd="dbl">
-            <a:solidFill>
-              <a:srgbClr val="595959"/>
-            </a:solidFill>
-          </a:ln>
-        </p:spPr>
-        <p:style>
-          <a:lnRef idx="1">
-            <a:schemeClr val="accent1"/>
-          </a:lnRef>
-          <a:fillRef idx="0">
-            <a:schemeClr val="accent1"/>
-          </a:fillRef>
-          <a:effectRef idx="0">
-            <a:schemeClr val="accent1"/>
-          </a:effectRef>
-          <a:fontRef idx="minor">
-            <a:schemeClr val="tx1"/>
-          </a:fontRef>
-        </p:style>
-      </p:cxnSp>
-      <p:pic>
-        <p:nvPicPr>
-          <p:cNvPr id="4" name="Picture 3">
-            <a:extLst>
-              <a:ext uri="{FF2B5EF4-FFF2-40B4-BE49-F238E27FC236}">
-                <a16:creationId xmlns:a16="http://schemas.microsoft.com/office/drawing/2014/main" id="{041C78C1-9818-4174-B6D5-8EB93A5ACF72}"/>
-              </a:ext>
-            </a:extLst>
-          </p:cNvPr>
-          <p:cNvPicPr>
-            <a:picLocks noChangeAspect="1"/>
-          </p:cNvPicPr>
-          <p:nvPr/>
-        </p:nvPicPr>
-        <p:blipFill>
-          <a:blip r:embed="rId2"/>
-          <a:stretch>
-            <a:fillRect/>
-          </a:stretch>
-        </p:blipFill>
-        <p:spPr>
-          <a:xfrm>
-            <a:off x="6912356" y="2411129"/>
-            <a:ext cx="4345057" cy="1792335"/>
-          </a:xfrm>
-          <a:prstGeom prst="rect">
-            <a:avLst/>
-          </a:prstGeom>
-        </p:spPr>
-      </p:pic>
-      <p:pic>
-        <p:nvPicPr>
-          <p:cNvPr id="5" name="Picture 4">
-            <a:extLst>
-              <a:ext uri="{FF2B5EF4-FFF2-40B4-BE49-F238E27FC236}">
-                <a16:creationId xmlns:a16="http://schemas.microsoft.com/office/drawing/2014/main" id="{5A02A330-5C36-44E1-8921-C269981C5E8B}"/>
-              </a:ext>
-            </a:extLst>
-          </p:cNvPr>
-          <p:cNvPicPr>
-            <a:picLocks noChangeAspect="1"/>
-          </p:cNvPicPr>
-          <p:nvPr/>
-        </p:nvPicPr>
-        <p:blipFill>
-          <a:blip r:embed="rId3"/>
-          <a:stretch>
-            <a:fillRect/>
-          </a:stretch>
-        </p:blipFill>
-        <p:spPr>
-          <a:xfrm>
-            <a:off x="6641014" y="4425636"/>
-            <a:ext cx="2132307" cy="2132307"/>
-          </a:xfrm>
-          <a:prstGeom prst="rect">
-            <a:avLst/>
-          </a:prstGeom>
-        </p:spPr>
-      </p:pic>
-      <p:pic>
-        <p:nvPicPr>
-          <p:cNvPr id="6" name="Picture 5">
-            <a:extLst>
-              <a:ext uri="{FF2B5EF4-FFF2-40B4-BE49-F238E27FC236}">
-                <a16:creationId xmlns:a16="http://schemas.microsoft.com/office/drawing/2014/main" id="{1A53E8EE-588C-4B1F-8B02-6233C959A965}"/>
-              </a:ext>
-            </a:extLst>
-          </p:cNvPr>
-          <p:cNvPicPr>
-            <a:picLocks noChangeAspect="1"/>
-          </p:cNvPicPr>
-          <p:nvPr/>
-        </p:nvPicPr>
-        <p:blipFill>
-          <a:blip r:embed="rId4"/>
-          <a:stretch>
-            <a:fillRect/>
-          </a:stretch>
-        </p:blipFill>
-        <p:spPr>
-          <a:xfrm>
-            <a:off x="9084885" y="4425636"/>
-            <a:ext cx="2846740" cy="2132307"/>
-          </a:xfrm>
-          <a:prstGeom prst="rect">
-            <a:avLst/>
-          </a:prstGeom>
-        </p:spPr>
-      </p:pic>
-      <p:sp>
-        <p:nvSpPr>
-          <p:cNvPr id="3" name="TextBox 2">
-            <a:extLst>
-              <a:ext uri="{FF2B5EF4-FFF2-40B4-BE49-F238E27FC236}">
-                <a16:creationId xmlns:a16="http://schemas.microsoft.com/office/drawing/2014/main" id="{279E2114-4DF2-42CA-8ACC-5436B3F6F8EC}"/>
+                <a16:creationId xmlns:a16="http://schemas.microsoft.com/office/drawing/2014/main" id="{C044F7E2-38BB-4CC8-892F-155491BD148B}"/>
               </a:ext>
             </a:extLst>
           </p:cNvPr>
@@ -8742,8 +9077,8 @@
         </p:nvSpPr>
         <p:spPr>
           <a:xfrm>
-            <a:off x="1320800" y="4018798"/>
-            <a:ext cx="2964869" cy="369332"/>
+            <a:off x="838200" y="1461476"/>
+            <a:ext cx="9980246" cy="4770537"/>
           </a:xfrm>
           <a:prstGeom prst="rect">
             <a:avLst/>
@@ -8757,16 +9092,172 @@
           <a:lstStyle/>
           <a:p>
             <a:r>
-              <a:rPr lang="en-US" dirty="0"/>
-              <a:t>Add my architecture here </a:t>
+              <a:rPr lang="en-US" sz="3200" dirty="0">
+                <a:latin typeface="Times New Roman" panose="02020603050405020304" pitchFamily="18" charset="0"/>
+                <a:cs typeface="Times New Roman" panose="02020603050405020304" pitchFamily="18" charset="0"/>
+              </a:rPr>
+              <a:t>Model Summary</a:t>
             </a:r>
+          </a:p>
+          <a:p>
+            <a:endParaRPr lang="en-US" sz="3200" dirty="0">
+              <a:latin typeface="Times New Roman" panose="02020603050405020304" pitchFamily="18" charset="0"/>
+              <a:cs typeface="Times New Roman" panose="02020603050405020304" pitchFamily="18" charset="0"/>
+            </a:endParaRPr>
+          </a:p>
+          <a:p>
+            <a:r>
+              <a:rPr lang="en-US" sz="3200" dirty="0">
+                <a:latin typeface="Times New Roman" panose="02020603050405020304" pitchFamily="18" charset="0"/>
+                <a:cs typeface="Times New Roman" panose="02020603050405020304" pitchFamily="18" charset="0"/>
+              </a:rPr>
+              <a:t>Tuning Model Adjustments:</a:t>
+            </a:r>
+          </a:p>
+          <a:p>
+            <a:pPr marL="457200" indent="-457200">
+              <a:buFont typeface="Arial" panose="020B0604020202020204" pitchFamily="34" charset="0"/>
+              <a:buChar char="•"/>
+            </a:pPr>
+            <a:r>
+              <a:rPr lang="en-US" sz="2800" dirty="0">
+                <a:latin typeface="Times New Roman" panose="02020603050405020304" pitchFamily="18" charset="0"/>
+                <a:cs typeface="Times New Roman" panose="02020603050405020304" pitchFamily="18" charset="0"/>
+              </a:rPr>
+              <a:t>Mean vs Glucose Readings</a:t>
+            </a:r>
+          </a:p>
+          <a:p>
+            <a:pPr marL="457200" indent="-457200">
+              <a:buFont typeface="Arial" panose="020B0604020202020204" pitchFamily="34" charset="0"/>
+              <a:buChar char="•"/>
+            </a:pPr>
+            <a:r>
+              <a:rPr lang="en-US" sz="2800" dirty="0">
+                <a:latin typeface="Times New Roman" panose="02020603050405020304" pitchFamily="18" charset="0"/>
+                <a:cs typeface="Times New Roman" panose="02020603050405020304" pitchFamily="18" charset="0"/>
+              </a:rPr>
+              <a:t>Hidden Layer Kernel Sizes</a:t>
+            </a:r>
+          </a:p>
+          <a:p>
+            <a:pPr marL="457200" indent="-457200">
+              <a:buFont typeface="Arial" panose="020B0604020202020204" pitchFamily="34" charset="0"/>
+              <a:buChar char="•"/>
+            </a:pPr>
+            <a:r>
+              <a:rPr lang="en-US" sz="2800" dirty="0">
+                <a:latin typeface="Times New Roman" panose="02020603050405020304" pitchFamily="18" charset="0"/>
+                <a:cs typeface="Times New Roman" panose="02020603050405020304" pitchFamily="18" charset="0"/>
+              </a:rPr>
+              <a:t>Optimizers</a:t>
+            </a:r>
+          </a:p>
+          <a:p>
+            <a:pPr marL="457200" indent="-457200">
+              <a:buFont typeface="Arial" panose="020B0604020202020204" pitchFamily="34" charset="0"/>
+              <a:buChar char="•"/>
+            </a:pPr>
+            <a:r>
+              <a:rPr lang="en-US" sz="2800" dirty="0">
+                <a:latin typeface="Times New Roman" panose="02020603050405020304" pitchFamily="18" charset="0"/>
+                <a:cs typeface="Times New Roman" panose="02020603050405020304" pitchFamily="18" charset="0"/>
+              </a:rPr>
+              <a:t>Activation Functions</a:t>
+            </a:r>
+            <a:endParaRPr lang="en-US" sz="3200" dirty="0">
+              <a:latin typeface="Times New Roman" panose="02020603050405020304" pitchFamily="18" charset="0"/>
+              <a:cs typeface="Times New Roman" panose="02020603050405020304" pitchFamily="18" charset="0"/>
+            </a:endParaRPr>
+          </a:p>
+          <a:p>
+            <a:endParaRPr lang="en-US" sz="3200" dirty="0">
+              <a:latin typeface="Times New Roman" panose="02020603050405020304" pitchFamily="18" charset="0"/>
+              <a:cs typeface="Times New Roman" panose="02020603050405020304" pitchFamily="18" charset="0"/>
+            </a:endParaRPr>
+          </a:p>
+          <a:p>
+            <a:endParaRPr lang="en-US" sz="3200" dirty="0">
+              <a:latin typeface="Times New Roman" panose="02020603050405020304" pitchFamily="18" charset="0"/>
+              <a:cs typeface="Times New Roman" panose="02020603050405020304" pitchFamily="18" charset="0"/>
+            </a:endParaRPr>
+          </a:p>
+          <a:p>
+            <a:endParaRPr lang="en-US" sz="3200" dirty="0">
+              <a:latin typeface="Times New Roman" panose="02020603050405020304" pitchFamily="18" charset="0"/>
+              <a:cs typeface="Times New Roman" panose="02020603050405020304" pitchFamily="18" charset="0"/>
+            </a:endParaRPr>
           </a:p>
         </p:txBody>
       </p:sp>
+      <p:sp>
+        <p:nvSpPr>
+          <p:cNvPr id="2" name="Title 1">
+            <a:extLst>
+              <a:ext uri="{FF2B5EF4-FFF2-40B4-BE49-F238E27FC236}">
+                <a16:creationId xmlns:a16="http://schemas.microsoft.com/office/drawing/2014/main" id="{75E80E14-9161-4C28-9CFD-34C952725847}"/>
+              </a:ext>
+            </a:extLst>
+          </p:cNvPr>
+          <p:cNvSpPr>
+            <a:spLocks noGrp="1"/>
+          </p:cNvSpPr>
+          <p:nvPr>
+            <p:ph type="title"/>
+          </p:nvPr>
+        </p:nvSpPr>
+        <p:spPr/>
+        <p:txBody>
+          <a:bodyPr>
+            <a:normAutofit/>
+          </a:bodyPr>
+          <a:lstStyle/>
+          <a:p>
+            <a:r>
+              <a:rPr lang="en-US" sz="4000" dirty="0">
+                <a:latin typeface="Times New Roman" panose="02020603050405020304" pitchFamily="18" charset="0"/>
+                <a:cs typeface="Times New Roman" panose="02020603050405020304" pitchFamily="18" charset="0"/>
+              </a:rPr>
+              <a:t>Neural Network</a:t>
+            </a:r>
+          </a:p>
+        </p:txBody>
+      </p:sp>
+      <p:pic>
+        <p:nvPicPr>
+          <p:cNvPr id="9" name="Content Placeholder 8">
+            <a:extLst>
+              <a:ext uri="{FF2B5EF4-FFF2-40B4-BE49-F238E27FC236}">
+                <a16:creationId xmlns:a16="http://schemas.microsoft.com/office/drawing/2014/main" id="{4775907C-7DE4-4E5C-86FD-30EF13155D85}"/>
+              </a:ext>
+            </a:extLst>
+          </p:cNvPr>
+          <p:cNvPicPr>
+            <a:picLocks noGrp="1" noChangeAspect="1"/>
+          </p:cNvPicPr>
+          <p:nvPr>
+            <p:ph idx="1"/>
+          </p:nvPr>
+        </p:nvPicPr>
+        <p:blipFill rotWithShape="1">
+          <a:blip r:embed="rId2"/>
+          <a:srcRect l="26157" t="57755" r="46161" b="15511"/>
+          <a:stretch/>
+        </p:blipFill>
+        <p:spPr>
+          <a:xfrm>
+            <a:off x="6096000" y="1461476"/>
+            <a:ext cx="5136053" cy="2790093"/>
+          </a:xfrm>
+          <a:prstGeom prst="rect">
+            <a:avLst/>
+          </a:prstGeom>
+        </p:spPr>
+      </p:pic>
     </p:spTree>
     <p:extLst>
       <p:ext uri="{BB962C8B-B14F-4D97-AF65-F5344CB8AC3E}">
-        <p14:creationId xmlns:p14="http://schemas.microsoft.com/office/powerpoint/2010/main" val="4145196449"/>
+        <p14:creationId xmlns:p14="http://schemas.microsoft.com/office/powerpoint/2010/main" val="3726568555"/>
       </p:ext>
     </p:extLst>
   </p:cSld>
@@ -8779,14 +9270,6 @@
 <file path=ppt/slides/slide11.xml><?xml version="1.0" encoding="utf-8"?>
 <p:sld xmlns:a="http://schemas.openxmlformats.org/drawingml/2006/main" xmlns:r="http://schemas.openxmlformats.org/officeDocument/2006/relationships" xmlns:p="http://schemas.openxmlformats.org/presentationml/2006/main">
   <p:cSld>
-    <p:bg>
-      <p:bgPr>
-        <a:solidFill>
-          <a:schemeClr val="bg1"/>
-        </a:solidFill>
-        <a:effectLst/>
-      </p:bgPr>
-    </p:bg>
     <p:spTree>
       <p:nvGrpSpPr>
         <p:cNvPr id="1" name=""/>
@@ -8803,75 +9286,10 @@
       </p:grpSpPr>
       <p:sp>
         <p:nvSpPr>
-          <p:cNvPr id="12" name="Rectangle 11">
-            <a:extLst>
-              <a:ext uri="{FF2B5EF4-FFF2-40B4-BE49-F238E27FC236}">
-                <a16:creationId xmlns:a16="http://schemas.microsoft.com/office/drawing/2014/main" id="{823AC064-BC96-4F32-8AE1-B2FD38754823}"/>
-              </a:ext>
-              <a:ext uri="{C183D7F6-B498-43B3-948B-1728B52AA6E4}">
-                <adec:decorative xmlns:adec="http://schemas.microsoft.com/office/drawing/2017/decorative" val="1"/>
-              </a:ext>
-            </a:extLst>
-          </p:cNvPr>
-          <p:cNvSpPr>
-            <a:spLocks noGrp="1" noRot="1" noChangeAspect="1" noMove="1" noResize="1" noEditPoints="1" noAdjustHandles="1" noChangeArrowheads="1" noChangeShapeType="1" noTextEdit="1"/>
-          </p:cNvSpPr>
-          <p:nvPr>
-            <p:extLst>
-              <p:ext uri="{386F3935-93C4-4BCD-93E2-E3B085C9AB24}">
-                <p16:designElem xmlns:p16="http://schemas.microsoft.com/office/powerpoint/2015/main" val="1"/>
-              </p:ext>
-            </p:extLst>
-          </p:nvPr>
-        </p:nvSpPr>
-        <p:spPr bwMode="ltGray">
-          <a:xfrm>
-            <a:off x="396882" y="280374"/>
-            <a:ext cx="11438793" cy="1844256"/>
-          </a:xfrm>
-          <a:prstGeom prst="rect">
-            <a:avLst/>
-          </a:prstGeom>
-          <a:solidFill>
-            <a:srgbClr val="404040"/>
-          </a:solidFill>
-          <a:ln w="127000" cap="sq" cmpd="thinThick">
-            <a:solidFill>
-              <a:srgbClr val="404040"/>
-            </a:solidFill>
-          </a:ln>
-        </p:spPr>
-        <p:style>
-          <a:lnRef idx="2">
-            <a:schemeClr val="accent1">
-              <a:shade val="50000"/>
-            </a:schemeClr>
-          </a:lnRef>
-          <a:fillRef idx="1">
-            <a:schemeClr val="accent1"/>
-          </a:fillRef>
-          <a:effectRef idx="0">
-            <a:schemeClr val="accent1"/>
-          </a:effectRef>
-          <a:fontRef idx="minor">
-            <a:schemeClr val="lt1"/>
-          </a:fontRef>
-        </p:style>
-        <p:txBody>
-          <a:bodyPr rtlCol="0" anchor="ctr"/>
-          <a:lstStyle/>
-          <a:p>
-            <a:pPr algn="ctr"/>
-            <a:endParaRPr lang="en-US"/>
-          </a:p>
-        </p:txBody>
-      </p:sp>
-      <p:sp>
-        <p:nvSpPr>
           <p:cNvPr id="2" name="Title 1">
             <a:extLst>
               <a:ext uri="{FF2B5EF4-FFF2-40B4-BE49-F238E27FC236}">
-                <a16:creationId xmlns:a16="http://schemas.microsoft.com/office/drawing/2014/main" id="{8D003711-7322-4FD2-9585-E1BD26AB1A28}"/>
+                <a16:creationId xmlns:a16="http://schemas.microsoft.com/office/drawing/2014/main" id="{1C035B57-F2B4-4105-AC41-7CBDA81FC69B}"/>
               </a:ext>
             </a:extLst>
           </p:cNvPr>
@@ -8882,97 +9300,36 @@
             <p:ph type="title"/>
           </p:nvPr>
         </p:nvSpPr>
-        <p:spPr>
-          <a:xfrm>
-            <a:off x="546351" y="433545"/>
-            <a:ext cx="11139854" cy="930447"/>
-          </a:xfrm>
-        </p:spPr>
+        <p:spPr/>
         <p:txBody>
-          <a:bodyPr vert="horz" lIns="91440" tIns="45720" rIns="91440" bIns="45720" rtlCol="0" anchor="b">
+          <a:bodyPr>
             <a:normAutofit/>
           </a:bodyPr>
           <a:lstStyle/>
           <a:p>
-            <a:pPr algn="ctr"/>
             <a:r>
-              <a:rPr lang="en-US" sz="5400">
-                <a:solidFill>
-                  <a:srgbClr val="FFFFFF"/>
-                </a:solidFill>
+              <a:rPr lang="en-US" sz="4000" dirty="0">
+                <a:latin typeface="Times New Roman" panose="02020603050405020304" pitchFamily="18" charset="0"/>
+                <a:cs typeface="Times New Roman" panose="02020603050405020304" pitchFamily="18" charset="0"/>
               </a:rPr>
               <a:t>Neural Network Results</a:t>
             </a:r>
           </a:p>
         </p:txBody>
       </p:sp>
-      <p:cxnSp>
-        <p:nvCxnSpPr>
-          <p:cNvPr id="14" name="Straight Connector 13">
+      <p:pic>
+        <p:nvPicPr>
+          <p:cNvPr id="7" name="Picture 6">
             <a:extLst>
               <a:ext uri="{FF2B5EF4-FFF2-40B4-BE49-F238E27FC236}">
-                <a16:creationId xmlns:a16="http://schemas.microsoft.com/office/drawing/2014/main" id="{7E7C77BC-7138-40B1-A15B-20F57A494629}"/>
-              </a:ext>
-              <a:ext uri="{C183D7F6-B498-43B3-948B-1728B52AA6E4}">
-                <adec:decorative xmlns:adec="http://schemas.microsoft.com/office/drawing/2017/decorative" val="1"/>
-              </a:ext>
-            </a:extLst>
-          </p:cNvPr>
-          <p:cNvCxnSpPr>
-            <a:cxnSpLocks noGrp="1" noRot="1" noChangeAspect="1" noMove="1" noResize="1" noEditPoints="1" noAdjustHandles="1" noChangeArrowheads="1" noChangeShapeType="1"/>
-          </p:cNvCxnSpPr>
-          <p:nvPr>
-            <p:extLst>
-              <p:ext uri="{386F3935-93C4-4BCD-93E2-E3B085C9AB24}">
-                <p16:designElem xmlns:p16="http://schemas.microsoft.com/office/powerpoint/2015/main" val="1"/>
-              </p:ext>
-            </p:extLst>
-          </p:nvPr>
-        </p:nvCxnSpPr>
-        <p:spPr>
-          <a:xfrm>
-            <a:off x="2230078" y="1522292"/>
-            <a:ext cx="7772400" cy="0"/>
-          </a:xfrm>
-          <a:prstGeom prst="line">
-            <a:avLst/>
-          </a:prstGeom>
-          <a:ln w="22225">
-            <a:solidFill>
-              <a:srgbClr val="D9D9D9"/>
-            </a:solidFill>
-          </a:ln>
-        </p:spPr>
-        <p:style>
-          <a:lnRef idx="1">
-            <a:schemeClr val="accent1"/>
-          </a:lnRef>
-          <a:fillRef idx="0">
-            <a:schemeClr val="accent1"/>
-          </a:fillRef>
-          <a:effectRef idx="0">
-            <a:schemeClr val="accent1"/>
-          </a:effectRef>
-          <a:fontRef idx="minor">
-            <a:schemeClr val="tx1"/>
-          </a:fontRef>
-        </p:style>
-      </p:cxnSp>
-      <p:pic>
-        <p:nvPicPr>
-          <p:cNvPr id="5" name="Content Placeholder 4">
-            <a:extLst>
-              <a:ext uri="{FF2B5EF4-FFF2-40B4-BE49-F238E27FC236}">
-                <a16:creationId xmlns:a16="http://schemas.microsoft.com/office/drawing/2014/main" id="{E61027A1-1083-4419-A899-5D12CDD59DB3}"/>
+                <a16:creationId xmlns:a16="http://schemas.microsoft.com/office/drawing/2014/main" id="{93EBC846-CC54-4FA7-BEA6-54AFF0CAB6E7}"/>
               </a:ext>
             </a:extLst>
           </p:cNvPr>
           <p:cNvPicPr>
-            <a:picLocks noGrp="1" noChangeAspect="1"/>
+            <a:picLocks noChangeAspect="1"/>
           </p:cNvPicPr>
-          <p:nvPr>
-            <p:ph idx="1"/>
-          </p:nvPr>
+          <p:nvPr/>
         </p:nvPicPr>
         <p:blipFill>
           <a:blip r:embed="rId2">
@@ -8988,81 +9345,31 @@
         </p:blipFill>
         <p:spPr>
           <a:xfrm>
-            <a:off x="331567" y="2606998"/>
-            <a:ext cx="5455917" cy="3637277"/>
+            <a:off x="608350" y="2182655"/>
+            <a:ext cx="5487650" cy="3658433"/>
           </a:xfrm>
           <a:prstGeom prst="rect">
             <a:avLst/>
           </a:prstGeom>
         </p:spPr>
       </p:pic>
-      <p:cxnSp>
-        <p:nvCxnSpPr>
-          <p:cNvPr id="16" name="Straight Connector 15">
+      <p:pic>
+        <p:nvPicPr>
+          <p:cNvPr id="11" name="Content Placeholder 10">
             <a:extLst>
               <a:ext uri="{FF2B5EF4-FFF2-40B4-BE49-F238E27FC236}">
-                <a16:creationId xmlns:a16="http://schemas.microsoft.com/office/drawing/2014/main" id="{DB146403-F3D6-484B-B2ED-97F9565D0370}"/>
-              </a:ext>
-              <a:ext uri="{C183D7F6-B498-43B3-948B-1728B52AA6E4}">
-                <adec:decorative xmlns:adec="http://schemas.microsoft.com/office/drawing/2017/decorative" val="1"/>
-              </a:ext>
-            </a:extLst>
-          </p:cNvPr>
-          <p:cNvCxnSpPr>
-            <a:cxnSpLocks noGrp="1" noRot="1" noChangeAspect="1" noMove="1" noResize="1" noEditPoints="1" noAdjustHandles="1" noChangeArrowheads="1" noChangeShapeType="1"/>
-          </p:cNvCxnSpPr>
-          <p:nvPr>
-            <p:extLst>
-              <p:ext uri="{386F3935-93C4-4BCD-93E2-E3B085C9AB24}">
-                <p16:designElem xmlns:p16="http://schemas.microsoft.com/office/powerpoint/2015/main" val="1"/>
-              </p:ext>
-            </p:extLst>
-          </p:nvPr>
-        </p:nvCxnSpPr>
-        <p:spPr>
-          <a:xfrm>
-            <a:off x="6116278" y="2596836"/>
-            <a:ext cx="0" cy="3657600"/>
-          </a:xfrm>
-          <a:prstGeom prst="line">
-            <a:avLst/>
-          </a:prstGeom>
-          <a:ln w="101600" cmpd="dbl">
-            <a:solidFill>
-              <a:srgbClr val="595959"/>
-            </a:solidFill>
-          </a:ln>
-        </p:spPr>
-        <p:style>
-          <a:lnRef idx="1">
-            <a:schemeClr val="accent1"/>
-          </a:lnRef>
-          <a:fillRef idx="0">
-            <a:schemeClr val="accent1"/>
-          </a:fillRef>
-          <a:effectRef idx="0">
-            <a:schemeClr val="accent1"/>
-          </a:effectRef>
-          <a:fontRef idx="minor">
-            <a:schemeClr val="tx1"/>
-          </a:fontRef>
-        </p:style>
-      </p:cxnSp>
-      <p:pic>
-        <p:nvPicPr>
-          <p:cNvPr id="7" name="Picture 6">
-            <a:extLst>
-              <a:ext uri="{FF2B5EF4-FFF2-40B4-BE49-F238E27FC236}">
-                <a16:creationId xmlns:a16="http://schemas.microsoft.com/office/drawing/2014/main" id="{8E8752C2-8C4C-48E2-826A-77929BD7B2BC}"/>
+                <a16:creationId xmlns:a16="http://schemas.microsoft.com/office/drawing/2014/main" id="{D6154BB4-A37A-49DC-9CF6-38B1F0A77E15}"/>
               </a:ext>
             </a:extLst>
           </p:cNvPr>
           <p:cNvPicPr>
-            <a:picLocks noChangeAspect="1"/>
+            <a:picLocks noGrp="1" noChangeAspect="1"/>
           </p:cNvPicPr>
-          <p:nvPr/>
+          <p:nvPr>
+            <p:ph idx="1"/>
+          </p:nvPr>
         </p:nvPicPr>
-        <p:blipFill>
+        <p:blipFill rotWithShape="1">
           <a:blip r:embed="rId3">
             <a:extLst>
               <a:ext uri="{28A0092B-C50C-407E-A947-70E740481C1C}">
@@ -9070,24 +9377,20 @@
               </a:ext>
             </a:extLst>
           </a:blip>
-          <a:stretch>
-            <a:fillRect/>
-          </a:stretch>
+          <a:srcRect l="13727"/>
+          <a:stretch/>
         </p:blipFill>
         <p:spPr>
           <a:xfrm>
-            <a:off x="6445073" y="2606998"/>
-            <a:ext cx="5455917" cy="3637277"/>
+            <a:off x="6504792" y="2182654"/>
+            <a:ext cx="4734356" cy="3658433"/>
           </a:xfrm>
-          <a:prstGeom prst="rect">
-            <a:avLst/>
-          </a:prstGeom>
         </p:spPr>
       </p:pic>
     </p:spTree>
     <p:extLst>
       <p:ext uri="{BB962C8B-B14F-4D97-AF65-F5344CB8AC3E}">
-        <p14:creationId xmlns:p14="http://schemas.microsoft.com/office/powerpoint/2010/main" val="3280170980"/>
+        <p14:creationId xmlns:p14="http://schemas.microsoft.com/office/powerpoint/2010/main" val="3977036947"/>
       </p:ext>
     </p:extLst>
   </p:cSld>
@@ -9132,12 +9435,17 @@
         </p:nvSpPr>
         <p:spPr/>
         <p:txBody>
-          <a:bodyPr/>
+          <a:bodyPr>
+            <a:normAutofit/>
+          </a:bodyPr>
           <a:lstStyle/>
           <a:p>
             <a:r>
-              <a:rPr lang="en-US" dirty="0"/>
-              <a:t>Other Task Investigated During Research </a:t>
+              <a:rPr lang="en-US" sz="4000" dirty="0">
+                <a:latin typeface="Times New Roman" panose="02020603050405020304" pitchFamily="18" charset="0"/>
+                <a:cs typeface="Times New Roman" panose="02020603050405020304" pitchFamily="18" charset="0"/>
+              </a:rPr>
+              <a:t>Other Topics Investigated During Research </a:t>
             </a:r>
           </a:p>
         </p:txBody>
@@ -9164,19 +9472,28 @@
           <a:lstStyle/>
           <a:p>
             <a:r>
-              <a:rPr lang="en-US" dirty="0"/>
-              <a:t>The relationship of different variables(ex. ICD9 codes) for patients who have diabetes</a:t>
+              <a:rPr lang="en-US" sz="3200" dirty="0">
+                <a:latin typeface="Times New Roman" panose="02020603050405020304" pitchFamily="18" charset="0"/>
+                <a:cs typeface="Times New Roman" panose="02020603050405020304" pitchFamily="18" charset="0"/>
+              </a:rPr>
+              <a:t>The relationship of different variables (ex. ICD9 codes) for patients who have diabetes</a:t>
             </a:r>
           </a:p>
           <a:p>
             <a:r>
-              <a:rPr lang="en-US" dirty="0"/>
+              <a:rPr lang="en-US" sz="3200" dirty="0">
+                <a:latin typeface="Times New Roman" panose="02020603050405020304" pitchFamily="18" charset="0"/>
+                <a:cs typeface="Times New Roman" panose="02020603050405020304" pitchFamily="18" charset="0"/>
+              </a:rPr>
               <a:t>The use of medical notes to predict diabetes code </a:t>
             </a:r>
           </a:p>
           <a:p>
             <a:r>
-              <a:rPr lang="en-US" dirty="0"/>
+              <a:rPr lang="en-US" sz="3200" dirty="0">
+                <a:latin typeface="Times New Roman" panose="02020603050405020304" pitchFamily="18" charset="0"/>
+                <a:cs typeface="Times New Roman" panose="02020603050405020304" pitchFamily="18" charset="0"/>
+              </a:rPr>
               <a:t>The consistency of ICD9 coding of individual diabetic patients over time</a:t>
             </a:r>
           </a:p>
@@ -9241,11 +9558,16 @@
           </a:xfrm>
         </p:spPr>
         <p:txBody>
-          <a:bodyPr/>
+          <a:bodyPr>
+            <a:normAutofit/>
+          </a:bodyPr>
           <a:lstStyle/>
           <a:p>
             <a:r>
-              <a:rPr lang="en-US" dirty="0"/>
+              <a:rPr lang="en-US" sz="4000" dirty="0">
+                <a:latin typeface="Times New Roman" panose="02020603050405020304" pitchFamily="18" charset="0"/>
+                <a:cs typeface="Times New Roman" panose="02020603050405020304" pitchFamily="18" charset="0"/>
+              </a:rPr>
               <a:t>Conclusion and Discussion</a:t>
             </a:r>
           </a:p>
@@ -9273,34 +9595,39 @@
           <a:lstStyle/>
           <a:p>
             <a:r>
-              <a:rPr lang="en-US" sz="3200" dirty="0"/>
-              <a:t>Data mining’s impact in the medical field</a:t>
+              <a:rPr lang="en-US" sz="3200" dirty="0">
+                <a:latin typeface="Times New Roman" panose="02020603050405020304" pitchFamily="18" charset="0"/>
+                <a:cs typeface="Times New Roman" panose="02020603050405020304" pitchFamily="18" charset="0"/>
+              </a:rPr>
+              <a:t>These types of models are beneficial to assist medical experts with decision making </a:t>
             </a:r>
           </a:p>
           <a:p>
             <a:r>
-              <a:rPr lang="en-US" sz="3200" dirty="0"/>
-              <a:t>Predictive mortality model results</a:t>
+              <a:rPr lang="en-US" sz="3200" dirty="0">
+                <a:latin typeface="Times New Roman" panose="02020603050405020304" pitchFamily="18" charset="0"/>
+                <a:cs typeface="Times New Roman" panose="02020603050405020304" pitchFamily="18" charset="0"/>
+              </a:rPr>
+              <a:t>Understanding the data improves the quality of results</a:t>
             </a:r>
           </a:p>
           <a:p>
             <a:r>
-              <a:rPr lang="en-US" sz="3200" dirty="0"/>
+              <a:rPr lang="en-US" sz="3200" dirty="0">
+                <a:latin typeface="Times New Roman" panose="02020603050405020304" pitchFamily="18" charset="0"/>
+                <a:cs typeface="Times New Roman" panose="02020603050405020304" pitchFamily="18" charset="0"/>
+              </a:rPr>
               <a:t>Future work</a:t>
             </a:r>
           </a:p>
           <a:p>
             <a:pPr lvl="1"/>
             <a:r>
-              <a:rPr lang="en-US" sz="2800" dirty="0"/>
-              <a:t>Incorporating subgroup models</a:t>
-            </a:r>
-          </a:p>
-          <a:p>
-            <a:pPr lvl="1"/>
-            <a:r>
-              <a:rPr lang="en-US" sz="2800" dirty="0"/>
-              <a:t>Further NLP on the medical text of patients</a:t>
+              <a:rPr lang="en-US" sz="3200" dirty="0">
+                <a:latin typeface="Times New Roman" panose="02020603050405020304" pitchFamily="18" charset="0"/>
+                <a:cs typeface="Times New Roman" panose="02020603050405020304" pitchFamily="18" charset="0"/>
+              </a:rPr>
+              <a:t>Further NLP (Natural Language Processing) on the medical text of patients</a:t>
             </a:r>
           </a:p>
           <a:p>
@@ -9334,6 +9661,14 @@
 <file path=ppt/slides/slide2.xml><?xml version="1.0" encoding="utf-8"?>
 <p:sld xmlns:a="http://schemas.openxmlformats.org/drawingml/2006/main" xmlns:r="http://schemas.openxmlformats.org/officeDocument/2006/relationships" xmlns:p="http://schemas.openxmlformats.org/presentationml/2006/main">
   <p:cSld>
+    <p:bg>
+      <p:bgPr>
+        <a:solidFill>
+          <a:schemeClr val="bg1"/>
+        </a:solidFill>
+        <a:effectLst/>
+      </p:bgPr>
+    </p:bg>
     <p:spTree>
       <p:nvGrpSpPr>
         <p:cNvPr id="1" name=""/>
@@ -9348,6 +9683,132 @@
           <a:chExt cx="0" cy="0"/>
         </a:xfrm>
       </p:grpSpPr>
+      <p:sp>
+        <p:nvSpPr>
+          <p:cNvPr id="12" name="Rectangle 8">
+            <a:extLst>
+              <a:ext uri="{FF2B5EF4-FFF2-40B4-BE49-F238E27FC236}">
+                <a16:creationId xmlns:a16="http://schemas.microsoft.com/office/drawing/2014/main" id="{6753252F-4873-4F63-801D-CC719279A7D5}"/>
+              </a:ext>
+              <a:ext uri="{C183D7F6-B498-43B3-948B-1728B52AA6E4}">
+                <adec:decorative xmlns:adec="http://schemas.microsoft.com/office/drawing/2017/decorative" val="1"/>
+              </a:ext>
+            </a:extLst>
+          </p:cNvPr>
+          <p:cNvSpPr>
+            <a:spLocks noGrp="1" noRot="1" noChangeAspect="1" noMove="1" noResize="1" noEditPoints="1" noAdjustHandles="1" noChangeArrowheads="1" noChangeShapeType="1" noTextEdit="1"/>
+          </p:cNvSpPr>
+          <p:nvPr>
+            <p:extLst>
+              <p:ext uri="{386F3935-93C4-4BCD-93E2-E3B085C9AB24}">
+                <p16:designElem xmlns:p16="http://schemas.microsoft.com/office/powerpoint/2015/main" val="1"/>
+              </p:ext>
+            </p:extLst>
+          </p:nvPr>
+        </p:nvSpPr>
+        <p:spPr>
+          <a:xfrm>
+            <a:off x="0" y="0"/>
+            <a:ext cx="12192000" cy="6858000"/>
+          </a:xfrm>
+          <a:prstGeom prst="rect">
+            <a:avLst/>
+          </a:prstGeom>
+          <a:solidFill>
+            <a:srgbClr val="FFFFFF"/>
+          </a:solidFill>
+          <a:ln>
+            <a:noFill/>
+          </a:ln>
+        </p:spPr>
+        <p:style>
+          <a:lnRef idx="2">
+            <a:schemeClr val="accent1">
+              <a:shade val="50000"/>
+            </a:schemeClr>
+          </a:lnRef>
+          <a:fillRef idx="1">
+            <a:schemeClr val="accent1"/>
+          </a:fillRef>
+          <a:effectRef idx="0">
+            <a:schemeClr val="accent1"/>
+          </a:effectRef>
+          <a:fontRef idx="minor">
+            <a:schemeClr val="lt1"/>
+          </a:fontRef>
+        </p:style>
+        <p:txBody>
+          <a:bodyPr rtlCol="0" anchor="ctr"/>
+          <a:lstStyle/>
+          <a:p>
+            <a:pPr algn="ctr"/>
+            <a:endParaRPr lang="en-US"/>
+          </a:p>
+        </p:txBody>
+      </p:sp>
+      <p:sp>
+        <p:nvSpPr>
+          <p:cNvPr id="11" name="Rectangle 10">
+            <a:extLst>
+              <a:ext uri="{FF2B5EF4-FFF2-40B4-BE49-F238E27FC236}">
+                <a16:creationId xmlns:a16="http://schemas.microsoft.com/office/drawing/2014/main" id="{047C8CCB-F95D-4249-92DD-651249D3535A}"/>
+              </a:ext>
+              <a:ext uri="{C183D7F6-B498-43B3-948B-1728B52AA6E4}">
+                <adec:decorative xmlns:adec="http://schemas.microsoft.com/office/drawing/2017/decorative" val="1"/>
+              </a:ext>
+            </a:extLst>
+          </p:cNvPr>
+          <p:cNvSpPr>
+            <a:spLocks noGrp="1" noRot="1" noChangeAspect="1" noMove="1" noResize="1" noEditPoints="1" noAdjustHandles="1" noChangeArrowheads="1" noChangeShapeType="1" noTextEdit="1"/>
+          </p:cNvSpPr>
+          <p:nvPr>
+            <p:extLst>
+              <p:ext uri="{386F3935-93C4-4BCD-93E2-E3B085C9AB24}">
+                <p16:designElem xmlns:p16="http://schemas.microsoft.com/office/powerpoint/2015/main" val="1"/>
+              </p:ext>
+            </p:extLst>
+          </p:nvPr>
+        </p:nvSpPr>
+        <p:spPr>
+          <a:xfrm>
+            <a:off x="0" y="0"/>
+            <a:ext cx="2013557" cy="6858000"/>
+          </a:xfrm>
+          <a:prstGeom prst="rect">
+            <a:avLst/>
+          </a:prstGeom>
+          <a:solidFill>
+            <a:srgbClr val="3B4653"/>
+          </a:solidFill>
+          <a:ln>
+            <a:noFill/>
+          </a:ln>
+        </p:spPr>
+        <p:style>
+          <a:lnRef idx="2">
+            <a:schemeClr val="accent1">
+              <a:shade val="50000"/>
+            </a:schemeClr>
+          </a:lnRef>
+          <a:fillRef idx="1">
+            <a:schemeClr val="accent1"/>
+          </a:fillRef>
+          <a:effectRef idx="0">
+            <a:schemeClr val="accent1"/>
+          </a:effectRef>
+          <a:fontRef idx="minor">
+            <a:schemeClr val="lt1"/>
+          </a:fontRef>
+        </p:style>
+        <p:txBody>
+          <a:bodyPr rtlCol="0" anchor="ctr"/>
+          <a:lstStyle/>
+          <a:p>
+            <a:pPr algn="ctr"/>
+            <a:endParaRPr lang="en-US"/>
+          </a:p>
+        </p:txBody>
+      </p:sp>
       <p:sp>
         <p:nvSpPr>
           <p:cNvPr id="2" name="Title 1">
@@ -9366,28 +9827,61 @@
         </p:nvSpPr>
         <p:spPr>
           <a:xfrm>
-            <a:off x="838199" y="287633"/>
-            <a:ext cx="10515600" cy="1325563"/>
+            <a:off x="640080" y="2074363"/>
+            <a:ext cx="2752354" cy="2709275"/>
           </a:xfrm>
+          <a:prstGeom prst="ellipse">
+            <a:avLst/>
+          </a:prstGeom>
+          <a:solidFill>
+            <a:srgbClr val="262626"/>
+          </a:solidFill>
+          <a:ln w="174625" cmpd="thinThick">
+            <a:solidFill>
+              <a:srgbClr val="262626"/>
+            </a:solidFill>
+          </a:ln>
         </p:spPr>
         <p:txBody>
-          <a:bodyPr/>
+          <a:bodyPr vert="horz" lIns="91440" tIns="45720" rIns="91440" bIns="45720" rtlCol="0" anchor="ctr">
+            <a:noAutofit/>
+          </a:bodyPr>
           <a:lstStyle/>
           <a:p>
             <a:pPr algn="ctr"/>
             <a:r>
-              <a:rPr lang="en-US" dirty="0">
+              <a:rPr lang="en-US" sz="2800" kern="1200" dirty="0">
+                <a:solidFill>
+                  <a:srgbClr val="FFFFFF"/>
+                </a:solidFill>
                 <a:latin typeface="Times New Roman" panose="02020603050405020304" pitchFamily="18" charset="0"/>
                 <a:cs typeface="Times New Roman" panose="02020603050405020304" pitchFamily="18" charset="0"/>
               </a:rPr>
-              <a:t>The Data Science Process</a:t>
+              <a:t>The Data Science </a:t>
             </a:r>
+            <a:r>
+              <a:rPr lang="en-US" sz="2800" dirty="0">
+                <a:solidFill>
+                  <a:srgbClr val="FFFFFF"/>
+                </a:solidFill>
+                <a:latin typeface="Times New Roman" panose="02020603050405020304" pitchFamily="18" charset="0"/>
+                <a:cs typeface="Times New Roman" panose="02020603050405020304" pitchFamily="18" charset="0"/>
+              </a:rPr>
+              <a:t>Lifecycle</a:t>
+            </a:r>
+            <a:endParaRPr lang="en-US" sz="2800" kern="1200" dirty="0">
+              <a:solidFill>
+                <a:srgbClr val="FFFFFF"/>
+              </a:solidFill>
+              <a:latin typeface="Times New Roman" panose="02020603050405020304" pitchFamily="18" charset="0"/>
+              <a:cs typeface="Times New Roman" panose="02020603050405020304" pitchFamily="18" charset="0"/>
+            </a:endParaRPr>
           </a:p>
         </p:txBody>
       </p:sp>
       <p:pic>
         <p:nvPicPr>
-          <p:cNvPr id="4" name="Content Placeholder 3">
+          <p:cNvPr id="13" name="Content Placeholder 3">
             <a:extLst>
               <a:ext uri="{FF2B5EF4-FFF2-40B4-BE49-F238E27FC236}">
                 <a16:creationId xmlns:a16="http://schemas.microsoft.com/office/drawing/2014/main" id="{0308FAA8-6765-4C19-9089-F0B65DE7D34E}"/>
@@ -9403,13 +9897,13 @@
         </p:nvPicPr>
         <p:blipFill rotWithShape="1">
           <a:blip r:embed="rId2"/>
-          <a:srcRect t="8579"/>
+          <a:srcRect l="1776" t="8579" r="1342" b="4395"/>
           <a:stretch/>
         </p:blipFill>
         <p:spPr>
           <a:xfrm>
-            <a:off x="2213674" y="1424473"/>
-            <a:ext cx="7764651" cy="5295543"/>
+            <a:off x="3512475" y="600364"/>
+            <a:ext cx="8490573" cy="5681974"/>
           </a:xfrm>
           <a:prstGeom prst="rect">
             <a:avLst/>
@@ -9664,16 +10158,7 @@
                 <a:latin typeface="Times New Roman" panose="02020603050405020304" pitchFamily="18" charset="0"/>
                 <a:cs typeface="Times New Roman" panose="02020603050405020304" pitchFamily="18" charset="0"/>
               </a:rPr>
-              <a:t>Data Mining</a:t>
-            </a:r>
-          </a:p>
-          <a:p>
-            <a:r>
-              <a:rPr lang="en-US" sz="3200" dirty="0">
-                <a:latin typeface="Times New Roman" panose="02020603050405020304" pitchFamily="18" charset="0"/>
-                <a:cs typeface="Times New Roman" panose="02020603050405020304" pitchFamily="18" charset="0"/>
-              </a:rPr>
-              <a:t>Feature Exploration</a:t>
+              <a:t>Feature Exploration and Engineering</a:t>
             </a:r>
           </a:p>
           <a:p>
@@ -9775,7 +10260,7 @@
           <a:lstStyle/>
           <a:p>
             <a:r>
-              <a:rPr lang="en-US" dirty="0">
+              <a:rPr lang="en-US" sz="4000" dirty="0">
                 <a:latin typeface="Times New Roman" panose="02020603050405020304" pitchFamily="18" charset="0"/>
                 <a:cs typeface="Times New Roman" panose="02020603050405020304" pitchFamily="18" charset="0"/>
               </a:rPr>
@@ -10395,7 +10880,10 @@
           <a:lstStyle/>
           <a:p>
             <a:r>
-              <a:rPr lang="en-US"/>
+              <a:rPr lang="en-US" sz="4000" dirty="0">
+                <a:latin typeface="Times New Roman" panose="02020603050405020304" pitchFamily="18" charset="0"/>
+                <a:cs typeface="Times New Roman" panose="02020603050405020304" pitchFamily="18" charset="0"/>
+              </a:rPr>
               <a:t>Goals and Objectives</a:t>
             </a:r>
           </a:p>
@@ -10527,7 +11015,7 @@
             <p:ph idx="1"/>
             <p:extLst>
               <p:ext uri="{D42A27DB-BD31-4B8C-83A1-F6EECF244321}">
-                <p14:modId xmlns:p14="http://schemas.microsoft.com/office/powerpoint/2010/main" val="3439682156"/>
+                <p14:modId xmlns:p14="http://schemas.microsoft.com/office/powerpoint/2010/main" val="2175168752"/>
               </p:ext>
             </p:extLst>
           </p:nvPr>
@@ -10572,6 +11060,34 @@
           <a:chExt cx="0" cy="0"/>
         </a:xfrm>
       </p:grpSpPr>
+      <p:graphicFrame>
+        <p:nvGraphicFramePr>
+          <p:cNvPr id="3" name="Diagram 2">
+            <a:extLst>
+              <a:ext uri="{FF2B5EF4-FFF2-40B4-BE49-F238E27FC236}">
+                <a16:creationId xmlns:a16="http://schemas.microsoft.com/office/drawing/2014/main" id="{2B655450-8A1C-4660-8E50-E1DF349A3CBF}"/>
+              </a:ext>
+            </a:extLst>
+          </p:cNvPr>
+          <p:cNvGraphicFramePr/>
+          <p:nvPr>
+            <p:extLst>
+              <p:ext uri="{D42A27DB-BD31-4B8C-83A1-F6EECF244321}">
+                <p14:modId xmlns:p14="http://schemas.microsoft.com/office/powerpoint/2010/main" val="3537717050"/>
+              </p:ext>
+            </p:extLst>
+          </p:nvPr>
+        </p:nvGraphicFramePr>
+        <p:xfrm>
+          <a:off x="1328614" y="1469293"/>
+          <a:ext cx="7159567" cy="4934763"/>
+        </p:xfrm>
+        <a:graphic>
+          <a:graphicData uri="http://schemas.openxmlformats.org/drawingml/2006/diagram">
+            <dgm:relIds xmlns:dgm="http://schemas.openxmlformats.org/drawingml/2006/diagram" xmlns:r="http://schemas.openxmlformats.org/officeDocument/2006/relationships" r:dm="rId3" r:lo="rId4" r:qs="rId5" r:cs="rId6"/>
+          </a:graphicData>
+        </a:graphic>
+      </p:graphicFrame>
       <p:sp>
         <p:nvSpPr>
           <p:cNvPr id="2" name="Title 1">
@@ -10590,47 +11106,21 @@
         </p:nvSpPr>
         <p:spPr/>
         <p:txBody>
-          <a:bodyPr/>
+          <a:bodyPr>
+            <a:normAutofit/>
+          </a:bodyPr>
           <a:lstStyle/>
           <a:p>
             <a:r>
-              <a:rPr lang="en-US" dirty="0"/>
-              <a:t>Data Mining and Visualization</a:t>
+              <a:rPr lang="en-US" sz="4000" dirty="0">
+                <a:latin typeface="Times New Roman" panose="02020603050405020304" pitchFamily="18" charset="0"/>
+                <a:cs typeface="Times New Roman" panose="02020603050405020304" pitchFamily="18" charset="0"/>
+              </a:rPr>
+              <a:t>Feature Exploration and Visualization</a:t>
             </a:r>
           </a:p>
         </p:txBody>
       </p:sp>
-      <p:graphicFrame>
-        <p:nvGraphicFramePr>
-          <p:cNvPr id="8" name="Content Placeholder 7">
-            <a:extLst>
-              <a:ext uri="{FF2B5EF4-FFF2-40B4-BE49-F238E27FC236}">
-                <a16:creationId xmlns:a16="http://schemas.microsoft.com/office/drawing/2014/main" id="{2837FBAA-949C-491D-8CD4-1FC28989C3E3}"/>
-              </a:ext>
-            </a:extLst>
-          </p:cNvPr>
-          <p:cNvGraphicFramePr>
-            <a:graphicFrameLocks noGrp="1"/>
-          </p:cNvGraphicFramePr>
-          <p:nvPr>
-            <p:ph idx="1"/>
-            <p:extLst>
-              <p:ext uri="{D42A27DB-BD31-4B8C-83A1-F6EECF244321}">
-                <p14:modId xmlns:p14="http://schemas.microsoft.com/office/powerpoint/2010/main" val="3546255147"/>
-              </p:ext>
-            </p:extLst>
-          </p:nvPr>
-        </p:nvGraphicFramePr>
-        <p:xfrm>
-          <a:off x="838200" y="1825625"/>
-          <a:ext cx="10515600" cy="4351338"/>
-        </p:xfrm>
-        <a:graphic>
-          <a:graphicData uri="http://schemas.openxmlformats.org/drawingml/2006/diagram">
-            <dgm:relIds xmlns:dgm="http://schemas.openxmlformats.org/drawingml/2006/diagram" xmlns:r="http://schemas.openxmlformats.org/officeDocument/2006/relationships" r:dm="rId3" r:lo="rId4" r:qs="rId5" r:cs="rId6"/>
-          </a:graphicData>
-        </a:graphic>
-      </p:graphicFrame>
       <p:graphicFrame>
         <p:nvGraphicFramePr>
           <p:cNvPr id="6" name="Object 5">
@@ -10646,20 +11136,20 @@
           <p:nvPr>
             <p:extLst>
               <p:ext uri="{D42A27DB-BD31-4B8C-83A1-F6EECF244321}">
-                <p14:modId xmlns:p14="http://schemas.microsoft.com/office/powerpoint/2010/main" val="2702104443"/>
+                <p14:modId xmlns:p14="http://schemas.microsoft.com/office/powerpoint/2010/main" val="608493958"/>
               </p:ext>
             </p:extLst>
           </p:nvPr>
         </p:nvGraphicFramePr>
         <p:xfrm>
-          <a:off x="6733025" y="5135020"/>
-          <a:ext cx="1629855" cy="497767"/>
+          <a:off x="6179944" y="5869184"/>
+          <a:ext cx="2308235" cy="704948"/>
         </p:xfrm>
         <a:graphic>
           <a:graphicData uri="http://schemas.openxmlformats.org/presentationml/2006/ole">
             <mc:AlternateContent xmlns:mc="http://schemas.openxmlformats.org/markup-compatibility/2006">
               <mc:Choice xmlns:v="urn:schemas-microsoft-com:vml" Requires="v">
-                <p:oleObj spid="_x0000_s1050" name="Packager Shell Object" showAsIcon="1" r:id="rId8" imgW="1762200" imgH="538200" progId="Package">
+                <p:oleObj spid="_x0000_s1062" name="Packager Shell Object" showAsIcon="1" r:id="rId8" imgW="1762200" imgH="538200" progId="Package">
                   <p:embed/>
                 </p:oleObj>
               </mc:Choice>
@@ -10680,8 +11170,8 @@
                     </p:blipFill>
                     <p:spPr>
                       <a:xfrm>
-                        <a:off x="6733025" y="5135020"/>
-                        <a:ext cx="1629855" cy="497767"/>
+                        <a:off x="6179944" y="5869184"/>
+                        <a:ext cx="2308235" cy="704948"/>
                       </a:xfrm>
                       <a:prstGeom prst="rect">
                         <a:avLst/>
@@ -10712,20 +11202,20 @@
           <p:nvPr>
             <p:extLst>
               <p:ext uri="{D42A27DB-BD31-4B8C-83A1-F6EECF244321}">
-                <p14:modId xmlns:p14="http://schemas.microsoft.com/office/powerpoint/2010/main" val="1353488229"/>
+                <p14:modId xmlns:p14="http://schemas.microsoft.com/office/powerpoint/2010/main" val="1478505337"/>
               </p:ext>
             </p:extLst>
           </p:nvPr>
         </p:nvGraphicFramePr>
         <p:xfrm>
-          <a:off x="6733025" y="4427462"/>
-          <a:ext cx="1620837" cy="498475"/>
+          <a:off x="3762295" y="5869184"/>
+          <a:ext cx="2292203" cy="704948"/>
         </p:xfrm>
         <a:graphic>
           <a:graphicData uri="http://schemas.openxmlformats.org/presentationml/2006/ole">
             <mc:AlternateContent xmlns:mc="http://schemas.openxmlformats.org/markup-compatibility/2006">
               <mc:Choice xmlns:v="urn:schemas-microsoft-com:vml" Requires="v">
-                <p:oleObj spid="_x0000_s1051" name="Packager Shell Object" showAsIcon="1" r:id="rId10" imgW="1752480" imgH="538200" progId="Package">
+                <p:oleObj spid="_x0000_s1063" name="Packager Shell Object" showAsIcon="1" r:id="rId10" imgW="1752480" imgH="538200" progId="Package">
                   <p:embed/>
                 </p:oleObj>
               </mc:Choice>
@@ -10746,8 +11236,8 @@
                     </p:blipFill>
                     <p:spPr>
                       <a:xfrm>
-                        <a:off x="6733025" y="4427462"/>
-                        <a:ext cx="1620837" cy="498475"/>
+                        <a:off x="3762295" y="5869184"/>
+                        <a:ext cx="2292203" cy="704948"/>
                       </a:xfrm>
                       <a:prstGeom prst="rect">
                         <a:avLst/>
@@ -10763,36 +11253,6 @@
           </a:graphicData>
         </a:graphic>
       </p:graphicFrame>
-      <p:pic>
-        <p:nvPicPr>
-          <p:cNvPr id="9" name="Picture 8">
-            <a:extLst>
-              <a:ext uri="{FF2B5EF4-FFF2-40B4-BE49-F238E27FC236}">
-                <a16:creationId xmlns:a16="http://schemas.microsoft.com/office/drawing/2014/main" id="{B2B09172-C977-481A-A6E9-A2AC9659E299}"/>
-              </a:ext>
-            </a:extLst>
-          </p:cNvPr>
-          <p:cNvPicPr>
-            <a:picLocks noChangeAspect="1"/>
-          </p:cNvPicPr>
-          <p:nvPr/>
-        </p:nvPicPr>
-        <p:blipFill>
-          <a:blip r:embed="rId12"/>
-          <a:stretch>
-            <a:fillRect/>
-          </a:stretch>
-        </p:blipFill>
-        <p:spPr>
-          <a:xfrm>
-            <a:off x="2921314" y="4187104"/>
-            <a:ext cx="3504416" cy="1895832"/>
-          </a:xfrm>
-          <a:prstGeom prst="rect">
-            <a:avLst/>
-          </a:prstGeom>
-        </p:spPr>
-      </p:pic>
     </p:spTree>
     <p:extLst>
       <p:ext uri="{BB962C8B-B14F-4D97-AF65-F5344CB8AC3E}">
@@ -10837,51 +11297,6 @@
                                           </p:stCondLst>
                                         </p:cTn>
                                         <p:tgtEl>
-                                          <p:spTgt spid="9"/>
-                                        </p:tgtEl>
-                                        <p:attrNameLst>
-                                          <p:attrName>style.visibility</p:attrName>
-                                        </p:attrNameLst>
-                                      </p:cBhvr>
-                                      <p:to>
-                                        <p:strVal val="visible"/>
-                                      </p:to>
-                                    </p:set>
-                                  </p:childTnLst>
-                                </p:cTn>
-                              </p:par>
-                            </p:childTnLst>
-                          </p:cTn>
-                        </p:par>
-                      </p:childTnLst>
-                    </p:cTn>
-                  </p:par>
-                  <p:par>
-                    <p:cTn id="7" fill="hold">
-                      <p:stCondLst>
-                        <p:cond delay="indefinite"/>
-                      </p:stCondLst>
-                      <p:childTnLst>
-                        <p:par>
-                          <p:cTn id="8" fill="hold">
-                            <p:stCondLst>
-                              <p:cond delay="0"/>
-                            </p:stCondLst>
-                            <p:childTnLst>
-                              <p:par>
-                                <p:cTn id="9" presetID="1" presetClass="entr" presetSubtype="0" fill="hold" nodeType="clickEffect">
-                                  <p:stCondLst>
-                                    <p:cond delay="0"/>
-                                  </p:stCondLst>
-                                  <p:childTnLst>
-                                    <p:set>
-                                      <p:cBhvr>
-                                        <p:cTn id="10" dur="1" fill="hold">
-                                          <p:stCondLst>
-                                            <p:cond delay="0"/>
-                                          </p:stCondLst>
-                                        </p:cTn>
-                                        <p:tgtEl>
                                           <p:spTgt spid="7"/>
                                         </p:tgtEl>
                                         <p:attrNameLst>
@@ -10896,14 +11311,14 @@
                                 </p:cTn>
                               </p:par>
                               <p:par>
-                                <p:cTn id="11" presetID="1" presetClass="entr" presetSubtype="0" fill="hold" nodeType="withEffect">
+                                <p:cTn id="7" presetID="1" presetClass="entr" presetSubtype="0" fill="hold" nodeType="withEffect">
                                   <p:stCondLst>
                                     <p:cond delay="0"/>
                                   </p:stCondLst>
                                   <p:childTnLst>
                                     <p:set>
                                       <p:cBhvr>
-                                        <p:cTn id="12" dur="1" fill="hold">
+                                        <p:cTn id="8" dur="1" fill="hold">
                                           <p:stCondLst>
                                             <p:cond delay="0"/>
                                           </p:stCondLst>
@@ -10972,10 +11387,64 @@
       </p:grpSpPr>
       <p:sp>
         <p:nvSpPr>
+          <p:cNvPr id="7" name="Rectangle 6">
+            <a:extLst>
+              <a:ext uri="{FF2B5EF4-FFF2-40B4-BE49-F238E27FC236}">
+                <a16:creationId xmlns:a16="http://schemas.microsoft.com/office/drawing/2014/main" id="{502F2C59-45F6-41A0-98A5-A6AA1FE233E3}"/>
+              </a:ext>
+            </a:extLst>
+          </p:cNvPr>
+          <p:cNvSpPr/>
+          <p:nvPr/>
+        </p:nvSpPr>
+        <p:spPr>
+          <a:xfrm>
+            <a:off x="246457" y="2937017"/>
+            <a:ext cx="11790033" cy="3657600"/>
+          </a:xfrm>
+          <a:prstGeom prst="rect">
+            <a:avLst/>
+          </a:prstGeom>
+          <a:solidFill>
+            <a:schemeClr val="tx1"/>
+          </a:solidFill>
+          <a:ln>
+            <a:solidFill>
+              <a:schemeClr val="tx1"/>
+            </a:solidFill>
+          </a:ln>
+        </p:spPr>
+        <p:style>
+          <a:lnRef idx="2">
+            <a:schemeClr val="accent1">
+              <a:shade val="50000"/>
+            </a:schemeClr>
+          </a:lnRef>
+          <a:fillRef idx="1">
+            <a:schemeClr val="accent1"/>
+          </a:fillRef>
+          <a:effectRef idx="0">
+            <a:schemeClr val="accent1"/>
+          </a:effectRef>
+          <a:fontRef idx="minor">
+            <a:schemeClr val="lt1"/>
+          </a:fontRef>
+        </p:style>
+        <p:txBody>
+          <a:bodyPr rtlCol="0" anchor="ctr"/>
+          <a:lstStyle/>
+          <a:p>
+            <a:pPr algn="ctr"/>
+            <a:endParaRPr lang="en-US"/>
+          </a:p>
+        </p:txBody>
+      </p:sp>
+      <p:sp>
+        <p:nvSpPr>
           <p:cNvPr id="2" name="Title 1">
             <a:extLst>
               <a:ext uri="{FF2B5EF4-FFF2-40B4-BE49-F238E27FC236}">
-                <a16:creationId xmlns:a16="http://schemas.microsoft.com/office/drawing/2014/main" id="{EE57437A-53AD-4C90-9519-DCE98C52A134}"/>
+                <a16:creationId xmlns:a16="http://schemas.microsoft.com/office/drawing/2014/main" id="{F76BB306-9010-433D-93A8-B6465263CD1C}"/>
               </a:ext>
             </a:extLst>
           </p:cNvPr>
@@ -10986,71 +11455,84 @@
             <p:ph type="title"/>
           </p:nvPr>
         </p:nvSpPr>
-        <p:spPr>
-          <a:xfrm>
-            <a:off x="8721227" y="365125"/>
-            <a:ext cx="3273778" cy="2705453"/>
-          </a:xfrm>
-        </p:spPr>
+        <p:spPr/>
         <p:txBody>
           <a:bodyPr>
-            <a:normAutofit/>
+            <a:normAutofit fontScale="90000"/>
           </a:bodyPr>
           <a:lstStyle/>
           <a:p>
+            <a:br>
+              <a:rPr lang="en-US" sz="4900" dirty="0"/>
+            </a:br>
             <a:r>
-              <a:rPr lang="en-US" sz="3600" u="sng" dirty="0"/>
-              <a:t>Glucose Measurement Distribution</a:t>
+              <a:rPr lang="en-US" dirty="0">
+                <a:latin typeface="Times New Roman" panose="02020603050405020304" pitchFamily="18" charset="0"/>
+                <a:cs typeface="Times New Roman" panose="02020603050405020304" pitchFamily="18" charset="0"/>
+              </a:rPr>
+              <a:t>Glucose Measurement and Outcome Distributions</a:t>
             </a:r>
             <a:br>
               <a:rPr lang="en-US" sz="3600" u="sng" dirty="0"/>
             </a:br>
+            <a:endParaRPr lang="en-US" dirty="0"/>
+          </a:p>
+        </p:txBody>
+      </p:sp>
+      <p:sp>
+        <p:nvSpPr>
+          <p:cNvPr id="3" name="Content Placeholder 2">
+            <a:extLst>
+              <a:ext uri="{FF2B5EF4-FFF2-40B4-BE49-F238E27FC236}">
+                <a16:creationId xmlns:a16="http://schemas.microsoft.com/office/drawing/2014/main" id="{AA93C0AD-D244-47CB-A538-821085ADEAAE}"/>
+              </a:ext>
+            </a:extLst>
+          </p:cNvPr>
+          <p:cNvSpPr>
+            <a:spLocks noGrp="1"/>
+          </p:cNvSpPr>
+          <p:nvPr>
+            <p:ph idx="1"/>
+          </p:nvPr>
+        </p:nvSpPr>
+        <p:spPr>
+          <a:xfrm>
+            <a:off x="838200" y="1763102"/>
+            <a:ext cx="10515600" cy="4351338"/>
+          </a:xfrm>
+        </p:spPr>
+        <p:txBody>
+          <a:bodyPr/>
+          <a:lstStyle/>
+          <a:p>
             <a:r>
-              <a:rPr lang="en-US" sz="2800" dirty="0"/>
+              <a:rPr lang="en-US" sz="3200" dirty="0">
+                <a:latin typeface="Times New Roman" panose="02020603050405020304" pitchFamily="18" charset="0"/>
+                <a:cs typeface="Times New Roman" panose="02020603050405020304" pitchFamily="18" charset="0"/>
+              </a:rPr>
               <a:t>Feature Reduction</a:t>
             </a:r>
-            <a:endParaRPr lang="en-US" sz="3600" dirty="0"/>
+          </a:p>
+          <a:p>
+            <a:r>
+              <a:rPr lang="en-US" sz="3200" dirty="0">
+                <a:latin typeface="Times New Roman" panose="02020603050405020304" pitchFamily="18" charset="0"/>
+                <a:cs typeface="Times New Roman" panose="02020603050405020304" pitchFamily="18" charset="0"/>
+              </a:rPr>
+              <a:t>Imbalanced Data</a:t>
+            </a:r>
+          </a:p>
+          <a:p>
+            <a:endParaRPr lang="en-US" dirty="0"/>
           </a:p>
         </p:txBody>
       </p:sp>
       <p:pic>
         <p:nvPicPr>
-          <p:cNvPr id="4" name="Content Placeholder 3">
+          <p:cNvPr id="4" name="Picture 3">
             <a:extLst>
               <a:ext uri="{FF2B5EF4-FFF2-40B4-BE49-F238E27FC236}">
-                <a16:creationId xmlns:a16="http://schemas.microsoft.com/office/drawing/2014/main" id="{71EAFD12-9139-45EE-AEBC-A943B58EE30B}"/>
-              </a:ext>
-            </a:extLst>
-          </p:cNvPr>
-          <p:cNvPicPr>
-            <a:picLocks noGrp="1" noChangeAspect="1"/>
-          </p:cNvPicPr>
-          <p:nvPr>
-            <p:ph idx="1"/>
-          </p:nvPr>
-        </p:nvPicPr>
-        <p:blipFill>
-          <a:blip r:embed="rId2"/>
-          <a:stretch>
-            <a:fillRect/>
-          </a:stretch>
-        </p:blipFill>
-        <p:spPr>
-          <a:xfrm>
-            <a:off x="8308425" y="3385218"/>
-            <a:ext cx="3460603" cy="3107657"/>
-          </a:xfrm>
-          <a:prstGeom prst="rect">
-            <a:avLst/>
-          </a:prstGeom>
-        </p:spPr>
-      </p:pic>
-      <p:pic>
-        <p:nvPicPr>
-          <p:cNvPr id="6" name="Picture 5">
-            <a:extLst>
-              <a:ext uri="{FF2B5EF4-FFF2-40B4-BE49-F238E27FC236}">
-                <a16:creationId xmlns:a16="http://schemas.microsoft.com/office/drawing/2014/main" id="{AEE0299B-0377-4AC4-9BD7-1074B67029C6}"/>
+                <a16:creationId xmlns:a16="http://schemas.microsoft.com/office/drawing/2014/main" id="{A8A7AFFC-D163-4865-8AD9-5FD5923BED15}"/>
               </a:ext>
             </a:extLst>
           </p:cNvPr>
@@ -11060,7 +11542,7 @@
           <p:nvPr/>
         </p:nvPicPr>
         <p:blipFill>
-          <a:blip r:embed="rId3">
+          <a:blip r:embed="rId2">
             <a:extLst>
               <a:ext uri="{28A0092B-C50C-407E-A947-70E740481C1C}">
                 <a14:useLocalDpi xmlns:a14="http://schemas.microsoft.com/office/drawing/2010/main" val="0"/>
@@ -11073,7 +11555,7 @@
         </p:blipFill>
         <p:spPr>
           <a:xfrm>
-            <a:off x="196995" y="321343"/>
+            <a:off x="246457" y="2937017"/>
             <a:ext cx="8405137" cy="3657600"/>
           </a:xfrm>
           <a:prstGeom prst="rect">
@@ -11081,71 +11563,40 @@
           </a:prstGeom>
         </p:spPr>
       </p:pic>
-      <p:sp>
-        <p:nvSpPr>
-          <p:cNvPr id="7" name="Title 1">
+      <p:pic>
+        <p:nvPicPr>
+          <p:cNvPr id="6" name="Content Placeholder 3">
             <a:extLst>
               <a:ext uri="{FF2B5EF4-FFF2-40B4-BE49-F238E27FC236}">
-                <a16:creationId xmlns:a16="http://schemas.microsoft.com/office/drawing/2014/main" id="{E713092D-3832-49E4-B5B1-F1913E9CD090}"/>
+                <a16:creationId xmlns:a16="http://schemas.microsoft.com/office/drawing/2014/main" id="{B7C15B8E-C2B8-45E4-9B11-09F359BBC2FC}"/>
               </a:ext>
             </a:extLst>
           </p:cNvPr>
-          <p:cNvSpPr txBox="1">
-            <a:spLocks/>
-          </p:cNvSpPr>
+          <p:cNvPicPr>
+            <a:picLocks noChangeAspect="1"/>
+          </p:cNvPicPr>
           <p:nvPr/>
-        </p:nvSpPr>
+        </p:nvPicPr>
+        <p:blipFill>
+          <a:blip r:embed="rId3"/>
+          <a:stretch>
+            <a:fillRect/>
+          </a:stretch>
+        </p:blipFill>
         <p:spPr>
           <a:xfrm>
-            <a:off x="3323820" y="4389650"/>
-            <a:ext cx="4375005" cy="1692518"/>
+            <a:off x="8127963" y="3241325"/>
+            <a:ext cx="3395267" cy="3048984"/>
           </a:xfrm>
           <a:prstGeom prst="rect">
             <a:avLst/>
           </a:prstGeom>
         </p:spPr>
-        <p:txBody>
-          <a:bodyPr vert="horz" lIns="91440" tIns="45720" rIns="91440" bIns="45720" rtlCol="0" anchor="ctr">
-            <a:normAutofit/>
-          </a:bodyPr>
-          <a:lstStyle>
-            <a:lvl1pPr algn="l" defTabSz="914400" rtl="0" eaLnBrk="1" latinLnBrk="0" hangingPunct="1">
-              <a:lnSpc>
-                <a:spcPct val="90000"/>
-              </a:lnSpc>
-              <a:spcBef>
-                <a:spcPct val="0"/>
-              </a:spcBef>
-              <a:buNone/>
-              <a:defRPr sz="4400" kern="1200">
-                <a:solidFill>
-                  <a:schemeClr val="tx1"/>
-                </a:solidFill>
-                <a:latin typeface="+mj-lt"/>
-                <a:ea typeface="+mj-ea"/>
-                <a:cs typeface="+mj-cs"/>
-              </a:defRPr>
-            </a:lvl1pPr>
-          </a:lstStyle>
-          <a:p>
-            <a:r>
-              <a:rPr lang="en-US" sz="3600" u="sng" dirty="0"/>
-              <a:t>Outcome Distribution</a:t>
-            </a:r>
-            <a:endParaRPr lang="en-US" sz="2800" dirty="0"/>
-          </a:p>
-          <a:p>
-            <a:r>
-              <a:rPr lang="en-US" sz="2800" dirty="0"/>
-              <a:t>Oversampling</a:t>
-            </a:r>
-          </a:p>
-        </p:txBody>
-      </p:sp>
+      </p:pic>
     </p:spTree>
     <p:extLst>
       <p:ext uri="{BB962C8B-B14F-4D97-AF65-F5344CB8AC3E}">
-        <p14:creationId xmlns:p14="http://schemas.microsoft.com/office/powerpoint/2010/main" val="2021616319"/>
+        <p14:creationId xmlns:p14="http://schemas.microsoft.com/office/powerpoint/2010/main" val="2072723994"/>
       </p:ext>
     </p:extLst>
   </p:cSld>
@@ -11186,34 +11637,7 @@
                                           </p:stCondLst>
                                         </p:cTn>
                                         <p:tgtEl>
-                                          <p:spTgt spid="6"/>
-                                        </p:tgtEl>
-                                        <p:attrNameLst>
-                                          <p:attrName>style.visibility</p:attrName>
-                                        </p:attrNameLst>
-                                      </p:cBhvr>
-                                      <p:to>
-                                        <p:strVal val="visible"/>
-                                      </p:to>
-                                    </p:set>
-                                  </p:childTnLst>
-                                </p:cTn>
-                              </p:par>
-                              <p:par>
-                                <p:cTn id="7" presetID="1" presetClass="entr" presetSubtype="0" fill="hold" grpId="0" nodeType="withEffect">
-                                  <p:stCondLst>
-                                    <p:cond delay="0"/>
-                                  </p:stCondLst>
-                                  <p:childTnLst>
-                                    <p:set>
-                                      <p:cBhvr>
-                                        <p:cTn id="8" dur="1" fill="hold">
-                                          <p:stCondLst>
-                                            <p:cond delay="0"/>
-                                          </p:stCondLst>
-                                        </p:cTn>
-                                        <p:tgtEl>
-                                          <p:spTgt spid="2"/>
+                                          <p:spTgt spid="4"/>
                                         </p:tgtEl>
                                         <p:attrNameLst>
                                           <p:attrName>style.visibility</p:attrName>
@@ -11233,59 +11657,32 @@
                     </p:cTn>
                   </p:par>
                   <p:par>
-                    <p:cTn id="9" fill="hold">
+                    <p:cTn id="7" fill="hold">
                       <p:stCondLst>
                         <p:cond delay="indefinite"/>
                       </p:stCondLst>
                       <p:childTnLst>
                         <p:par>
-                          <p:cTn id="10" fill="hold">
+                          <p:cTn id="8" fill="hold">
                             <p:stCondLst>
                               <p:cond delay="0"/>
                             </p:stCondLst>
                             <p:childTnLst>
                               <p:par>
-                                <p:cTn id="11" presetID="1" presetClass="entr" presetSubtype="0" fill="hold" nodeType="clickEffect">
+                                <p:cTn id="9" presetID="1" presetClass="entr" presetSubtype="0" fill="hold" nodeType="clickEffect">
                                   <p:stCondLst>
                                     <p:cond delay="0"/>
                                   </p:stCondLst>
                                   <p:childTnLst>
                                     <p:set>
                                       <p:cBhvr>
-                                        <p:cTn id="12" dur="1" fill="hold">
+                                        <p:cTn id="10" dur="1" fill="hold">
                                           <p:stCondLst>
                                             <p:cond delay="0"/>
                                           </p:stCondLst>
                                         </p:cTn>
                                         <p:tgtEl>
-                                          <p:spTgt spid="4"/>
-                                        </p:tgtEl>
-                                        <p:attrNameLst>
-                                          <p:attrName>style.visibility</p:attrName>
-                                        </p:attrNameLst>
-                                      </p:cBhvr>
-                                      <p:to>
-                                        <p:strVal val="visible"/>
-                                      </p:to>
-                                    </p:set>
-                                  </p:childTnLst>
-                                </p:cTn>
-                              </p:par>
-                              <p:par>
-                                <p:cTn id="13" presetID="1" presetClass="entr" presetSubtype="0" fill="hold" grpId="0" nodeType="withEffect">
-                                  <p:stCondLst>
-                                    <p:cond delay="0"/>
-                                  </p:stCondLst>
-                                  <p:childTnLst>
-                                    <p:set>
-                                      <p:cBhvr>
-                                        <p:cTn id="14" dur="1" fill="hold">
-                                          <p:stCondLst>
-                                            <p:cond delay="0"/>
-                                          </p:stCondLst>
-                                        </p:cTn>
-                                        <p:tgtEl>
-                                          <p:spTgt spid="7"/>
+                                          <p:spTgt spid="6"/>
                                         </p:tgtEl>
                                         <p:attrNameLst>
                                           <p:attrName>style.visibility</p:attrName>
@@ -11325,10 +11722,6 @@
         </p:cTn>
       </p:par>
     </p:tnLst>
-    <p:bldLst>
-      <p:bldP spid="2" grpId="0"/>
-      <p:bldP spid="7" grpId="0"/>
-    </p:bldLst>
   </p:timing>
 </p:sld>
 </file>
@@ -11368,11 +11761,16 @@
         </p:nvSpPr>
         <p:spPr/>
         <p:txBody>
-          <a:bodyPr/>
+          <a:bodyPr>
+            <a:normAutofit/>
+          </a:bodyPr>
           <a:lstStyle/>
           <a:p>
             <a:r>
-              <a:rPr lang="en-US" dirty="0"/>
+              <a:rPr lang="en-US" sz="4000" dirty="0">
+                <a:latin typeface="Times New Roman" panose="02020603050405020304" pitchFamily="18" charset="0"/>
+                <a:cs typeface="Times New Roman" panose="02020603050405020304" pitchFamily="18" charset="0"/>
+              </a:rPr>
               <a:t>Feature Exploration</a:t>
             </a:r>
           </a:p>
@@ -11392,7 +11790,7 @@
           </p:cNvPicPr>
           <p:nvPr/>
         </p:nvPicPr>
-        <p:blipFill>
+        <p:blipFill rotWithShape="1">
           <a:blip r:embed="rId2">
             <a:extLst>
               <a:ext uri="{28A0092B-C50C-407E-A947-70E740481C1C}">
@@ -11400,14 +11798,13 @@
               </a:ext>
             </a:extLst>
           </a:blip>
-          <a:stretch>
-            <a:fillRect/>
-          </a:stretch>
+          <a:srcRect t="15512" r="14060" b="7420"/>
+          <a:stretch/>
         </p:blipFill>
         <p:spPr>
           <a:xfrm>
-            <a:off x="390029" y="1650034"/>
-            <a:ext cx="5919029" cy="4842841"/>
+            <a:off x="838200" y="2873504"/>
+            <a:ext cx="5047945" cy="3703682"/>
           </a:xfrm>
           <a:prstGeom prst="rect">
             <a:avLst/>
@@ -11444,8 +11841,8 @@
         </p:blipFill>
         <p:spPr>
           <a:xfrm>
-            <a:off x="5865227" y="365125"/>
-            <a:ext cx="5488573" cy="3659048"/>
+            <a:off x="6052768" y="2873504"/>
+            <a:ext cx="5555524" cy="3703682"/>
           </a:xfrm>
         </p:spPr>
       </p:pic>
@@ -11463,8 +11860,8 @@
         </p:nvSpPr>
         <p:spPr>
           <a:xfrm>
-            <a:off x="6769914" y="4246106"/>
-            <a:ext cx="4864277" cy="2246769"/>
+            <a:off x="838201" y="1488509"/>
+            <a:ext cx="10429134" cy="1384995"/>
           </a:xfrm>
           <a:prstGeom prst="rect">
             <a:avLst/>
@@ -11482,7 +11879,7 @@
                 <a:latin typeface="Times New Roman" panose="02020603050405020304" pitchFamily="18" charset="0"/>
                 <a:cs typeface="Times New Roman" panose="02020603050405020304" pitchFamily="18" charset="0"/>
               </a:rPr>
-              <a:t>0 – Exhauster Score</a:t>
+              <a:t>0 – Exhauster Score    (3-7) – Glucose Measurements </a:t>
             </a:r>
           </a:p>
           <a:p>
@@ -11491,7 +11888,7 @@
                 <a:latin typeface="Times New Roman" panose="02020603050405020304" pitchFamily="18" charset="0"/>
                 <a:cs typeface="Times New Roman" panose="02020603050405020304" pitchFamily="18" charset="0"/>
               </a:rPr>
-              <a:t>1 – Age</a:t>
+              <a:t>1 – Age						 8 – Glucose Range </a:t>
             </a:r>
           </a:p>
           <a:p>
@@ -11501,24 +11898,6 @@
                 <a:cs typeface="Times New Roman" panose="02020603050405020304" pitchFamily="18" charset="0"/>
               </a:rPr>
               <a:t>2 – Admission Type</a:t>
-            </a:r>
-          </a:p>
-          <a:p>
-            <a:r>
-              <a:rPr lang="en-US" sz="2800" dirty="0">
-                <a:latin typeface="Times New Roman" panose="02020603050405020304" pitchFamily="18" charset="0"/>
-                <a:cs typeface="Times New Roman" panose="02020603050405020304" pitchFamily="18" charset="0"/>
-              </a:rPr>
-              <a:t>(3-7) – Glucose Measurements </a:t>
-            </a:r>
-          </a:p>
-          <a:p>
-            <a:r>
-              <a:rPr lang="en-US" sz="2800" dirty="0">
-                <a:latin typeface="Times New Roman" panose="02020603050405020304" pitchFamily="18" charset="0"/>
-                <a:cs typeface="Times New Roman" panose="02020603050405020304" pitchFamily="18" charset="0"/>
-              </a:rPr>
-              <a:t>8 – Glucose Range </a:t>
             </a:r>
           </a:p>
         </p:txBody>
@@ -11676,11 +12055,16 @@
         </p:nvSpPr>
         <p:spPr/>
         <p:txBody>
-          <a:bodyPr/>
+          <a:bodyPr>
+            <a:normAutofit/>
+          </a:bodyPr>
           <a:lstStyle/>
           <a:p>
             <a:r>
-              <a:rPr lang="en-US" dirty="0"/>
+              <a:rPr lang="en-US" sz="4000" dirty="0">
+                <a:latin typeface="Times New Roman" panose="02020603050405020304" pitchFamily="18" charset="0"/>
+                <a:cs typeface="Times New Roman" panose="02020603050405020304" pitchFamily="18" charset="0"/>
+              </a:rPr>
               <a:t>Baseline Methods</a:t>
             </a:r>
           </a:p>
@@ -11704,33 +12088,75 @@
         </p:nvSpPr>
         <p:spPr/>
         <p:txBody>
-          <a:bodyPr/>
+          <a:bodyPr>
+            <a:normAutofit/>
+          </a:bodyPr>
           <a:lstStyle/>
           <a:p>
             <a:r>
-              <a:rPr lang="en-US" sz="3200" dirty="0"/>
+              <a:rPr lang="en-US" sz="3200" dirty="0">
+                <a:latin typeface="Times New Roman" panose="02020603050405020304" pitchFamily="18" charset="0"/>
+                <a:cs typeface="Times New Roman" panose="02020603050405020304" pitchFamily="18" charset="0"/>
+              </a:rPr>
               <a:t>Baseline Models</a:t>
             </a:r>
           </a:p>
           <a:p>
             <a:pPr lvl="1"/>
             <a:r>
-              <a:rPr lang="en-US" sz="2800" dirty="0"/>
+              <a:rPr lang="en-US" sz="2800" dirty="0">
+                <a:latin typeface="Times New Roman" panose="02020603050405020304" pitchFamily="18" charset="0"/>
+                <a:cs typeface="Times New Roman" panose="02020603050405020304" pitchFamily="18" charset="0"/>
+              </a:rPr>
               <a:t>Decision Tree</a:t>
             </a:r>
           </a:p>
           <a:p>
             <a:pPr lvl="1"/>
             <a:r>
-              <a:rPr lang="en-US" sz="2800" dirty="0"/>
+              <a:rPr lang="en-US" sz="2800" dirty="0">
+                <a:latin typeface="Times New Roman" panose="02020603050405020304" pitchFamily="18" charset="0"/>
+                <a:cs typeface="Times New Roman" panose="02020603050405020304" pitchFamily="18" charset="0"/>
+              </a:rPr>
               <a:t>Random Forest</a:t>
             </a:r>
           </a:p>
           <a:p>
+            <a:pPr lvl="1"/>
+            <a:endParaRPr lang="en-US" sz="3200" dirty="0">
+              <a:latin typeface="Times New Roman" panose="02020603050405020304" pitchFamily="18" charset="0"/>
+              <a:cs typeface="Times New Roman" panose="02020603050405020304" pitchFamily="18" charset="0"/>
+            </a:endParaRPr>
+          </a:p>
+          <a:p>
             <a:r>
-              <a:rPr lang="en-US" sz="3200" dirty="0"/>
+              <a:rPr lang="en-US" sz="3200" dirty="0">
+                <a:latin typeface="Times New Roman" panose="02020603050405020304" pitchFamily="18" charset="0"/>
+                <a:cs typeface="Times New Roman" panose="02020603050405020304" pitchFamily="18" charset="0"/>
+              </a:rPr>
               <a:t>AUC and Accuracy</a:t>
             </a:r>
+          </a:p>
+          <a:p>
+            <a:pPr lvl="1"/>
+            <a:r>
+              <a:rPr lang="en-US" sz="2800" dirty="0">
+                <a:latin typeface="Times New Roman" panose="02020603050405020304" pitchFamily="18" charset="0"/>
+                <a:cs typeface="Times New Roman" panose="02020603050405020304" pitchFamily="18" charset="0"/>
+              </a:rPr>
+              <a:t>Decision Tree Acc: 71.5%</a:t>
+            </a:r>
+          </a:p>
+          <a:p>
+            <a:pPr lvl="1"/>
+            <a:r>
+              <a:rPr lang="en-US" sz="2800" dirty="0">
+                <a:latin typeface="Times New Roman" panose="02020603050405020304" pitchFamily="18" charset="0"/>
+                <a:cs typeface="Times New Roman" panose="02020603050405020304" pitchFamily="18" charset="0"/>
+              </a:rPr>
+              <a:t>Random Forest Acc: 74.2%</a:t>
+            </a:r>
+            <a:endParaRPr lang="en-US" sz="2800" dirty="0"/>
           </a:p>
           <a:p>
             <a:endParaRPr lang="en-US" dirty="0"/>
@@ -11739,28 +12165,7 @@
             <a:pPr marL="3657600" lvl="8" indent="0">
               <a:buNone/>
             </a:pPr>
-            <a:r>
-              <a:rPr lang="en-US" dirty="0"/>
-              <a:t>                      </a:t>
-            </a:r>
-          </a:p>
-          <a:p>
-            <a:pPr marL="3657600" lvl="8" indent="0">
-              <a:buNone/>
-            </a:pPr>
-            <a:r>
-              <a:rPr lang="en-US" sz="2800" dirty="0"/>
-              <a:t>                Decision Tree Accuracy: 70.5%</a:t>
-            </a:r>
-          </a:p>
-          <a:p>
-            <a:pPr marL="3657600" lvl="8" indent="0">
-              <a:buNone/>
-            </a:pPr>
-            <a:r>
-              <a:rPr lang="en-US" sz="2800" dirty="0"/>
-              <a:t>                Random Forest Accuracy: 73.2%</a:t>
-            </a:r>
+            <a:endParaRPr lang="en-US" sz="2800" dirty="0"/>
           </a:p>
           <a:p>
             <a:endParaRPr lang="en-US" dirty="0"/>
@@ -11806,10 +12211,10 @@
       </p:sp>
       <p:pic>
         <p:nvPicPr>
-          <p:cNvPr id="4" name="Picture 3">
+          <p:cNvPr id="6" name="Picture 5">
             <a:extLst>
               <a:ext uri="{FF2B5EF4-FFF2-40B4-BE49-F238E27FC236}">
-                <a16:creationId xmlns:a16="http://schemas.microsoft.com/office/drawing/2014/main" id="{339AB291-D7E8-4C72-822F-DB79653F766F}"/>
+                <a16:creationId xmlns:a16="http://schemas.microsoft.com/office/drawing/2014/main" id="{0AE048D4-C475-4227-A7D8-3532EA0798C8}"/>
               </a:ext>
             </a:extLst>
           </p:cNvPr>
@@ -11819,15 +12224,21 @@
           <p:nvPr/>
         </p:nvPicPr>
         <p:blipFill>
-          <a:blip r:embed="rId2"/>
+          <a:blip r:embed="rId2">
+            <a:extLst>
+              <a:ext uri="{28A0092B-C50C-407E-A947-70E740481C1C}">
+                <a14:useLocalDpi xmlns:a14="http://schemas.microsoft.com/office/drawing/2010/main" val="0"/>
+              </a:ext>
+            </a:extLst>
+          </a:blip>
           <a:stretch>
             <a:fillRect/>
           </a:stretch>
         </p:blipFill>
         <p:spPr>
           <a:xfrm>
-            <a:off x="1399371" y="4093113"/>
-            <a:ext cx="3560088" cy="2218787"/>
+            <a:off x="5866151" y="4001294"/>
+            <a:ext cx="5487650" cy="2636415"/>
           </a:xfrm>
           <a:prstGeom prst="rect">
             <a:avLst/>
@@ -11836,10 +12247,10 @@
       </p:pic>
       <p:pic>
         <p:nvPicPr>
-          <p:cNvPr id="10" name="Picture 9">
+          <p:cNvPr id="8" name="Picture 7">
             <a:extLst>
               <a:ext uri="{FF2B5EF4-FFF2-40B4-BE49-F238E27FC236}">
-                <a16:creationId xmlns:a16="http://schemas.microsoft.com/office/drawing/2014/main" id="{C2FA33BC-CE47-4E31-B66C-8F874CECCA04}"/>
+                <a16:creationId xmlns:a16="http://schemas.microsoft.com/office/drawing/2014/main" id="{D4E290EF-9791-4D95-9FCB-6700FA9ACFAD}"/>
               </a:ext>
             </a:extLst>
           </p:cNvPr>
@@ -11862,7 +12273,7 @@
         </p:blipFill>
         <p:spPr>
           <a:xfrm>
-            <a:off x="5866150" y="681037"/>
+            <a:off x="5866150" y="220291"/>
             <a:ext cx="5487650" cy="3658433"/>
           </a:xfrm>
           <a:prstGeom prst="rect">
@@ -11880,81 +12291,6 @@
   <p:clrMapOvr>
     <a:masterClrMapping/>
   </p:clrMapOvr>
-  <p:timing>
-    <p:tnLst>
-      <p:par>
-        <p:cTn id="1" dur="indefinite" restart="never" nodeType="tmRoot">
-          <p:childTnLst>
-            <p:seq concurrent="1" nextAc="seek">
-              <p:cTn id="2" dur="indefinite" nodeType="mainSeq">
-                <p:childTnLst>
-                  <p:par>
-                    <p:cTn id="3" fill="hold">
-                      <p:stCondLst>
-                        <p:cond delay="indefinite"/>
-                      </p:stCondLst>
-                      <p:childTnLst>
-                        <p:par>
-                          <p:cTn id="4" fill="hold">
-                            <p:stCondLst>
-                              <p:cond delay="0"/>
-                            </p:stCondLst>
-                            <p:childTnLst>
-                              <p:par>
-                                <p:cTn id="5" presetID="1" presetClass="entr" presetSubtype="0" fill="hold" nodeType="clickEffect">
-                                  <p:stCondLst>
-                                    <p:cond delay="0"/>
-                                  </p:stCondLst>
-                                  <p:childTnLst>
-                                    <p:set>
-                                      <p:cBhvr>
-                                        <p:cTn id="6" dur="1" fill="hold">
-                                          <p:stCondLst>
-                                            <p:cond delay="0"/>
-                                          </p:stCondLst>
-                                        </p:cTn>
-                                        <p:tgtEl>
-                                          <p:spTgt spid="4"/>
-                                        </p:tgtEl>
-                                        <p:attrNameLst>
-                                          <p:attrName>style.visibility</p:attrName>
-                                        </p:attrNameLst>
-                                      </p:cBhvr>
-                                      <p:to>
-                                        <p:strVal val="visible"/>
-                                      </p:to>
-                                    </p:set>
-                                  </p:childTnLst>
-                                </p:cTn>
-                              </p:par>
-                            </p:childTnLst>
-                          </p:cTn>
-                        </p:par>
-                      </p:childTnLst>
-                    </p:cTn>
-                  </p:par>
-                </p:childTnLst>
-              </p:cTn>
-              <p:prevCondLst>
-                <p:cond evt="onPrev" delay="0">
-                  <p:tgtEl>
-                    <p:sldTgt/>
-                  </p:tgtEl>
-                </p:cond>
-              </p:prevCondLst>
-              <p:nextCondLst>
-                <p:cond evt="onNext" delay="0">
-                  <p:tgtEl>
-                    <p:sldTgt/>
-                  </p:tgtEl>
-                </p:cond>
-              </p:nextCondLst>
-            </p:seq>
-          </p:childTnLst>
-        </p:cTn>
-      </p:par>
-    </p:tnLst>
-  </p:timing>
 </p:sld>
 </file>
 

--- a/Presentation/FinalPresentationWittler.pptx
+++ b/Presentation/FinalPresentationWittler.pptx
@@ -14,9 +14,9 @@
     <p:sldId id="269" r:id="rId8"/>
     <p:sldId id="265" r:id="rId9"/>
     <p:sldId id="262" r:id="rId10"/>
-    <p:sldId id="270" r:id="rId11"/>
-    <p:sldId id="271" r:id="rId12"/>
-    <p:sldId id="268" r:id="rId13"/>
+    <p:sldId id="271" r:id="rId11"/>
+    <p:sldId id="268" r:id="rId12"/>
+    <p:sldId id="272" r:id="rId13"/>
     <p:sldId id="266" r:id="rId14"/>
   </p:sldIdLst>
   <p:sldSz cx="12192000" cy="6858000"/>
@@ -1684,7 +1684,7 @@
               <a:latin typeface="Times New Roman" panose="02020603050405020304" pitchFamily="18" charset="0"/>
               <a:cs typeface="Times New Roman" panose="02020603050405020304" pitchFamily="18" charset="0"/>
             </a:rPr>
-            <a:t>2. Determine how care management of diabetic patients effects patient outcome. </a:t>
+            <a:t>2. Explore other features that can be used for diabetes prediction algorithms. </a:t>
           </a:r>
         </a:p>
       </dgm:t>
@@ -1821,11 +1821,11 @@
         <a:lstStyle/>
         <a:p>
           <a:r>
-            <a:rPr lang="en-US" sz="4000" dirty="0">
+            <a:rPr lang="en-US" sz="3200" dirty="0">
               <a:latin typeface="Times New Roman" panose="02020603050405020304" pitchFamily="18" charset="0"/>
               <a:cs typeface="Times New Roman" panose="02020603050405020304" pitchFamily="18" charset="0"/>
             </a:rPr>
-            <a:t>Source</a:t>
+            <a:t>Source (MIMIC III)</a:t>
           </a:r>
         </a:p>
       </dgm:t>
@@ -1860,7 +1860,7 @@
         <a:lstStyle/>
         <a:p>
           <a:r>
-            <a:rPr lang="en-US" sz="4000" dirty="0">
+            <a:rPr lang="en-US" sz="3200" dirty="0">
               <a:latin typeface="Times New Roman" panose="02020603050405020304" pitchFamily="18" charset="0"/>
               <a:cs typeface="Times New Roman" panose="02020603050405020304" pitchFamily="18" charset="0"/>
             </a:rPr>
@@ -1899,7 +1899,7 @@
         <a:lstStyle/>
         <a:p>
           <a:r>
-            <a:rPr lang="en-US" sz="4000" dirty="0">
+            <a:rPr lang="en-US" sz="3200" dirty="0">
               <a:latin typeface="Times New Roman" panose="02020603050405020304" pitchFamily="18" charset="0"/>
               <a:cs typeface="Times New Roman" panose="02020603050405020304" pitchFamily="18" charset="0"/>
             </a:rPr>
@@ -1931,13 +1931,16 @@
       </dgm:t>
     </dgm:pt>
     <dgm:pt modelId="{3106441C-1C06-4F2A-84E8-9249C7EB3E04}">
-      <dgm:prSet phldrT="[Text]" phldr="1"/>
+      <dgm:prSet phldrT="[Text]"/>
       <dgm:spPr/>
       <dgm:t>
         <a:bodyPr/>
         <a:lstStyle/>
         <a:p>
-          <a:endParaRPr lang="en-US" dirty="0"/>
+          <a:r>
+            <a:rPr lang="en-US" dirty="0"/>
+            <a:t> </a:t>
+          </a:r>
         </a:p>
       </dgm:t>
     </dgm:pt>
@@ -1977,7 +1980,7 @@
       <dgm:spPr/>
     </dgm:pt>
     <dgm:pt modelId="{64C8D78A-1C30-42B4-B3E6-564F18A0AA61}" type="pres">
-      <dgm:prSet presAssocID="{17DA680A-CE57-4CCB-9C78-0ADC14C67C28}" presName="txNode1" presStyleLbl="revTx" presStyleIdx="0" presStyleCnt="4">
+      <dgm:prSet presAssocID="{17DA680A-CE57-4CCB-9C78-0ADC14C67C28}" presName="txNode1" presStyleLbl="revTx" presStyleIdx="0" presStyleCnt="4" custScaleX="227828">
         <dgm:presLayoutVars>
           <dgm:bulletEnabled val="1"/>
         </dgm:presLayoutVars>
@@ -2324,7 +2327,7 @@
               <a:latin typeface="Times New Roman" panose="02020603050405020304" pitchFamily="18" charset="0"/>
               <a:cs typeface="Times New Roman" panose="02020603050405020304" pitchFamily="18" charset="0"/>
             </a:rPr>
-            <a:t>2. Determine how care management of diabetic patients effects patient outcome. </a:t>
+            <a:t>2. Explore other features that can be used for diabetes prediction algorithms. </a:t>
           </a:r>
         </a:p>
       </dsp:txBody>
@@ -2352,7 +2355,7 @@
       </dsp:nvSpPr>
       <dsp:spPr>
         <a:xfrm rot="4396374">
-          <a:off x="1151240" y="981979"/>
+          <a:off x="1793080" y="981979"/>
           <a:ext cx="4259979" cy="2970804"/>
         </a:xfrm>
         <a:prstGeom prst="swooshArrow">
@@ -2405,7 +2408,7 @@
       </dsp:nvSpPr>
       <dsp:spPr>
         <a:xfrm>
-          <a:off x="2928888" y="1502141"/>
+          <a:off x="3570728" y="1502141"/>
           <a:ext cx="107577" cy="107577"/>
         </a:xfrm>
         <a:prstGeom prst="ellipse">
@@ -2454,7 +2457,7 @@
       </dsp:nvSpPr>
       <dsp:spPr>
         <a:xfrm>
-          <a:off x="3865802" y="2415566"/>
+          <a:off x="4507642" y="2415566"/>
           <a:ext cx="107577" cy="107577"/>
         </a:xfrm>
         <a:prstGeom prst="ellipse">
@@ -2503,8 +2506,8 @@
       </dsp:nvSpPr>
       <dsp:spPr>
         <a:xfrm>
-          <a:off x="865663" y="0"/>
-          <a:ext cx="2008448" cy="789562"/>
+          <a:off x="223823" y="0"/>
+          <a:ext cx="4575808" cy="789562"/>
         </a:xfrm>
         <a:prstGeom prst="rect">
           <a:avLst/>
@@ -2528,12 +2531,12 @@
         <a:fontRef idx="minor"/>
       </dsp:style>
       <dsp:txBody>
-        <a:bodyPr spcFirstLastPara="0" vert="horz" wrap="square" lIns="50800" tIns="50800" rIns="50800" bIns="50800" numCol="1" spcCol="1270" anchor="b" anchorCtr="0">
+        <a:bodyPr spcFirstLastPara="0" vert="horz" wrap="square" lIns="40640" tIns="40640" rIns="40640" bIns="40640" numCol="1" spcCol="1270" anchor="b" anchorCtr="0">
           <a:noAutofit/>
         </a:bodyPr>
         <a:lstStyle/>
         <a:p>
-          <a:pPr marL="0" lvl="0" indent="0" algn="ctr" defTabSz="1778000">
+          <a:pPr marL="0" lvl="0" indent="0" algn="ctr" defTabSz="1422400">
             <a:lnSpc>
               <a:spcPct val="90000"/>
             </a:lnSpc>
@@ -2546,17 +2549,17 @@
             <a:buNone/>
           </a:pPr>
           <a:r>
-            <a:rPr lang="en-US" sz="4000" kern="1200" dirty="0">
+            <a:rPr lang="en-US" sz="3200" kern="1200" dirty="0">
               <a:latin typeface="Times New Roman" panose="02020603050405020304" pitchFamily="18" charset="0"/>
               <a:cs typeface="Times New Roman" panose="02020603050405020304" pitchFamily="18" charset="0"/>
             </a:rPr>
-            <a:t>Source</a:t>
+            <a:t>Source (MIMIC III)</a:t>
           </a:r>
         </a:p>
       </dsp:txBody>
       <dsp:txXfrm>
-        <a:off x="865663" y="0"/>
-        <a:ext cx="2008448" cy="789562"/>
+        <a:off x="223823" y="0"/>
+        <a:ext cx="4575808" cy="789562"/>
       </dsp:txXfrm>
     </dsp:sp>
     <dsp:sp modelId="{04D2DE34-E264-433F-B038-C51CD94624F6}">
@@ -2566,7 +2569,7 @@
       </dsp:nvSpPr>
       <dsp:spPr>
         <a:xfrm>
-          <a:off x="3525501" y="1161149"/>
+          <a:off x="4167341" y="1161149"/>
           <a:ext cx="2768402" cy="789562"/>
         </a:xfrm>
         <a:prstGeom prst="rect">
@@ -2591,12 +2594,12 @@
         <a:fontRef idx="minor"/>
       </dsp:style>
       <dsp:txBody>
-        <a:bodyPr spcFirstLastPara="0" vert="horz" wrap="square" lIns="50800" tIns="50800" rIns="50800" bIns="50800" numCol="1" spcCol="1270" anchor="ctr" anchorCtr="0">
+        <a:bodyPr spcFirstLastPara="0" vert="horz" wrap="square" lIns="40640" tIns="40640" rIns="40640" bIns="40640" numCol="1" spcCol="1270" anchor="ctr" anchorCtr="0">
           <a:noAutofit/>
         </a:bodyPr>
         <a:lstStyle/>
         <a:p>
-          <a:pPr marL="0" lvl="0" indent="0" algn="l" defTabSz="1778000">
+          <a:pPr marL="0" lvl="0" indent="0" algn="l" defTabSz="1422400">
             <a:lnSpc>
               <a:spcPct val="90000"/>
             </a:lnSpc>
@@ -2609,7 +2612,7 @@
             <a:buNone/>
           </a:pPr>
           <a:r>
-            <a:rPr lang="en-US" sz="4000" kern="1200" dirty="0">
+            <a:rPr lang="en-US" sz="3200" kern="1200" dirty="0">
               <a:latin typeface="Times New Roman" panose="02020603050405020304" pitchFamily="18" charset="0"/>
               <a:cs typeface="Times New Roman" panose="02020603050405020304" pitchFamily="18" charset="0"/>
             </a:rPr>
@@ -2618,7 +2621,7 @@
         </a:p>
       </dsp:txBody>
       <dsp:txXfrm>
-        <a:off x="3525501" y="1161149"/>
+        <a:off x="4167341" y="1161149"/>
         <a:ext cx="2768402" cy="789562"/>
       </dsp:txXfrm>
     </dsp:sp>
@@ -2629,7 +2632,7 @@
       </dsp:nvSpPr>
       <dsp:spPr>
         <a:xfrm>
-          <a:off x="865663" y="2074574"/>
+          <a:off x="1507503" y="2074574"/>
           <a:ext cx="2714119" cy="789562"/>
         </a:xfrm>
         <a:prstGeom prst="rect">
@@ -2654,12 +2657,12 @@
         <a:fontRef idx="minor"/>
       </dsp:style>
       <dsp:txBody>
-        <a:bodyPr spcFirstLastPara="0" vert="horz" wrap="square" lIns="50800" tIns="50800" rIns="50800" bIns="50800" numCol="1" spcCol="1270" anchor="ctr" anchorCtr="0">
+        <a:bodyPr spcFirstLastPara="0" vert="horz" wrap="square" lIns="40640" tIns="40640" rIns="40640" bIns="40640" numCol="1" spcCol="1270" anchor="ctr" anchorCtr="0">
           <a:noAutofit/>
         </a:bodyPr>
         <a:lstStyle/>
         <a:p>
-          <a:pPr marL="0" lvl="0" indent="0" algn="r" defTabSz="1778000">
+          <a:pPr marL="0" lvl="0" indent="0" algn="r" defTabSz="1422400">
             <a:lnSpc>
               <a:spcPct val="90000"/>
             </a:lnSpc>
@@ -2672,7 +2675,7 @@
             <a:buNone/>
           </a:pPr>
           <a:r>
-            <a:rPr lang="en-US" sz="4000" kern="1200" dirty="0">
+            <a:rPr lang="en-US" sz="3200" kern="1200" dirty="0">
               <a:latin typeface="Times New Roman" panose="02020603050405020304" pitchFamily="18" charset="0"/>
               <a:cs typeface="Times New Roman" panose="02020603050405020304" pitchFamily="18" charset="0"/>
             </a:rPr>
@@ -2681,7 +2684,7 @@
         </a:p>
       </dsp:txBody>
       <dsp:txXfrm>
-        <a:off x="865663" y="2074574"/>
+        <a:off x="1507503" y="2074574"/>
         <a:ext cx="2714119" cy="789562"/>
       </dsp:txXfrm>
     </dsp:sp>
@@ -2692,7 +2695,7 @@
       </dsp:nvSpPr>
       <dsp:spPr>
         <a:xfrm>
-          <a:off x="3579783" y="4145200"/>
+          <a:off x="4221623" y="4145200"/>
           <a:ext cx="2714119" cy="789562"/>
         </a:xfrm>
         <a:prstGeom prst="rect">
@@ -2734,11 +2737,14 @@
             </a:spcAft>
             <a:buNone/>
           </a:pPr>
-          <a:endParaRPr lang="en-US" sz="4700" kern="1200" dirty="0"/>
+          <a:r>
+            <a:rPr lang="en-US" sz="4700" kern="1200" dirty="0"/>
+            <a:t> </a:t>
+          </a:r>
         </a:p>
       </dsp:txBody>
       <dsp:txXfrm>
-        <a:off x="3579783" y="4145200"/>
+        <a:off x="4221623" y="4145200"/>
         <a:ext cx="2714119" cy="789562"/>
       </dsp:txXfrm>
     </dsp:sp>
@@ -6188,7 +6194,7 @@
           <a:p>
             <a:fld id="{EF8F55E9-2656-4CA6-B4B8-690A48373171}" type="datetimeFigureOut">
               <a:rPr lang="en-US" smtClean="0"/>
-              <a:t>3/25/2019</a:t>
+              <a:t>4/9/2019</a:t>
             </a:fld>
             <a:endParaRPr lang="en-US"/>
           </a:p>
@@ -6358,7 +6364,7 @@
           <a:p>
             <a:fld id="{EF8F55E9-2656-4CA6-B4B8-690A48373171}" type="datetimeFigureOut">
               <a:rPr lang="en-US" smtClean="0"/>
-              <a:t>3/25/2019</a:t>
+              <a:t>4/9/2019</a:t>
             </a:fld>
             <a:endParaRPr lang="en-US"/>
           </a:p>
@@ -6538,7 +6544,7 @@
           <a:p>
             <a:fld id="{EF8F55E9-2656-4CA6-B4B8-690A48373171}" type="datetimeFigureOut">
               <a:rPr lang="en-US" smtClean="0"/>
-              <a:t>3/25/2019</a:t>
+              <a:t>4/9/2019</a:t>
             </a:fld>
             <a:endParaRPr lang="en-US"/>
           </a:p>
@@ -6708,7 +6714,7 @@
           <a:p>
             <a:fld id="{EF8F55E9-2656-4CA6-B4B8-690A48373171}" type="datetimeFigureOut">
               <a:rPr lang="en-US" smtClean="0"/>
-              <a:t>3/25/2019</a:t>
+              <a:t>4/9/2019</a:t>
             </a:fld>
             <a:endParaRPr lang="en-US"/>
           </a:p>
@@ -6954,7 +6960,7 @@
           <a:p>
             <a:fld id="{EF8F55E9-2656-4CA6-B4B8-690A48373171}" type="datetimeFigureOut">
               <a:rPr lang="en-US" smtClean="0"/>
-              <a:t>3/25/2019</a:t>
+              <a:t>4/9/2019</a:t>
             </a:fld>
             <a:endParaRPr lang="en-US"/>
           </a:p>
@@ -7186,7 +7192,7 @@
           <a:p>
             <a:fld id="{EF8F55E9-2656-4CA6-B4B8-690A48373171}" type="datetimeFigureOut">
               <a:rPr lang="en-US" smtClean="0"/>
-              <a:t>3/25/2019</a:t>
+              <a:t>4/9/2019</a:t>
             </a:fld>
             <a:endParaRPr lang="en-US"/>
           </a:p>
@@ -7553,7 +7559,7 @@
           <a:p>
             <a:fld id="{EF8F55E9-2656-4CA6-B4B8-690A48373171}" type="datetimeFigureOut">
               <a:rPr lang="en-US" smtClean="0"/>
-              <a:t>3/25/2019</a:t>
+              <a:t>4/9/2019</a:t>
             </a:fld>
             <a:endParaRPr lang="en-US"/>
           </a:p>
@@ -7671,7 +7677,7 @@
           <a:p>
             <a:fld id="{EF8F55E9-2656-4CA6-B4B8-690A48373171}" type="datetimeFigureOut">
               <a:rPr lang="en-US" smtClean="0"/>
-              <a:t>3/25/2019</a:t>
+              <a:t>4/9/2019</a:t>
             </a:fld>
             <a:endParaRPr lang="en-US"/>
           </a:p>
@@ -7766,7 +7772,7 @@
           <a:p>
             <a:fld id="{EF8F55E9-2656-4CA6-B4B8-690A48373171}" type="datetimeFigureOut">
               <a:rPr lang="en-US" smtClean="0"/>
-              <a:t>3/25/2019</a:t>
+              <a:t>4/9/2019</a:t>
             </a:fld>
             <a:endParaRPr lang="en-US"/>
           </a:p>
@@ -8043,7 +8049,7 @@
           <a:p>
             <a:fld id="{EF8F55E9-2656-4CA6-B4B8-690A48373171}" type="datetimeFigureOut">
               <a:rPr lang="en-US" smtClean="0"/>
-              <a:t>3/25/2019</a:t>
+              <a:t>4/9/2019</a:t>
             </a:fld>
             <a:endParaRPr lang="en-US"/>
           </a:p>
@@ -8300,7 +8306,7 @@
           <a:p>
             <a:fld id="{EF8F55E9-2656-4CA6-B4B8-690A48373171}" type="datetimeFigureOut">
               <a:rPr lang="en-US" smtClean="0"/>
-              <a:t>3/25/2019</a:t>
+              <a:t>4/9/2019</a:t>
             </a:fld>
             <a:endParaRPr lang="en-US"/>
           </a:p>
@@ -8365,7 +8371,7 @@
 <p:sldMaster xmlns:a="http://schemas.openxmlformats.org/drawingml/2006/main" xmlns:r="http://schemas.openxmlformats.org/officeDocument/2006/relationships" xmlns:p="http://schemas.openxmlformats.org/presentationml/2006/main">
   <p:cSld>
     <p:bg>
-      <p:bgRef idx="1001">
+      <p:bgRef idx="1003">
         <a:schemeClr val="bg1"/>
       </p:bgRef>
     </p:bg>
@@ -8513,7 +8519,7 @@
           <a:p>
             <a:fld id="{EF8F55E9-2656-4CA6-B4B8-690A48373171}" type="datetimeFigureOut">
               <a:rPr lang="en-US" smtClean="0"/>
-              <a:t>3/25/2019</a:t>
+              <a:t>4/9/2019</a:t>
             </a:fld>
             <a:endParaRPr lang="en-US"/>
           </a:p>
@@ -8904,14 +8910,6 @@
 <file path=ppt/slides/slide1.xml><?xml version="1.0" encoding="utf-8"?>
 <p:sld xmlns:a="http://schemas.openxmlformats.org/drawingml/2006/main" xmlns:r="http://schemas.openxmlformats.org/officeDocument/2006/relationships" xmlns:p="http://schemas.openxmlformats.org/presentationml/2006/main">
   <p:cSld>
-    <p:bg>
-      <p:bgPr>
-        <a:solidFill>
-          <a:schemeClr val="bg1"/>
-        </a:solidFill>
-        <a:effectLst/>
-      </p:bgPr>
-    </p:bg>
     <p:spTree>
       <p:nvGrpSpPr>
         <p:cNvPr id="1" name=""/>
@@ -9065,227 +9063,6 @@
       </p:grpSpPr>
       <p:sp>
         <p:nvSpPr>
-          <p:cNvPr id="5" name="TextBox 4">
-            <a:extLst>
-              <a:ext uri="{FF2B5EF4-FFF2-40B4-BE49-F238E27FC236}">
-                <a16:creationId xmlns:a16="http://schemas.microsoft.com/office/drawing/2014/main" id="{C044F7E2-38BB-4CC8-892F-155491BD148B}"/>
-              </a:ext>
-            </a:extLst>
-          </p:cNvPr>
-          <p:cNvSpPr txBox="1"/>
-          <p:nvPr/>
-        </p:nvSpPr>
-        <p:spPr>
-          <a:xfrm>
-            <a:off x="838200" y="1461476"/>
-            <a:ext cx="9980246" cy="4770537"/>
-          </a:xfrm>
-          <a:prstGeom prst="rect">
-            <a:avLst/>
-          </a:prstGeom>
-          <a:noFill/>
-        </p:spPr>
-        <p:txBody>
-          <a:bodyPr wrap="square" rtlCol="0">
-            <a:spAutoFit/>
-          </a:bodyPr>
-          <a:lstStyle/>
-          <a:p>
-            <a:r>
-              <a:rPr lang="en-US" sz="3200" dirty="0">
-                <a:latin typeface="Times New Roman" panose="02020603050405020304" pitchFamily="18" charset="0"/>
-                <a:cs typeface="Times New Roman" panose="02020603050405020304" pitchFamily="18" charset="0"/>
-              </a:rPr>
-              <a:t>Model Summary</a:t>
-            </a:r>
-          </a:p>
-          <a:p>
-            <a:endParaRPr lang="en-US" sz="3200" dirty="0">
-              <a:latin typeface="Times New Roman" panose="02020603050405020304" pitchFamily="18" charset="0"/>
-              <a:cs typeface="Times New Roman" panose="02020603050405020304" pitchFamily="18" charset="0"/>
-            </a:endParaRPr>
-          </a:p>
-          <a:p>
-            <a:r>
-              <a:rPr lang="en-US" sz="3200" dirty="0">
-                <a:latin typeface="Times New Roman" panose="02020603050405020304" pitchFamily="18" charset="0"/>
-                <a:cs typeface="Times New Roman" panose="02020603050405020304" pitchFamily="18" charset="0"/>
-              </a:rPr>
-              <a:t>Tuning Model Adjustments:</a:t>
-            </a:r>
-          </a:p>
-          <a:p>
-            <a:pPr marL="457200" indent="-457200">
-              <a:buFont typeface="Arial" panose="020B0604020202020204" pitchFamily="34" charset="0"/>
-              <a:buChar char="•"/>
-            </a:pPr>
-            <a:r>
-              <a:rPr lang="en-US" sz="2800" dirty="0">
-                <a:latin typeface="Times New Roman" panose="02020603050405020304" pitchFamily="18" charset="0"/>
-                <a:cs typeface="Times New Roman" panose="02020603050405020304" pitchFamily="18" charset="0"/>
-              </a:rPr>
-              <a:t>Mean vs Glucose Readings</a:t>
-            </a:r>
-          </a:p>
-          <a:p>
-            <a:pPr marL="457200" indent="-457200">
-              <a:buFont typeface="Arial" panose="020B0604020202020204" pitchFamily="34" charset="0"/>
-              <a:buChar char="•"/>
-            </a:pPr>
-            <a:r>
-              <a:rPr lang="en-US" sz="2800" dirty="0">
-                <a:latin typeface="Times New Roman" panose="02020603050405020304" pitchFamily="18" charset="0"/>
-                <a:cs typeface="Times New Roman" panose="02020603050405020304" pitchFamily="18" charset="0"/>
-              </a:rPr>
-              <a:t>Hidden Layer Kernel Sizes</a:t>
-            </a:r>
-          </a:p>
-          <a:p>
-            <a:pPr marL="457200" indent="-457200">
-              <a:buFont typeface="Arial" panose="020B0604020202020204" pitchFamily="34" charset="0"/>
-              <a:buChar char="•"/>
-            </a:pPr>
-            <a:r>
-              <a:rPr lang="en-US" sz="2800" dirty="0">
-                <a:latin typeface="Times New Roman" panose="02020603050405020304" pitchFamily="18" charset="0"/>
-                <a:cs typeface="Times New Roman" panose="02020603050405020304" pitchFamily="18" charset="0"/>
-              </a:rPr>
-              <a:t>Optimizers</a:t>
-            </a:r>
-          </a:p>
-          <a:p>
-            <a:pPr marL="457200" indent="-457200">
-              <a:buFont typeface="Arial" panose="020B0604020202020204" pitchFamily="34" charset="0"/>
-              <a:buChar char="•"/>
-            </a:pPr>
-            <a:r>
-              <a:rPr lang="en-US" sz="2800" dirty="0">
-                <a:latin typeface="Times New Roman" panose="02020603050405020304" pitchFamily="18" charset="0"/>
-                <a:cs typeface="Times New Roman" panose="02020603050405020304" pitchFamily="18" charset="0"/>
-              </a:rPr>
-              <a:t>Activation Functions</a:t>
-            </a:r>
-            <a:endParaRPr lang="en-US" sz="3200" dirty="0">
-              <a:latin typeface="Times New Roman" panose="02020603050405020304" pitchFamily="18" charset="0"/>
-              <a:cs typeface="Times New Roman" panose="02020603050405020304" pitchFamily="18" charset="0"/>
-            </a:endParaRPr>
-          </a:p>
-          <a:p>
-            <a:endParaRPr lang="en-US" sz="3200" dirty="0">
-              <a:latin typeface="Times New Roman" panose="02020603050405020304" pitchFamily="18" charset="0"/>
-              <a:cs typeface="Times New Roman" panose="02020603050405020304" pitchFamily="18" charset="0"/>
-            </a:endParaRPr>
-          </a:p>
-          <a:p>
-            <a:endParaRPr lang="en-US" sz="3200" dirty="0">
-              <a:latin typeface="Times New Roman" panose="02020603050405020304" pitchFamily="18" charset="0"/>
-              <a:cs typeface="Times New Roman" panose="02020603050405020304" pitchFamily="18" charset="0"/>
-            </a:endParaRPr>
-          </a:p>
-          <a:p>
-            <a:endParaRPr lang="en-US" sz="3200" dirty="0">
-              <a:latin typeface="Times New Roman" panose="02020603050405020304" pitchFamily="18" charset="0"/>
-              <a:cs typeface="Times New Roman" panose="02020603050405020304" pitchFamily="18" charset="0"/>
-            </a:endParaRPr>
-          </a:p>
-        </p:txBody>
-      </p:sp>
-      <p:sp>
-        <p:nvSpPr>
-          <p:cNvPr id="2" name="Title 1">
-            <a:extLst>
-              <a:ext uri="{FF2B5EF4-FFF2-40B4-BE49-F238E27FC236}">
-                <a16:creationId xmlns:a16="http://schemas.microsoft.com/office/drawing/2014/main" id="{75E80E14-9161-4C28-9CFD-34C952725847}"/>
-              </a:ext>
-            </a:extLst>
-          </p:cNvPr>
-          <p:cNvSpPr>
-            <a:spLocks noGrp="1"/>
-          </p:cNvSpPr>
-          <p:nvPr>
-            <p:ph type="title"/>
-          </p:nvPr>
-        </p:nvSpPr>
-        <p:spPr/>
-        <p:txBody>
-          <a:bodyPr>
-            <a:normAutofit/>
-          </a:bodyPr>
-          <a:lstStyle/>
-          <a:p>
-            <a:r>
-              <a:rPr lang="en-US" sz="4000" dirty="0">
-                <a:latin typeface="Times New Roman" panose="02020603050405020304" pitchFamily="18" charset="0"/>
-                <a:cs typeface="Times New Roman" panose="02020603050405020304" pitchFamily="18" charset="0"/>
-              </a:rPr>
-              <a:t>Neural Network</a:t>
-            </a:r>
-          </a:p>
-        </p:txBody>
-      </p:sp>
-      <p:pic>
-        <p:nvPicPr>
-          <p:cNvPr id="9" name="Content Placeholder 8">
-            <a:extLst>
-              <a:ext uri="{FF2B5EF4-FFF2-40B4-BE49-F238E27FC236}">
-                <a16:creationId xmlns:a16="http://schemas.microsoft.com/office/drawing/2014/main" id="{4775907C-7DE4-4E5C-86FD-30EF13155D85}"/>
-              </a:ext>
-            </a:extLst>
-          </p:cNvPr>
-          <p:cNvPicPr>
-            <a:picLocks noGrp="1" noChangeAspect="1"/>
-          </p:cNvPicPr>
-          <p:nvPr>
-            <p:ph idx="1"/>
-          </p:nvPr>
-        </p:nvPicPr>
-        <p:blipFill rotWithShape="1">
-          <a:blip r:embed="rId2"/>
-          <a:srcRect l="26157" t="57755" r="46161" b="15511"/>
-          <a:stretch/>
-        </p:blipFill>
-        <p:spPr>
-          <a:xfrm>
-            <a:off x="6096000" y="1461476"/>
-            <a:ext cx="5136053" cy="2790093"/>
-          </a:xfrm>
-          <a:prstGeom prst="rect">
-            <a:avLst/>
-          </a:prstGeom>
-        </p:spPr>
-      </p:pic>
-    </p:spTree>
-    <p:extLst>
-      <p:ext uri="{BB962C8B-B14F-4D97-AF65-F5344CB8AC3E}">
-        <p14:creationId xmlns:p14="http://schemas.microsoft.com/office/powerpoint/2010/main" val="3726568555"/>
-      </p:ext>
-    </p:extLst>
-  </p:cSld>
-  <p:clrMapOvr>
-    <a:masterClrMapping/>
-  </p:clrMapOvr>
-</p:sld>
-</file>
-
-<file path=ppt/slides/slide11.xml><?xml version="1.0" encoding="utf-8"?>
-<p:sld xmlns:a="http://schemas.openxmlformats.org/drawingml/2006/main" xmlns:r="http://schemas.openxmlformats.org/officeDocument/2006/relationships" xmlns:p="http://schemas.openxmlformats.org/presentationml/2006/main">
-  <p:cSld>
-    <p:spTree>
-      <p:nvGrpSpPr>
-        <p:cNvPr id="1" name=""/>
-        <p:cNvGrpSpPr/>
-        <p:nvPr/>
-      </p:nvGrpSpPr>
-      <p:grpSpPr>
-        <a:xfrm>
-          <a:off x="0" y="0"/>
-          <a:ext cx="0" cy="0"/>
-          <a:chOff x="0" y="0"/>
-          <a:chExt cx="0" cy="0"/>
-        </a:xfrm>
-      </p:grpSpPr>
-      <p:sp>
-        <p:nvSpPr>
           <p:cNvPr id="2" name="Title 1">
             <a:extLst>
               <a:ext uri="{FF2B5EF4-FFF2-40B4-BE49-F238E27FC236}">
@@ -9312,53 +9089,17 @@
                 <a:latin typeface="Times New Roman" panose="02020603050405020304" pitchFamily="18" charset="0"/>
                 <a:cs typeface="Times New Roman" panose="02020603050405020304" pitchFamily="18" charset="0"/>
               </a:rPr>
-              <a:t>Neural Network Results</a:t>
+              <a:t>Convolutional Neural Network Results</a:t>
             </a:r>
           </a:p>
         </p:txBody>
       </p:sp>
       <p:pic>
         <p:nvPicPr>
-          <p:cNvPr id="7" name="Picture 6">
+          <p:cNvPr id="6" name="Content Placeholder 5">
             <a:extLst>
               <a:ext uri="{FF2B5EF4-FFF2-40B4-BE49-F238E27FC236}">
-                <a16:creationId xmlns:a16="http://schemas.microsoft.com/office/drawing/2014/main" id="{93EBC846-CC54-4FA7-BEA6-54AFF0CAB6E7}"/>
-              </a:ext>
-            </a:extLst>
-          </p:cNvPr>
-          <p:cNvPicPr>
-            <a:picLocks noChangeAspect="1"/>
-          </p:cNvPicPr>
-          <p:nvPr/>
-        </p:nvPicPr>
-        <p:blipFill>
-          <a:blip r:embed="rId2">
-            <a:extLst>
-              <a:ext uri="{28A0092B-C50C-407E-A947-70E740481C1C}">
-                <a14:useLocalDpi xmlns:a14="http://schemas.microsoft.com/office/drawing/2010/main" val="0"/>
-              </a:ext>
-            </a:extLst>
-          </a:blip>
-          <a:stretch>
-            <a:fillRect/>
-          </a:stretch>
-        </p:blipFill>
-        <p:spPr>
-          <a:xfrm>
-            <a:off x="608350" y="2182655"/>
-            <a:ext cx="5487650" cy="3658433"/>
-          </a:xfrm>
-          <a:prstGeom prst="rect">
-            <a:avLst/>
-          </a:prstGeom>
-        </p:spPr>
-      </p:pic>
-      <p:pic>
-        <p:nvPicPr>
-          <p:cNvPr id="11" name="Content Placeholder 10">
-            <a:extLst>
-              <a:ext uri="{FF2B5EF4-FFF2-40B4-BE49-F238E27FC236}">
-                <a16:creationId xmlns:a16="http://schemas.microsoft.com/office/drawing/2014/main" id="{D6154BB4-A37A-49DC-9CF6-38B1F0A77E15}"/>
+                <a16:creationId xmlns:a16="http://schemas.microsoft.com/office/drawing/2014/main" id="{84D51EE9-E07E-4421-8B6B-2418B7327DCB}"/>
               </a:ext>
             </a:extLst>
           </p:cNvPr>
@@ -9370,21 +9111,105 @@
           </p:nvPr>
         </p:nvPicPr>
         <p:blipFill rotWithShape="1">
-          <a:blip r:embed="rId3">
-            <a:extLst>
-              <a:ext uri="{28A0092B-C50C-407E-A947-70E740481C1C}">
-                <a14:useLocalDpi xmlns:a14="http://schemas.microsoft.com/office/drawing/2010/main" val="0"/>
-              </a:ext>
-            </a:extLst>
-          </a:blip>
-          <a:srcRect l="13727"/>
+          <a:blip r:embed="rId2"/>
+          <a:srcRect l="26442" t="37740" r="55640" b="36013"/>
           <a:stretch/>
         </p:blipFill>
         <p:spPr>
           <a:xfrm>
-            <a:off x="6504792" y="2182654"/>
-            <a:ext cx="4734356" cy="3658433"/>
+            <a:off x="6801854" y="2200965"/>
+            <a:ext cx="3587015" cy="2955622"/>
           </a:xfrm>
+          <a:prstGeom prst="rect">
+            <a:avLst/>
+          </a:prstGeom>
+        </p:spPr>
+      </p:pic>
+      <p:pic>
+        <p:nvPicPr>
+          <p:cNvPr id="5" name="Picture 4">
+            <a:extLst>
+              <a:ext uri="{FF2B5EF4-FFF2-40B4-BE49-F238E27FC236}">
+                <a16:creationId xmlns:a16="http://schemas.microsoft.com/office/drawing/2014/main" id="{00506F79-D220-42A5-8BAB-D4DA66D1CE24}"/>
+              </a:ext>
+            </a:extLst>
+          </p:cNvPr>
+          <p:cNvPicPr>
+            <a:picLocks noChangeAspect="1"/>
+          </p:cNvPicPr>
+          <p:nvPr/>
+        </p:nvPicPr>
+        <p:blipFill rotWithShape="1">
+          <a:blip r:embed="rId3"/>
+          <a:srcRect l="26216" t="33192" r="46674" b="41407"/>
+          <a:stretch/>
+        </p:blipFill>
+        <p:spPr>
+          <a:xfrm>
+            <a:off x="1252086" y="4338578"/>
+            <a:ext cx="4340192" cy="2287521"/>
+          </a:xfrm>
+          <a:prstGeom prst="rect">
+            <a:avLst/>
+          </a:prstGeom>
+        </p:spPr>
+      </p:pic>
+      <p:pic>
+        <p:nvPicPr>
+          <p:cNvPr id="3" name="Picture 2">
+            <a:extLst>
+              <a:ext uri="{FF2B5EF4-FFF2-40B4-BE49-F238E27FC236}">
+                <a16:creationId xmlns:a16="http://schemas.microsoft.com/office/drawing/2014/main" id="{53469272-F9D4-4541-8898-2B5218625DE0}"/>
+              </a:ext>
+            </a:extLst>
+          </p:cNvPr>
+          <p:cNvPicPr>
+            <a:picLocks noChangeAspect="1"/>
+          </p:cNvPicPr>
+          <p:nvPr/>
+        </p:nvPicPr>
+        <p:blipFill rotWithShape="1">
+          <a:blip r:embed="rId4"/>
+          <a:srcRect l="26448" t="34459" r="52631" b="40070"/>
+          <a:stretch/>
+        </p:blipFill>
+        <p:spPr>
+          <a:xfrm>
+            <a:off x="1252086" y="1567585"/>
+            <a:ext cx="3729334" cy="2553966"/>
+          </a:xfrm>
+          <a:prstGeom prst="rect">
+            <a:avLst/>
+          </a:prstGeom>
+        </p:spPr>
+      </p:pic>
+      <p:pic>
+        <p:nvPicPr>
+          <p:cNvPr id="7" name="Picture 6">
+            <a:extLst>
+              <a:ext uri="{FF2B5EF4-FFF2-40B4-BE49-F238E27FC236}">
+                <a16:creationId xmlns:a16="http://schemas.microsoft.com/office/drawing/2014/main" id="{11387B27-70F7-427D-BB48-C91414824942}"/>
+              </a:ext>
+            </a:extLst>
+          </p:cNvPr>
+          <p:cNvPicPr>
+            <a:picLocks noChangeAspect="1"/>
+          </p:cNvPicPr>
+          <p:nvPr/>
+        </p:nvPicPr>
+        <p:blipFill rotWithShape="1">
+          <a:blip r:embed="rId5"/>
+          <a:srcRect l="25816" t="47018" r="63842" b="51297"/>
+          <a:stretch/>
+        </p:blipFill>
+        <p:spPr>
+          <a:xfrm>
+            <a:off x="6801854" y="5482338"/>
+            <a:ext cx="2986467" cy="273569"/>
+          </a:xfrm>
+          <a:prstGeom prst="rect">
+            <a:avLst/>
+          </a:prstGeom>
         </p:spPr>
       </p:pic>
     </p:spTree>
@@ -9400,7 +9225,7 @@
 </p:sld>
 </file>
 
-<file path=ppt/slides/slide12.xml><?xml version="1.0" encoding="utf-8"?>
+<file path=ppt/slides/slide11.xml><?xml version="1.0" encoding="utf-8"?>
 <p:sld xmlns:a="http://schemas.openxmlformats.org/drawingml/2006/main" xmlns:r="http://schemas.openxmlformats.org/officeDocument/2006/relationships" xmlns:p="http://schemas.openxmlformats.org/presentationml/2006/main">
   <p:cSld>
     <p:spTree>
@@ -9509,6 +9334,104 @@
     <p:extLst>
       <p:ext uri="{BB962C8B-B14F-4D97-AF65-F5344CB8AC3E}">
         <p14:creationId xmlns:p14="http://schemas.microsoft.com/office/powerpoint/2010/main" val="4098539916"/>
+      </p:ext>
+    </p:extLst>
+  </p:cSld>
+  <p:clrMapOvr>
+    <a:masterClrMapping/>
+  </p:clrMapOvr>
+</p:sld>
+</file>
+
+<file path=ppt/slides/slide12.xml><?xml version="1.0" encoding="utf-8"?>
+<p:sld xmlns:a="http://schemas.openxmlformats.org/drawingml/2006/main" xmlns:r="http://schemas.openxmlformats.org/officeDocument/2006/relationships" xmlns:p="http://schemas.openxmlformats.org/presentationml/2006/main">
+  <p:cSld>
+    <p:spTree>
+      <p:nvGrpSpPr>
+        <p:cNvPr id="1" name=""/>
+        <p:cNvGrpSpPr/>
+        <p:nvPr/>
+      </p:nvGrpSpPr>
+      <p:grpSpPr>
+        <a:xfrm>
+          <a:off x="0" y="0"/>
+          <a:ext cx="0" cy="0"/>
+          <a:chOff x="0" y="0"/>
+          <a:chExt cx="0" cy="0"/>
+        </a:xfrm>
+      </p:grpSpPr>
+      <p:sp>
+        <p:nvSpPr>
+          <p:cNvPr id="2" name="Title 1">
+            <a:extLst>
+              <a:ext uri="{FF2B5EF4-FFF2-40B4-BE49-F238E27FC236}">
+                <a16:creationId xmlns:a16="http://schemas.microsoft.com/office/drawing/2014/main" id="{D60594B8-A617-4E3B-BAE0-D6249CD7B116}"/>
+              </a:ext>
+            </a:extLst>
+          </p:cNvPr>
+          <p:cNvSpPr>
+            <a:spLocks noGrp="1"/>
+          </p:cNvSpPr>
+          <p:nvPr>
+            <p:ph type="title"/>
+          </p:nvPr>
+        </p:nvSpPr>
+        <p:spPr/>
+        <p:txBody>
+          <a:bodyPr>
+            <a:normAutofit/>
+          </a:bodyPr>
+          <a:lstStyle/>
+          <a:p>
+            <a:r>
+              <a:rPr lang="en-US" sz="4000" dirty="0">
+                <a:latin typeface="Times New Roman" panose="02020603050405020304" pitchFamily="18" charset="0"/>
+                <a:cs typeface="Times New Roman" panose="02020603050405020304" pitchFamily="18" charset="0"/>
+              </a:rPr>
+              <a:t>DM2 ICD9 Coding Consistency Research</a:t>
+            </a:r>
+          </a:p>
+        </p:txBody>
+      </p:sp>
+      <p:pic>
+        <p:nvPicPr>
+          <p:cNvPr id="9" name="Content Placeholder 8">
+            <a:extLst>
+              <a:ext uri="{FF2B5EF4-FFF2-40B4-BE49-F238E27FC236}">
+                <a16:creationId xmlns:a16="http://schemas.microsoft.com/office/drawing/2014/main" id="{622BCCCE-79D9-4BEE-8167-488E27EAAE18}"/>
+              </a:ext>
+            </a:extLst>
+          </p:cNvPr>
+          <p:cNvPicPr>
+            <a:picLocks noGrp="1" noChangeAspect="1"/>
+          </p:cNvPicPr>
+          <p:nvPr>
+            <p:ph idx="1"/>
+          </p:nvPr>
+        </p:nvPicPr>
+        <p:blipFill>
+          <a:blip r:embed="rId2">
+            <a:extLst>
+              <a:ext uri="{28A0092B-C50C-407E-A947-70E740481C1C}">
+                <a14:useLocalDpi xmlns:a14="http://schemas.microsoft.com/office/drawing/2010/main" val="0"/>
+              </a:ext>
+            </a:extLst>
+          </a:blip>
+          <a:stretch>
+            <a:fillRect/>
+          </a:stretch>
+        </p:blipFill>
+        <p:spPr>
+          <a:xfrm>
+            <a:off x="2762250" y="1945718"/>
+            <a:ext cx="6667500" cy="4286250"/>
+          </a:xfrm>
+        </p:spPr>
+      </p:pic>
+    </p:spTree>
+    <p:extLst>
+      <p:ext uri="{BB962C8B-B14F-4D97-AF65-F5344CB8AC3E}">
+        <p14:creationId xmlns:p14="http://schemas.microsoft.com/office/powerpoint/2010/main" val="1674878918"/>
       </p:ext>
     </p:extLst>
   </p:cSld>
@@ -9661,14 +9584,6 @@
 <file path=ppt/slides/slide2.xml><?xml version="1.0" encoding="utf-8"?>
 <p:sld xmlns:a="http://schemas.openxmlformats.org/drawingml/2006/main" xmlns:r="http://schemas.openxmlformats.org/officeDocument/2006/relationships" xmlns:p="http://schemas.openxmlformats.org/presentationml/2006/main">
   <p:cSld>
-    <p:bg>
-      <p:bgPr>
-        <a:solidFill>
-          <a:schemeClr val="bg1"/>
-        </a:solidFill>
-        <a:effectLst/>
-      </p:bgPr>
-    </p:bg>
     <p:spTree>
       <p:nvGrpSpPr>
         <p:cNvPr id="1" name=""/>
@@ -9926,14 +9841,6 @@
 <file path=ppt/slides/slide3.xml><?xml version="1.0" encoding="utf-8"?>
 <p:sld xmlns:a="http://schemas.openxmlformats.org/drawingml/2006/main" xmlns:r="http://schemas.openxmlformats.org/officeDocument/2006/relationships" xmlns:p="http://schemas.openxmlformats.org/presentationml/2006/main">
   <p:cSld>
-    <p:bg>
-      <p:bgPr>
-        <a:solidFill>
-          <a:schemeClr val="bg1"/>
-        </a:solidFill>
-        <a:effectLst/>
-      </p:bgPr>
-    </p:bg>
     <p:spTree>
       <p:nvGrpSpPr>
         <p:cNvPr id="1" name=""/>
@@ -10158,7 +10065,7 @@
                 <a:latin typeface="Times New Roman" panose="02020603050405020304" pitchFamily="18" charset="0"/>
                 <a:cs typeface="Times New Roman" panose="02020603050405020304" pitchFamily="18" charset="0"/>
               </a:rPr>
-              <a:t>Feature Exploration and Engineering</a:t>
+              <a:t>Feature Engineering</a:t>
             </a:r>
           </a:p>
           <a:p>
@@ -10167,7 +10074,7 @@
                 <a:latin typeface="Times New Roman" panose="02020603050405020304" pitchFamily="18" charset="0"/>
                 <a:cs typeface="Times New Roman" panose="02020603050405020304" pitchFamily="18" charset="0"/>
               </a:rPr>
-              <a:t>Neural Network</a:t>
+              <a:t>Convolutional Neural Network</a:t>
             </a:r>
           </a:p>
           <a:p>
@@ -10177,6 +10084,15 @@
                 <a:cs typeface="Times New Roman" panose="02020603050405020304" pitchFamily="18" charset="0"/>
               </a:rPr>
               <a:t>Results </a:t>
+            </a:r>
+          </a:p>
+          <a:p>
+            <a:r>
+              <a:rPr lang="en-US" sz="3200" dirty="0">
+                <a:latin typeface="Times New Roman" panose="02020603050405020304" pitchFamily="18" charset="0"/>
+                <a:cs typeface="Times New Roman" panose="02020603050405020304" pitchFamily="18" charset="0"/>
+              </a:rPr>
+              <a:t>Additional Research</a:t>
             </a:r>
           </a:p>
           <a:p>
@@ -10209,14 +10125,6 @@
 <file path=ppt/slides/slide4.xml><?xml version="1.0" encoding="utf-8"?>
 <p:sld xmlns:a="http://schemas.openxmlformats.org/drawingml/2006/main" xmlns:r="http://schemas.openxmlformats.org/officeDocument/2006/relationships" xmlns:p="http://schemas.openxmlformats.org/presentationml/2006/main">
   <p:cSld>
-    <p:bg>
-      <p:bgPr>
-        <a:solidFill>
-          <a:schemeClr val="bg1"/>
-        </a:solidFill>
-        <a:effectLst/>
-      </p:bgPr>
-    </p:bg>
     <p:spTree>
       <p:nvGrpSpPr>
         <p:cNvPr id="1" name=""/>
@@ -10695,14 +10603,6 @@
 <file path=ppt/slides/slide5.xml><?xml version="1.0" encoding="utf-8"?>
 <p:sld xmlns:a="http://schemas.openxmlformats.org/drawingml/2006/main" xmlns:r="http://schemas.openxmlformats.org/officeDocument/2006/relationships" xmlns:p="http://schemas.openxmlformats.org/presentationml/2006/main">
   <p:cSld>
-    <p:bg>
-      <p:bgPr>
-        <a:solidFill>
-          <a:schemeClr val="bg1"/>
-        </a:solidFill>
-        <a:effectLst/>
-      </p:bgPr>
-    </p:bg>
     <p:spTree>
       <p:nvGrpSpPr>
         <p:cNvPr id="1" name=""/>
@@ -11015,7 +10915,7 @@
             <p:ph idx="1"/>
             <p:extLst>
               <p:ext uri="{D42A27DB-BD31-4B8C-83A1-F6EECF244321}">
-                <p14:modId xmlns:p14="http://schemas.microsoft.com/office/powerpoint/2010/main" val="2175168752"/>
+                <p14:modId xmlns:p14="http://schemas.microsoft.com/office/powerpoint/2010/main" val="1856120225"/>
               </p:ext>
             </p:extLst>
           </p:nvPr>
@@ -11073,7 +10973,7 @@
           <p:nvPr>
             <p:extLst>
               <p:ext uri="{D42A27DB-BD31-4B8C-83A1-F6EECF244321}">
-                <p14:modId xmlns:p14="http://schemas.microsoft.com/office/powerpoint/2010/main" val="3537717050"/>
+                <p14:modId xmlns:p14="http://schemas.microsoft.com/office/powerpoint/2010/main" val="772260589"/>
               </p:ext>
             </p:extLst>
           </p:nvPr>
@@ -11149,7 +11049,7 @@
           <a:graphicData uri="http://schemas.openxmlformats.org/presentationml/2006/ole">
             <mc:AlternateContent xmlns:mc="http://schemas.openxmlformats.org/markup-compatibility/2006">
               <mc:Choice xmlns:v="urn:schemas-microsoft-com:vml" Requires="v">
-                <p:oleObj spid="_x0000_s1062" name="Packager Shell Object" showAsIcon="1" r:id="rId8" imgW="1762200" imgH="538200" progId="Package">
+                <p:oleObj spid="_x0000_s1078" name="Packager Shell Object" showAsIcon="1" r:id="rId8" imgW="1762200" imgH="538200" progId="Package">
                   <p:embed/>
                 </p:oleObj>
               </mc:Choice>
@@ -11202,7 +11102,7 @@
           <p:nvPr>
             <p:extLst>
               <p:ext uri="{D42A27DB-BD31-4B8C-83A1-F6EECF244321}">
-                <p14:modId xmlns:p14="http://schemas.microsoft.com/office/powerpoint/2010/main" val="1478505337"/>
+                <p14:modId xmlns:p14="http://schemas.microsoft.com/office/powerpoint/2010/main" val="4235213884"/>
               </p:ext>
             </p:extLst>
           </p:nvPr>
@@ -11215,7 +11115,7 @@
           <a:graphicData uri="http://schemas.openxmlformats.org/presentationml/2006/ole">
             <mc:AlternateContent xmlns:mc="http://schemas.openxmlformats.org/markup-compatibility/2006">
               <mc:Choice xmlns:v="urn:schemas-microsoft-com:vml" Requires="v">
-                <p:oleObj spid="_x0000_s1063" name="Packager Shell Object" showAsIcon="1" r:id="rId10" imgW="1752480" imgH="538200" progId="Package">
+                <p:oleObj spid="_x0000_s1079" name="Packager Shell Object" showAsIcon="1" r:id="rId10" imgW="1752480" imgH="538200" progId="Package">
                   <p:embed/>
                 </p:oleObj>
               </mc:Choice>
@@ -11470,7 +11370,7 @@
                 <a:latin typeface="Times New Roman" panose="02020603050405020304" pitchFamily="18" charset="0"/>
                 <a:cs typeface="Times New Roman" panose="02020603050405020304" pitchFamily="18" charset="0"/>
               </a:rPr>
-              <a:t>Glucose Measurement and Outcome Distributions</a:t>
+              <a:t>Feature Engineering</a:t>
             </a:r>
             <a:br>
               <a:rPr lang="en-US" sz="3600" u="sng" dirty="0"/>
@@ -11497,7 +11397,7 @@
         </p:nvSpPr>
         <p:spPr>
           <a:xfrm>
-            <a:off x="838200" y="1763102"/>
+            <a:off x="838200" y="1561766"/>
             <a:ext cx="10515600" cy="4351338"/>
           </a:xfrm>
         </p:spPr>
@@ -11519,7 +11419,7 @@
                 <a:latin typeface="Times New Roman" panose="02020603050405020304" pitchFamily="18" charset="0"/>
                 <a:cs typeface="Times New Roman" panose="02020603050405020304" pitchFamily="18" charset="0"/>
               </a:rPr>
-              <a:t>Imbalanced Data</a:t>
+              <a:t>Data Distribution</a:t>
             </a:r>
           </a:p>
           <a:p>
@@ -11529,10 +11429,10 @@
       </p:sp>
       <p:pic>
         <p:nvPicPr>
-          <p:cNvPr id="4" name="Picture 3">
+          <p:cNvPr id="9" name="Picture 8">
             <a:extLst>
               <a:ext uri="{FF2B5EF4-FFF2-40B4-BE49-F238E27FC236}">
-                <a16:creationId xmlns:a16="http://schemas.microsoft.com/office/drawing/2014/main" id="{A8A7AFFC-D163-4865-8AD9-5FD5923BED15}"/>
+                <a16:creationId xmlns:a16="http://schemas.microsoft.com/office/drawing/2014/main" id="{026F5D9A-8AA8-473C-9A83-75D5C8709EFA}"/>
               </a:ext>
             </a:extLst>
           </p:cNvPr>
@@ -11555,8 +11455,8 @@
         </p:blipFill>
         <p:spPr>
           <a:xfrm>
-            <a:off x="246457" y="2937017"/>
-            <a:ext cx="8405137" cy="3657600"/>
+            <a:off x="246457" y="3089171"/>
+            <a:ext cx="8942112" cy="3353292"/>
           </a:xfrm>
           <a:prstGeom prst="rect">
             <a:avLst/>
@@ -11585,8 +11485,38 @@
         </p:blipFill>
         <p:spPr>
           <a:xfrm>
-            <a:off x="8127963" y="3241325"/>
+            <a:off x="8448394" y="3241325"/>
             <a:ext cx="3395267" cy="3048984"/>
+          </a:xfrm>
+          <a:prstGeom prst="rect">
+            <a:avLst/>
+          </a:prstGeom>
+        </p:spPr>
+      </p:pic>
+      <p:pic>
+        <p:nvPicPr>
+          <p:cNvPr id="5" name="Picture 4">
+            <a:extLst>
+              <a:ext uri="{FF2B5EF4-FFF2-40B4-BE49-F238E27FC236}">
+                <a16:creationId xmlns:a16="http://schemas.microsoft.com/office/drawing/2014/main" id="{59A20774-0726-40A4-86D0-9FF6E28CE079}"/>
+              </a:ext>
+            </a:extLst>
+          </p:cNvPr>
+          <p:cNvPicPr>
+            <a:picLocks noChangeAspect="1"/>
+          </p:cNvPicPr>
+          <p:nvPr/>
+        </p:nvPicPr>
+        <p:blipFill>
+          <a:blip r:embed="rId4"/>
+          <a:stretch>
+            <a:fillRect/>
+          </a:stretch>
+        </p:blipFill>
+        <p:spPr>
+          <a:xfrm>
+            <a:off x="7151790" y="587651"/>
+            <a:ext cx="3112971" cy="1751046"/>
           </a:xfrm>
           <a:prstGeom prst="rect">
             <a:avLst/>
@@ -11632,51 +11562,6 @@
                                     <p:set>
                                       <p:cBhvr>
                                         <p:cTn id="6" dur="1" fill="hold">
-                                          <p:stCondLst>
-                                            <p:cond delay="0"/>
-                                          </p:stCondLst>
-                                        </p:cTn>
-                                        <p:tgtEl>
-                                          <p:spTgt spid="4"/>
-                                        </p:tgtEl>
-                                        <p:attrNameLst>
-                                          <p:attrName>style.visibility</p:attrName>
-                                        </p:attrNameLst>
-                                      </p:cBhvr>
-                                      <p:to>
-                                        <p:strVal val="visible"/>
-                                      </p:to>
-                                    </p:set>
-                                  </p:childTnLst>
-                                </p:cTn>
-                              </p:par>
-                            </p:childTnLst>
-                          </p:cTn>
-                        </p:par>
-                      </p:childTnLst>
-                    </p:cTn>
-                  </p:par>
-                  <p:par>
-                    <p:cTn id="7" fill="hold">
-                      <p:stCondLst>
-                        <p:cond delay="indefinite"/>
-                      </p:stCondLst>
-                      <p:childTnLst>
-                        <p:par>
-                          <p:cTn id="8" fill="hold">
-                            <p:stCondLst>
-                              <p:cond delay="0"/>
-                            </p:stCondLst>
-                            <p:childTnLst>
-                              <p:par>
-                                <p:cTn id="9" presetID="1" presetClass="entr" presetSubtype="0" fill="hold" nodeType="clickEffect">
-                                  <p:stCondLst>
-                                    <p:cond delay="0"/>
-                                  </p:stCondLst>
-                                  <p:childTnLst>
-                                    <p:set>
-                                      <p:cBhvr>
-                                        <p:cTn id="10" dur="1" fill="hold">
                                           <p:stCondLst>
                                             <p:cond delay="0"/>
                                           </p:stCondLst>
@@ -11771,81 +11656,11 @@
                 <a:latin typeface="Times New Roman" panose="02020603050405020304" pitchFamily="18" charset="0"/>
                 <a:cs typeface="Times New Roman" panose="02020603050405020304" pitchFamily="18" charset="0"/>
               </a:rPr>
-              <a:t>Feature Exploration</a:t>
+              <a:t>More Feature Exploration</a:t>
             </a:r>
           </a:p>
         </p:txBody>
       </p:sp>
-      <p:pic>
-        <p:nvPicPr>
-          <p:cNvPr id="9" name="Picture 8">
-            <a:extLst>
-              <a:ext uri="{FF2B5EF4-FFF2-40B4-BE49-F238E27FC236}">
-                <a16:creationId xmlns:a16="http://schemas.microsoft.com/office/drawing/2014/main" id="{DC8E20B2-EC55-481C-9EF5-DCB564F8CCAA}"/>
-              </a:ext>
-            </a:extLst>
-          </p:cNvPr>
-          <p:cNvPicPr>
-            <a:picLocks noChangeAspect="1"/>
-          </p:cNvPicPr>
-          <p:nvPr/>
-        </p:nvPicPr>
-        <p:blipFill rotWithShape="1">
-          <a:blip r:embed="rId2">
-            <a:extLst>
-              <a:ext uri="{28A0092B-C50C-407E-A947-70E740481C1C}">
-                <a14:useLocalDpi xmlns:a14="http://schemas.microsoft.com/office/drawing/2010/main" val="0"/>
-              </a:ext>
-            </a:extLst>
-          </a:blip>
-          <a:srcRect t="15512" r="14060" b="7420"/>
-          <a:stretch/>
-        </p:blipFill>
-        <p:spPr>
-          <a:xfrm>
-            <a:off x="838200" y="2873504"/>
-            <a:ext cx="5047945" cy="3703682"/>
-          </a:xfrm>
-          <a:prstGeom prst="rect">
-            <a:avLst/>
-          </a:prstGeom>
-        </p:spPr>
-      </p:pic>
-      <p:pic>
-        <p:nvPicPr>
-          <p:cNvPr id="5" name="Content Placeholder 4">
-            <a:extLst>
-              <a:ext uri="{FF2B5EF4-FFF2-40B4-BE49-F238E27FC236}">
-                <a16:creationId xmlns:a16="http://schemas.microsoft.com/office/drawing/2014/main" id="{ADF89B9C-84E9-45C1-B3B8-D58120AD4E33}"/>
-              </a:ext>
-            </a:extLst>
-          </p:cNvPr>
-          <p:cNvPicPr>
-            <a:picLocks noGrp="1" noChangeAspect="1"/>
-          </p:cNvPicPr>
-          <p:nvPr>
-            <p:ph idx="1"/>
-          </p:nvPr>
-        </p:nvPicPr>
-        <p:blipFill>
-          <a:blip r:embed="rId3">
-            <a:extLst>
-              <a:ext uri="{28A0092B-C50C-407E-A947-70E740481C1C}">
-                <a14:useLocalDpi xmlns:a14="http://schemas.microsoft.com/office/drawing/2010/main" val="0"/>
-              </a:ext>
-            </a:extLst>
-          </a:blip>
-          <a:stretch>
-            <a:fillRect/>
-          </a:stretch>
-        </p:blipFill>
-        <p:spPr>
-          <a:xfrm>
-            <a:off x="6052768" y="2873504"/>
-            <a:ext cx="5555524" cy="3703682"/>
-          </a:xfrm>
-        </p:spPr>
-      </p:pic>
       <p:sp>
         <p:nvSpPr>
           <p:cNvPr id="11" name="TextBox 10">
@@ -11879,7 +11694,7 @@
                 <a:latin typeface="Times New Roman" panose="02020603050405020304" pitchFamily="18" charset="0"/>
                 <a:cs typeface="Times New Roman" panose="02020603050405020304" pitchFamily="18" charset="0"/>
               </a:rPr>
-              <a:t>0 – Exhauster Score    (3-7) – Glucose Measurements </a:t>
+              <a:t>0 – Exhauster Score    (3-33) – Glucose Measurements </a:t>
             </a:r>
           </a:p>
           <a:p>
@@ -11888,7 +11703,7 @@
                 <a:latin typeface="Times New Roman" panose="02020603050405020304" pitchFamily="18" charset="0"/>
                 <a:cs typeface="Times New Roman" panose="02020603050405020304" pitchFamily="18" charset="0"/>
               </a:rPr>
-              <a:t>1 – Age						 8 – Glucose Range </a:t>
+              <a:t>1 – Age						 34 – Glucose Range </a:t>
             </a:r>
           </a:p>
           <a:p>
@@ -11902,6 +11717,77 @@
           </a:p>
         </p:txBody>
       </p:sp>
+      <p:pic>
+        <p:nvPicPr>
+          <p:cNvPr id="4" name="Picture 3">
+            <a:extLst>
+              <a:ext uri="{FF2B5EF4-FFF2-40B4-BE49-F238E27FC236}">
+                <a16:creationId xmlns:a16="http://schemas.microsoft.com/office/drawing/2014/main" id="{2077ABD1-C7AF-445B-96FA-27973320C6AB}"/>
+              </a:ext>
+            </a:extLst>
+          </p:cNvPr>
+          <p:cNvPicPr>
+            <a:picLocks noChangeAspect="1"/>
+          </p:cNvPicPr>
+          <p:nvPr/>
+        </p:nvPicPr>
+        <p:blipFill>
+          <a:blip r:embed="rId2">
+            <a:extLst>
+              <a:ext uri="{28A0092B-C50C-407E-A947-70E740481C1C}">
+                <a14:useLocalDpi xmlns:a14="http://schemas.microsoft.com/office/drawing/2010/main" val="0"/>
+              </a:ext>
+            </a:extLst>
+          </a:blip>
+          <a:stretch>
+            <a:fillRect/>
+          </a:stretch>
+        </p:blipFill>
+        <p:spPr>
+          <a:xfrm>
+            <a:off x="6305857" y="2854090"/>
+            <a:ext cx="5487650" cy="3658433"/>
+          </a:xfrm>
+          <a:prstGeom prst="rect">
+            <a:avLst/>
+          </a:prstGeom>
+        </p:spPr>
+      </p:pic>
+      <p:pic>
+        <p:nvPicPr>
+          <p:cNvPr id="10" name="Picture 9">
+            <a:extLst>
+              <a:ext uri="{FF2B5EF4-FFF2-40B4-BE49-F238E27FC236}">
+                <a16:creationId xmlns:a16="http://schemas.microsoft.com/office/drawing/2014/main" id="{5D99A834-C9A4-43FC-B099-4B8D15F0712F}"/>
+              </a:ext>
+            </a:extLst>
+          </p:cNvPr>
+          <p:cNvPicPr>
+            <a:picLocks noChangeAspect="1"/>
+          </p:cNvPicPr>
+          <p:nvPr/>
+        </p:nvPicPr>
+        <p:blipFill rotWithShape="1">
+          <a:blip r:embed="rId3">
+            <a:extLst>
+              <a:ext uri="{28A0092B-C50C-407E-A947-70E740481C1C}">
+                <a14:useLocalDpi xmlns:a14="http://schemas.microsoft.com/office/drawing/2010/main" val="0"/>
+              </a:ext>
+            </a:extLst>
+          </a:blip>
+          <a:srcRect t="17827" r="14626" b="6934"/>
+          <a:stretch/>
+        </p:blipFill>
+        <p:spPr>
+          <a:xfrm>
+            <a:off x="705992" y="2854089"/>
+            <a:ext cx="5073693" cy="3658433"/>
+          </a:xfrm>
+          <a:prstGeom prst="rect">
+            <a:avLst/>
+          </a:prstGeom>
+        </p:spPr>
+      </p:pic>
     </p:spTree>
     <p:extLst>
       <p:ext uri="{BB962C8B-B14F-4D97-AF65-F5344CB8AC3E}">
@@ -11947,33 +11833,6 @@
                                         </p:cTn>
                                         <p:tgtEl>
                                           <p:spTgt spid="11"/>
-                                        </p:tgtEl>
-                                        <p:attrNameLst>
-                                          <p:attrName>style.visibility</p:attrName>
-                                        </p:attrNameLst>
-                                      </p:cBhvr>
-                                      <p:to>
-                                        <p:strVal val="visible"/>
-                                      </p:to>
-                                    </p:set>
-                                  </p:childTnLst>
-                                </p:cTn>
-                              </p:par>
-                              <p:par>
-                                <p:cTn id="7" presetID="1" presetClass="entr" presetSubtype="0" fill="hold" nodeType="withEffect">
-                                  <p:stCondLst>
-                                    <p:cond delay="0"/>
-                                  </p:stCondLst>
-                                  <p:childTnLst>
-                                    <p:set>
-                                      <p:cBhvr>
-                                        <p:cTn id="8" dur="1" fill="hold">
-                                          <p:stCondLst>
-                                            <p:cond delay="0"/>
-                                          </p:stCondLst>
-                                        </p:cTn>
-                                        <p:tgtEl>
-                                          <p:spTgt spid="5"/>
                                         </p:tgtEl>
                                         <p:attrNameLst>
                                           <p:attrName>style.visibility</p:attrName>
@@ -12065,7 +11924,7 @@
                 <a:latin typeface="Times New Roman" panose="02020603050405020304" pitchFamily="18" charset="0"/>
                 <a:cs typeface="Times New Roman" panose="02020603050405020304" pitchFamily="18" charset="0"/>
               </a:rPr>
-              <a:t>Baseline Methods</a:t>
+              <a:t>Baseline Models</a:t>
             </a:r>
           </a:p>
         </p:txBody>
@@ -12098,35 +11957,32 @@
                 <a:latin typeface="Times New Roman" panose="02020603050405020304" pitchFamily="18" charset="0"/>
                 <a:cs typeface="Times New Roman" panose="02020603050405020304" pitchFamily="18" charset="0"/>
               </a:rPr>
-              <a:t>Baseline Models</a:t>
+              <a:t>Decision Tree 	</a:t>
             </a:r>
           </a:p>
           <a:p>
-            <a:pPr lvl="1"/>
+            <a:pPr marL="457200" lvl="1" indent="0">
+              <a:buNone/>
+            </a:pPr>
             <a:r>
-              <a:rPr lang="en-US" sz="2800" dirty="0">
+              <a:rPr lang="en-US" sz="2000" dirty="0">
                 <a:latin typeface="Times New Roman" panose="02020603050405020304" pitchFamily="18" charset="0"/>
                 <a:cs typeface="Times New Roman" panose="02020603050405020304" pitchFamily="18" charset="0"/>
               </a:rPr>
-              <a:t>Decision Tree</a:t>
+              <a:t>Accuracy: 0.693</a:t>
             </a:r>
           </a:p>
           <a:p>
-            <a:pPr lvl="1"/>
+            <a:pPr marL="457200" lvl="1" indent="0">
+              <a:buNone/>
+            </a:pPr>
             <a:r>
-              <a:rPr lang="en-US" sz="2800" dirty="0">
+              <a:rPr lang="en-US" sz="2000" dirty="0">
                 <a:latin typeface="Times New Roman" panose="02020603050405020304" pitchFamily="18" charset="0"/>
                 <a:cs typeface="Times New Roman" panose="02020603050405020304" pitchFamily="18" charset="0"/>
               </a:rPr>
-              <a:t>Random Forest</a:t>
+              <a:t>AUC: 0.685</a:t>
             </a:r>
-          </a:p>
-          <a:p>
-            <a:pPr lvl="1"/>
-            <a:endParaRPr lang="en-US" sz="3200" dirty="0">
-              <a:latin typeface="Times New Roman" panose="02020603050405020304" pitchFamily="18" charset="0"/>
-              <a:cs typeface="Times New Roman" panose="02020603050405020304" pitchFamily="18" charset="0"/>
-            </a:endParaRPr>
           </a:p>
           <a:p>
             <a:r>
@@ -12134,31 +11990,83 @@
                 <a:latin typeface="Times New Roman" panose="02020603050405020304" pitchFamily="18" charset="0"/>
                 <a:cs typeface="Times New Roman" panose="02020603050405020304" pitchFamily="18" charset="0"/>
               </a:rPr>
-              <a:t>AUC and Accuracy</a:t>
+              <a:t>Random Forest </a:t>
             </a:r>
           </a:p>
           <a:p>
-            <a:pPr lvl="1"/>
+            <a:pPr marL="457200" lvl="1" indent="0">
+              <a:buNone/>
+            </a:pPr>
             <a:r>
-              <a:rPr lang="en-US" sz="2800" dirty="0">
+              <a:rPr lang="en-US" sz="2000" dirty="0">
                 <a:latin typeface="Times New Roman" panose="02020603050405020304" pitchFamily="18" charset="0"/>
                 <a:cs typeface="Times New Roman" panose="02020603050405020304" pitchFamily="18" charset="0"/>
               </a:rPr>
-              <a:t>Decision Tree Acc: 71.5%</a:t>
+              <a:t>Accuracy: 0.773</a:t>
             </a:r>
           </a:p>
           <a:p>
-            <a:pPr lvl="1"/>
+            <a:pPr marL="457200" lvl="1" indent="0">
+              <a:buNone/>
+            </a:pPr>
             <a:r>
-              <a:rPr lang="en-US" sz="2800" dirty="0">
+              <a:rPr lang="en-US" sz="2000" dirty="0">
                 <a:latin typeface="Times New Roman" panose="02020603050405020304" pitchFamily="18" charset="0"/>
                 <a:cs typeface="Times New Roman" panose="02020603050405020304" pitchFamily="18" charset="0"/>
               </a:rPr>
-              <a:t>Random Forest Acc: 74.2%</a:t>
+              <a:t>AUC: 0.761</a:t>
             </a:r>
-            <a:endParaRPr lang="en-US" sz="2800" dirty="0"/>
-          </a:p>
-          <a:p>
+            <a:endParaRPr lang="en-US" sz="3200" dirty="0">
+              <a:latin typeface="Times New Roman" panose="02020603050405020304" pitchFamily="18" charset="0"/>
+              <a:cs typeface="Times New Roman" panose="02020603050405020304" pitchFamily="18" charset="0"/>
+            </a:endParaRPr>
+          </a:p>
+          <a:p>
+            <a:r>
+              <a:rPr lang="en-US" sz="3200" dirty="0">
+                <a:latin typeface="Times New Roman" panose="02020603050405020304" pitchFamily="18" charset="0"/>
+                <a:cs typeface="Times New Roman" panose="02020603050405020304" pitchFamily="18" charset="0"/>
+              </a:rPr>
+              <a:t>Simple Neural Network</a:t>
+            </a:r>
+          </a:p>
+          <a:p>
+            <a:pPr marL="457200" lvl="1" indent="0">
+              <a:buNone/>
+            </a:pPr>
+            <a:r>
+              <a:rPr lang="en-US" sz="2000" dirty="0">
+                <a:latin typeface="Times New Roman" panose="02020603050405020304" pitchFamily="18" charset="0"/>
+                <a:cs typeface="Times New Roman" panose="02020603050405020304" pitchFamily="18" charset="0"/>
+              </a:rPr>
+              <a:t>Accuracy: 0.771</a:t>
+            </a:r>
+          </a:p>
+          <a:p>
+            <a:pPr marL="457200" lvl="1" indent="0">
+              <a:buNone/>
+            </a:pPr>
+            <a:r>
+              <a:rPr lang="en-US" sz="2000" dirty="0">
+                <a:latin typeface="Times New Roman" panose="02020603050405020304" pitchFamily="18" charset="0"/>
+                <a:cs typeface="Times New Roman" panose="02020603050405020304" pitchFamily="18" charset="0"/>
+              </a:rPr>
+              <a:t>AUC: 0.791</a:t>
+            </a:r>
+          </a:p>
+          <a:p>
+            <a:pPr marL="0" indent="0">
+              <a:buNone/>
+            </a:pPr>
+            <a:endParaRPr lang="en-US" sz="3200" dirty="0">
+              <a:latin typeface="Times New Roman" panose="02020603050405020304" pitchFamily="18" charset="0"/>
+              <a:cs typeface="Times New Roman" panose="02020603050405020304" pitchFamily="18" charset="0"/>
+            </a:endParaRPr>
+          </a:p>
+          <a:p>
+            <a:pPr marL="0" indent="0">
+              <a:buNone/>
+            </a:pPr>
             <a:endParaRPr lang="en-US" dirty="0"/>
           </a:p>
           <a:p>
@@ -12237,7 +12145,7 @@
         </p:blipFill>
         <p:spPr>
           <a:xfrm>
-            <a:off x="5866151" y="4001294"/>
+            <a:off x="5933263" y="1027906"/>
             <a:ext cx="5487650" cy="2636415"/>
           </a:xfrm>
           <a:prstGeom prst="rect">
@@ -12247,10 +12155,10 @@
       </p:pic>
       <p:pic>
         <p:nvPicPr>
-          <p:cNvPr id="8" name="Picture 7">
+          <p:cNvPr id="5" name="Picture 4">
             <a:extLst>
               <a:ext uri="{FF2B5EF4-FFF2-40B4-BE49-F238E27FC236}">
-                <a16:creationId xmlns:a16="http://schemas.microsoft.com/office/drawing/2014/main" id="{D4E290EF-9791-4D95-9FCB-6700FA9ACFAD}"/>
+                <a16:creationId xmlns:a16="http://schemas.microsoft.com/office/drawing/2014/main" id="{DABE0738-D9C2-443D-BD49-576783893939}"/>
               </a:ext>
             </a:extLst>
           </p:cNvPr>
@@ -12260,21 +12168,15 @@
           <p:nvPr/>
         </p:nvPicPr>
         <p:blipFill>
-          <a:blip r:embed="rId3">
-            <a:extLst>
-              <a:ext uri="{28A0092B-C50C-407E-A947-70E740481C1C}">
-                <a14:useLocalDpi xmlns:a14="http://schemas.microsoft.com/office/drawing/2010/main" val="0"/>
-              </a:ext>
-            </a:extLst>
-          </a:blip>
+          <a:blip r:embed="rId3"/>
           <a:stretch>
             <a:fillRect/>
           </a:stretch>
         </p:blipFill>
         <p:spPr>
           <a:xfrm>
-            <a:off x="5866150" y="220291"/>
-            <a:ext cx="5487650" cy="3658433"/>
+            <a:off x="6014631" y="4114801"/>
+            <a:ext cx="5324913" cy="2197099"/>
           </a:xfrm>
           <a:prstGeom prst="rect">
             <a:avLst/>
